--- a/Report/FIG/figures.pptx
+++ b/Report/FIG/figures.pptx
@@ -6,6 +6,7 @@
   </p:sldMasterIdLst>
   <p:sldIdLst>
     <p:sldId id="256" r:id="rId2"/>
+    <p:sldId id="257" r:id="rId3"/>
   </p:sldIdLst>
   <p:sldSz cx="12192000" cy="6858000"/>
   <p:notesSz cx="6858000" cy="9144000"/>
@@ -104,6 +105,11 @@
       </a:defRPr>
     </a:lvl9pPr>
   </p:defaultTextStyle>
+  <p:extLst>
+    <p:ext uri="{EFAFB233-063F-42B5-8137-9DF3F51BA10A}">
+      <p15:sldGuideLst xmlns:p15="http://schemas.microsoft.com/office/powerpoint/2012/main"/>
+    </p:ext>
+  </p:extLst>
 </p:presentation>
 </file>
 
@@ -254,7 +260,7 @@
           <a:p>
             <a:fld id="{51573C1C-01B7-264A-9990-6C931553A5EF}" type="datetimeFigureOut">
               <a:rPr kumimoji="1" lang="ko-KR" altLang="en-US" smtClean="0"/>
-              <a:t>2019. 3. 30.</a:t>
+              <a:t>2019. 6. 9.</a:t>
             </a:fld>
             <a:endParaRPr kumimoji="1" lang="ko-KR" altLang="en-US"/>
           </a:p>
@@ -452,7 +458,7 @@
           <a:p>
             <a:fld id="{51573C1C-01B7-264A-9990-6C931553A5EF}" type="datetimeFigureOut">
               <a:rPr kumimoji="1" lang="ko-KR" altLang="en-US" smtClean="0"/>
-              <a:t>2019. 3. 30.</a:t>
+              <a:t>2019. 6. 9.</a:t>
             </a:fld>
             <a:endParaRPr kumimoji="1" lang="ko-KR" altLang="en-US"/>
           </a:p>
@@ -660,7 +666,7 @@
           <a:p>
             <a:fld id="{51573C1C-01B7-264A-9990-6C931553A5EF}" type="datetimeFigureOut">
               <a:rPr kumimoji="1" lang="ko-KR" altLang="en-US" smtClean="0"/>
-              <a:t>2019. 3. 30.</a:t>
+              <a:t>2019. 6. 9.</a:t>
             </a:fld>
             <a:endParaRPr kumimoji="1" lang="ko-KR" altLang="en-US"/>
           </a:p>
@@ -858,7 +864,7 @@
           <a:p>
             <a:fld id="{51573C1C-01B7-264A-9990-6C931553A5EF}" type="datetimeFigureOut">
               <a:rPr kumimoji="1" lang="ko-KR" altLang="en-US" smtClean="0"/>
-              <a:t>2019. 3. 30.</a:t>
+              <a:t>2019. 6. 9.</a:t>
             </a:fld>
             <a:endParaRPr kumimoji="1" lang="ko-KR" altLang="en-US"/>
           </a:p>
@@ -1133,7 +1139,7 @@
           <a:p>
             <a:fld id="{51573C1C-01B7-264A-9990-6C931553A5EF}" type="datetimeFigureOut">
               <a:rPr kumimoji="1" lang="ko-KR" altLang="en-US" smtClean="0"/>
-              <a:t>2019. 3. 30.</a:t>
+              <a:t>2019. 6. 9.</a:t>
             </a:fld>
             <a:endParaRPr kumimoji="1" lang="ko-KR" altLang="en-US"/>
           </a:p>
@@ -1398,7 +1404,7 @@
           <a:p>
             <a:fld id="{51573C1C-01B7-264A-9990-6C931553A5EF}" type="datetimeFigureOut">
               <a:rPr kumimoji="1" lang="ko-KR" altLang="en-US" smtClean="0"/>
-              <a:t>2019. 3. 30.</a:t>
+              <a:t>2019. 6. 9.</a:t>
             </a:fld>
             <a:endParaRPr kumimoji="1" lang="ko-KR" altLang="en-US"/>
           </a:p>
@@ -1810,7 +1816,7 @@
           <a:p>
             <a:fld id="{51573C1C-01B7-264A-9990-6C931553A5EF}" type="datetimeFigureOut">
               <a:rPr kumimoji="1" lang="ko-KR" altLang="en-US" smtClean="0"/>
-              <a:t>2019. 3. 30.</a:t>
+              <a:t>2019. 6. 9.</a:t>
             </a:fld>
             <a:endParaRPr kumimoji="1" lang="ko-KR" altLang="en-US"/>
           </a:p>
@@ -1951,7 +1957,7 @@
           <a:p>
             <a:fld id="{51573C1C-01B7-264A-9990-6C931553A5EF}" type="datetimeFigureOut">
               <a:rPr kumimoji="1" lang="ko-KR" altLang="en-US" smtClean="0"/>
-              <a:t>2019. 3. 30.</a:t>
+              <a:t>2019. 6. 9.</a:t>
             </a:fld>
             <a:endParaRPr kumimoji="1" lang="ko-KR" altLang="en-US"/>
           </a:p>
@@ -2064,7 +2070,7 @@
           <a:p>
             <a:fld id="{51573C1C-01B7-264A-9990-6C931553A5EF}" type="datetimeFigureOut">
               <a:rPr kumimoji="1" lang="ko-KR" altLang="en-US" smtClean="0"/>
-              <a:t>2019. 3. 30.</a:t>
+              <a:t>2019. 6. 9.</a:t>
             </a:fld>
             <a:endParaRPr kumimoji="1" lang="ko-KR" altLang="en-US"/>
           </a:p>
@@ -2375,7 +2381,7 @@
           <a:p>
             <a:fld id="{51573C1C-01B7-264A-9990-6C931553A5EF}" type="datetimeFigureOut">
               <a:rPr kumimoji="1" lang="ko-KR" altLang="en-US" smtClean="0"/>
-              <a:t>2019. 3. 30.</a:t>
+              <a:t>2019. 6. 9.</a:t>
             </a:fld>
             <a:endParaRPr kumimoji="1" lang="ko-KR" altLang="en-US"/>
           </a:p>
@@ -2663,7 +2669,7 @@
           <a:p>
             <a:fld id="{51573C1C-01B7-264A-9990-6C931553A5EF}" type="datetimeFigureOut">
               <a:rPr kumimoji="1" lang="ko-KR" altLang="en-US" smtClean="0"/>
-              <a:t>2019. 3. 30.</a:t>
+              <a:t>2019. 6. 9.</a:t>
             </a:fld>
             <a:endParaRPr kumimoji="1" lang="ko-KR" altLang="en-US"/>
           </a:p>
@@ -2904,7 +2910,7 @@
           <a:p>
             <a:fld id="{51573C1C-01B7-264A-9990-6C931553A5EF}" type="datetimeFigureOut">
               <a:rPr kumimoji="1" lang="ko-KR" altLang="en-US" smtClean="0"/>
-              <a:t>2019. 3. 30.</a:t>
+              <a:t>2019. 6. 9.</a:t>
             </a:fld>
             <a:endParaRPr kumimoji="1" lang="ko-KR" altLang="en-US"/>
           </a:p>
@@ -3343,7 +3349,7 @@
         </p:blipFill>
         <p:spPr>
           <a:xfrm>
-            <a:off x="204435" y="2217646"/>
+            <a:off x="751277" y="2222027"/>
             <a:ext cx="2761232" cy="2416078"/>
           </a:xfrm>
           <a:prstGeom prst="rect">
@@ -3365,7 +3371,7 @@
         </p:nvSpPr>
         <p:spPr>
           <a:xfrm>
-            <a:off x="3494832" y="2012425"/>
+            <a:off x="4563978" y="2012425"/>
             <a:ext cx="1933903" cy="1681655"/>
           </a:xfrm>
           <a:prstGeom prst="rect">
@@ -3419,7 +3425,7 @@
         </p:nvSpPr>
         <p:spPr>
           <a:xfrm>
-            <a:off x="3624365" y="2244148"/>
+            <a:off x="4693511" y="2244148"/>
             <a:ext cx="1933903" cy="1681655"/>
           </a:xfrm>
           <a:prstGeom prst="rect">
@@ -3473,7 +3479,7 @@
         </p:nvSpPr>
         <p:spPr>
           <a:xfrm>
-            <a:off x="3753898" y="2475871"/>
+            <a:off x="4823044" y="2475871"/>
             <a:ext cx="1933903" cy="1681655"/>
           </a:xfrm>
           <a:prstGeom prst="rect">
@@ -3527,7 +3533,7 @@
         </p:nvSpPr>
         <p:spPr>
           <a:xfrm>
-            <a:off x="3883431" y="2707594"/>
+            <a:off x="4952577" y="2707594"/>
             <a:ext cx="1933903" cy="1681655"/>
           </a:xfrm>
           <a:prstGeom prst="rect">
@@ -3581,7 +3587,7 @@
         </p:nvSpPr>
         <p:spPr>
           <a:xfrm>
-            <a:off x="4012964" y="2939317"/>
+            <a:off x="5082110" y="2939317"/>
             <a:ext cx="1933903" cy="1681655"/>
           </a:xfrm>
           <a:prstGeom prst="rect">
@@ -3635,7 +3641,7 @@
         </p:nvSpPr>
         <p:spPr>
           <a:xfrm>
-            <a:off x="6789068" y="2402382"/>
+            <a:off x="7858214" y="2402382"/>
             <a:ext cx="885137" cy="840828"/>
           </a:xfrm>
           <a:prstGeom prst="rect">
@@ -3689,7 +3695,7 @@
         </p:nvSpPr>
         <p:spPr>
           <a:xfrm>
-            <a:off x="6864631" y="2521674"/>
+            <a:off x="7933777" y="2521674"/>
             <a:ext cx="885137" cy="840828"/>
           </a:xfrm>
           <a:prstGeom prst="rect">
@@ -3743,7 +3749,7 @@
         </p:nvSpPr>
         <p:spPr>
           <a:xfrm>
-            <a:off x="6940194" y="2640966"/>
+            <a:off x="8009340" y="2640966"/>
             <a:ext cx="885137" cy="840828"/>
           </a:xfrm>
           <a:prstGeom prst="rect">
@@ -3797,7 +3803,7 @@
         </p:nvSpPr>
         <p:spPr>
           <a:xfrm>
-            <a:off x="7015757" y="2764738"/>
+            <a:off x="8084903" y="2764738"/>
             <a:ext cx="885137" cy="840828"/>
           </a:xfrm>
           <a:prstGeom prst="rect">
@@ -3851,7 +3857,7 @@
         </p:nvSpPr>
         <p:spPr>
           <a:xfrm>
-            <a:off x="7091320" y="2888510"/>
+            <a:off x="8160466" y="2888510"/>
             <a:ext cx="885137" cy="840828"/>
           </a:xfrm>
           <a:prstGeom prst="rect">
@@ -3905,7 +3911,7 @@
         </p:nvSpPr>
         <p:spPr>
           <a:xfrm>
-            <a:off x="7166883" y="3001734"/>
+            <a:off x="8236029" y="3001734"/>
             <a:ext cx="885137" cy="840828"/>
           </a:xfrm>
           <a:prstGeom prst="rect">
@@ -3959,7 +3965,7 @@
         </p:nvSpPr>
         <p:spPr>
           <a:xfrm>
-            <a:off x="7242446" y="3121801"/>
+            <a:off x="8311592" y="3121801"/>
             <a:ext cx="885137" cy="840828"/>
           </a:xfrm>
           <a:prstGeom prst="rect">
@@ -4013,7 +4019,7 @@
         </p:nvSpPr>
         <p:spPr>
           <a:xfrm>
-            <a:off x="7320953" y="3241868"/>
+            <a:off x="8390099" y="3241868"/>
             <a:ext cx="885137" cy="840828"/>
           </a:xfrm>
           <a:prstGeom prst="rect">
@@ -4067,7 +4073,7 @@
         </p:nvSpPr>
         <p:spPr>
           <a:xfrm>
-            <a:off x="7391469" y="3370645"/>
+            <a:off x="8460615" y="3370645"/>
             <a:ext cx="885137" cy="840828"/>
           </a:xfrm>
           <a:prstGeom prst="rect">
@@ -4121,7 +4127,7 @@
         </p:nvSpPr>
         <p:spPr>
           <a:xfrm>
-            <a:off x="6065772" y="2683133"/>
+            <a:off x="7134918" y="2683133"/>
             <a:ext cx="601447" cy="769441"/>
           </a:xfrm>
           <a:prstGeom prst="rect">
@@ -4157,7 +4163,7 @@
         </p:nvCxnSpPr>
         <p:spPr>
           <a:xfrm>
-            <a:off x="2636318" y="3370645"/>
+            <a:off x="3705464" y="3370645"/>
             <a:ext cx="658698" cy="0"/>
           </a:xfrm>
           <a:prstGeom prst="straightConnector1">
@@ -4199,7 +4205,7 @@
         </p:nvCxnSpPr>
         <p:spPr>
           <a:xfrm>
-            <a:off x="8534610" y="3429000"/>
+            <a:off x="9603756" y="3429000"/>
             <a:ext cx="658698" cy="0"/>
           </a:xfrm>
           <a:prstGeom prst="straightConnector1">
@@ -4241,7 +4247,7 @@
         </p:nvSpPr>
         <p:spPr>
           <a:xfrm>
-            <a:off x="9533304" y="1459467"/>
+            <a:off x="10602450" y="1459467"/>
             <a:ext cx="265601" cy="245766"/>
           </a:xfrm>
           <a:prstGeom prst="rect">
@@ -4295,7 +4301,7 @@
         </p:nvSpPr>
         <p:spPr>
           <a:xfrm>
-            <a:off x="9533304" y="1705233"/>
+            <a:off x="10602450" y="1705233"/>
             <a:ext cx="265601" cy="245766"/>
           </a:xfrm>
           <a:prstGeom prst="rect">
@@ -4349,7 +4355,7 @@
         </p:nvSpPr>
         <p:spPr>
           <a:xfrm>
-            <a:off x="9533303" y="1950999"/>
+            <a:off x="10602449" y="1950999"/>
             <a:ext cx="265601" cy="245766"/>
           </a:xfrm>
           <a:prstGeom prst="rect">
@@ -4403,7 +4409,7 @@
         </p:nvSpPr>
         <p:spPr>
           <a:xfrm>
-            <a:off x="9533303" y="2183725"/>
+            <a:off x="10602449" y="2183725"/>
             <a:ext cx="265601" cy="245766"/>
           </a:xfrm>
           <a:prstGeom prst="rect">
@@ -4457,7 +4463,7 @@
         </p:nvSpPr>
         <p:spPr>
           <a:xfrm>
-            <a:off x="9533304" y="2424717"/>
+            <a:off x="10602450" y="2424717"/>
             <a:ext cx="265601" cy="245766"/>
           </a:xfrm>
           <a:prstGeom prst="rect">
@@ -4511,7 +4517,7 @@
         </p:nvSpPr>
         <p:spPr>
           <a:xfrm>
-            <a:off x="9533304" y="2670483"/>
+            <a:off x="10602450" y="2670483"/>
             <a:ext cx="265601" cy="245766"/>
           </a:xfrm>
           <a:prstGeom prst="rect">
@@ -4565,7 +4571,7 @@
         </p:nvSpPr>
         <p:spPr>
           <a:xfrm>
-            <a:off x="9533303" y="2916249"/>
+            <a:off x="10602449" y="2916249"/>
             <a:ext cx="265601" cy="245766"/>
           </a:xfrm>
           <a:prstGeom prst="rect">
@@ -4619,7 +4625,7 @@
         </p:nvSpPr>
         <p:spPr>
           <a:xfrm>
-            <a:off x="9533303" y="3148975"/>
+            <a:off x="10602449" y="3148975"/>
             <a:ext cx="265601" cy="245766"/>
           </a:xfrm>
           <a:prstGeom prst="rect">
@@ -4673,7 +4679,7 @@
         </p:nvSpPr>
         <p:spPr>
           <a:xfrm>
-            <a:off x="9533304" y="3377795"/>
+            <a:off x="10602450" y="3377795"/>
             <a:ext cx="265601" cy="245766"/>
           </a:xfrm>
           <a:prstGeom prst="rect">
@@ -4727,7 +4733,7 @@
         </p:nvSpPr>
         <p:spPr>
           <a:xfrm>
-            <a:off x="9533304" y="3623561"/>
+            <a:off x="10602450" y="3623561"/>
             <a:ext cx="265601" cy="245766"/>
           </a:xfrm>
           <a:prstGeom prst="rect">
@@ -4781,7 +4787,7 @@
         </p:nvSpPr>
         <p:spPr>
           <a:xfrm>
-            <a:off x="9533303" y="3869327"/>
+            <a:off x="10602449" y="3869327"/>
             <a:ext cx="265601" cy="245766"/>
           </a:xfrm>
           <a:prstGeom prst="rect">
@@ -4835,7 +4841,7 @@
         </p:nvSpPr>
         <p:spPr>
           <a:xfrm>
-            <a:off x="9533303" y="4102053"/>
+            <a:off x="10602449" y="4102053"/>
             <a:ext cx="265601" cy="245766"/>
           </a:xfrm>
           <a:prstGeom prst="rect">
@@ -4889,7 +4895,7 @@
         </p:nvSpPr>
         <p:spPr>
           <a:xfrm>
-            <a:off x="9533304" y="4344774"/>
+            <a:off x="10602450" y="4344774"/>
             <a:ext cx="265601" cy="245766"/>
           </a:xfrm>
           <a:prstGeom prst="rect">
@@ -4943,7 +4949,7 @@
         </p:nvSpPr>
         <p:spPr>
           <a:xfrm>
-            <a:off x="9533304" y="4590540"/>
+            <a:off x="10602450" y="4590540"/>
             <a:ext cx="265601" cy="245766"/>
           </a:xfrm>
           <a:prstGeom prst="rect">
@@ -4997,7 +5003,7 @@
         </p:nvSpPr>
         <p:spPr>
           <a:xfrm>
-            <a:off x="9533303" y="4836306"/>
+            <a:off x="10602449" y="4836306"/>
             <a:ext cx="265601" cy="245766"/>
           </a:xfrm>
           <a:prstGeom prst="rect">
@@ -5051,7 +5057,7 @@
         </p:nvSpPr>
         <p:spPr>
           <a:xfrm>
-            <a:off x="9533303" y="5069032"/>
+            <a:off x="10602449" y="5069032"/>
             <a:ext cx="265601" cy="245766"/>
           </a:xfrm>
           <a:prstGeom prst="rect">
@@ -5095,6 +5101,5820 @@
     <p:extLst>
       <p:ext uri="{BB962C8B-B14F-4D97-AF65-F5344CB8AC3E}">
         <p14:creationId xmlns:p14="http://schemas.microsoft.com/office/powerpoint/2010/main" val="3935150015"/>
+      </p:ext>
+    </p:extLst>
+  </p:cSld>
+  <p:clrMapOvr>
+    <a:masterClrMapping/>
+  </p:clrMapOvr>
+</p:sld>
+</file>
+
+<file path=ppt/slides/slide2.xml><?xml version="1.0" encoding="utf-8"?>
+<p:sld xmlns:a="http://schemas.openxmlformats.org/drawingml/2006/main" xmlns:r="http://schemas.openxmlformats.org/officeDocument/2006/relationships" xmlns:p="http://schemas.openxmlformats.org/presentationml/2006/main">
+  <p:cSld>
+    <p:spTree>
+      <p:nvGrpSpPr>
+        <p:cNvPr id="1" name=""/>
+        <p:cNvGrpSpPr/>
+        <p:nvPr/>
+      </p:nvGrpSpPr>
+      <p:grpSpPr>
+        <a:xfrm>
+          <a:off x="0" y="0"/>
+          <a:ext cx="0" cy="0"/>
+          <a:chOff x="0" y="0"/>
+          <a:chExt cx="0" cy="0"/>
+        </a:xfrm>
+      </p:grpSpPr>
+      <p:sp>
+        <p:nvSpPr>
+          <p:cNvPr id="230" name="직사각형 229">
+            <a:extLst>
+              <a:ext uri="{FF2B5EF4-FFF2-40B4-BE49-F238E27FC236}">
+                <a16:creationId xmlns:a16="http://schemas.microsoft.com/office/drawing/2014/main" id="{3E4FE94F-EA40-BC45-B621-426488ED8BA7}"/>
+              </a:ext>
+            </a:extLst>
+          </p:cNvPr>
+          <p:cNvSpPr/>
+          <p:nvPr/>
+        </p:nvSpPr>
+        <p:spPr>
+          <a:xfrm>
+            <a:off x="7439968" y="2967149"/>
+            <a:ext cx="493966" cy="469238"/>
+          </a:xfrm>
+          <a:prstGeom prst="rect">
+            <a:avLst/>
+          </a:prstGeom>
+          <a:solidFill>
+            <a:schemeClr val="bg1"/>
+          </a:solidFill>
+          <a:ln w="38100">
+            <a:solidFill>
+              <a:schemeClr val="tx1"/>
+            </a:solidFill>
+          </a:ln>
+        </p:spPr>
+        <p:style>
+          <a:lnRef idx="2">
+            <a:schemeClr val="accent1">
+              <a:shade val="50000"/>
+            </a:schemeClr>
+          </a:lnRef>
+          <a:fillRef idx="1">
+            <a:schemeClr val="accent1"/>
+          </a:fillRef>
+          <a:effectRef idx="0">
+            <a:schemeClr val="accent1"/>
+          </a:effectRef>
+          <a:fontRef idx="minor">
+            <a:schemeClr val="lt1"/>
+          </a:fontRef>
+        </p:style>
+        <p:txBody>
+          <a:bodyPr rtlCol="0" anchor="ctr"/>
+          <a:lstStyle/>
+          <a:p>
+            <a:pPr algn="ctr"/>
+            <a:endParaRPr kumimoji="1" lang="ko-KR" altLang="en-US">
+              <a:solidFill>
+                <a:schemeClr val="tx1"/>
+              </a:solidFill>
+            </a:endParaRPr>
+          </a:p>
+        </p:txBody>
+      </p:sp>
+      <p:sp>
+        <p:nvSpPr>
+          <p:cNvPr id="231" name="직사각형 230">
+            <a:extLst>
+              <a:ext uri="{FF2B5EF4-FFF2-40B4-BE49-F238E27FC236}">
+                <a16:creationId xmlns:a16="http://schemas.microsoft.com/office/drawing/2014/main" id="{89B53A53-540E-0E42-8B6D-725166F3F4C1}"/>
+              </a:ext>
+            </a:extLst>
+          </p:cNvPr>
+          <p:cNvSpPr/>
+          <p:nvPr/>
+        </p:nvSpPr>
+        <p:spPr>
+          <a:xfrm>
+            <a:off x="7482137" y="3033722"/>
+            <a:ext cx="493966" cy="469238"/>
+          </a:xfrm>
+          <a:prstGeom prst="rect">
+            <a:avLst/>
+          </a:prstGeom>
+          <a:solidFill>
+            <a:schemeClr val="bg1"/>
+          </a:solidFill>
+          <a:ln w="38100">
+            <a:solidFill>
+              <a:schemeClr val="tx1"/>
+            </a:solidFill>
+          </a:ln>
+        </p:spPr>
+        <p:style>
+          <a:lnRef idx="2">
+            <a:schemeClr val="accent1">
+              <a:shade val="50000"/>
+            </a:schemeClr>
+          </a:lnRef>
+          <a:fillRef idx="1">
+            <a:schemeClr val="accent1"/>
+          </a:fillRef>
+          <a:effectRef idx="0">
+            <a:schemeClr val="accent1"/>
+          </a:effectRef>
+          <a:fontRef idx="minor">
+            <a:schemeClr val="lt1"/>
+          </a:fontRef>
+        </p:style>
+        <p:txBody>
+          <a:bodyPr rtlCol="0" anchor="ctr"/>
+          <a:lstStyle/>
+          <a:p>
+            <a:pPr algn="ctr"/>
+            <a:endParaRPr kumimoji="1" lang="ko-KR" altLang="en-US">
+              <a:solidFill>
+                <a:schemeClr val="tx1"/>
+              </a:solidFill>
+            </a:endParaRPr>
+          </a:p>
+        </p:txBody>
+      </p:sp>
+      <p:sp>
+        <p:nvSpPr>
+          <p:cNvPr id="232" name="직사각형 231">
+            <a:extLst>
+              <a:ext uri="{FF2B5EF4-FFF2-40B4-BE49-F238E27FC236}">
+                <a16:creationId xmlns:a16="http://schemas.microsoft.com/office/drawing/2014/main" id="{D5C3FB86-49D9-A248-9FA8-12B7B7DAB277}"/>
+              </a:ext>
+            </a:extLst>
+          </p:cNvPr>
+          <p:cNvSpPr/>
+          <p:nvPr/>
+        </p:nvSpPr>
+        <p:spPr>
+          <a:xfrm>
+            <a:off x="7524306" y="3100295"/>
+            <a:ext cx="493966" cy="469238"/>
+          </a:xfrm>
+          <a:prstGeom prst="rect">
+            <a:avLst/>
+          </a:prstGeom>
+          <a:solidFill>
+            <a:schemeClr val="bg1"/>
+          </a:solidFill>
+          <a:ln w="38100">
+            <a:solidFill>
+              <a:schemeClr val="tx1"/>
+            </a:solidFill>
+          </a:ln>
+        </p:spPr>
+        <p:style>
+          <a:lnRef idx="2">
+            <a:schemeClr val="accent1">
+              <a:shade val="50000"/>
+            </a:schemeClr>
+          </a:lnRef>
+          <a:fillRef idx="1">
+            <a:schemeClr val="accent1"/>
+          </a:fillRef>
+          <a:effectRef idx="0">
+            <a:schemeClr val="accent1"/>
+          </a:effectRef>
+          <a:fontRef idx="minor">
+            <a:schemeClr val="lt1"/>
+          </a:fontRef>
+        </p:style>
+        <p:txBody>
+          <a:bodyPr rtlCol="0" anchor="ctr"/>
+          <a:lstStyle/>
+          <a:p>
+            <a:pPr algn="ctr"/>
+            <a:endParaRPr kumimoji="1" lang="ko-KR" altLang="en-US">
+              <a:solidFill>
+                <a:schemeClr val="tx1"/>
+              </a:solidFill>
+            </a:endParaRPr>
+          </a:p>
+        </p:txBody>
+      </p:sp>
+      <p:sp>
+        <p:nvSpPr>
+          <p:cNvPr id="233" name="직사각형 232">
+            <a:extLst>
+              <a:ext uri="{FF2B5EF4-FFF2-40B4-BE49-F238E27FC236}">
+                <a16:creationId xmlns:a16="http://schemas.microsoft.com/office/drawing/2014/main" id="{9828DC8D-4975-CE41-AB92-5D6819212B6F}"/>
+              </a:ext>
+            </a:extLst>
+          </p:cNvPr>
+          <p:cNvSpPr/>
+          <p:nvPr/>
+        </p:nvSpPr>
+        <p:spPr>
+          <a:xfrm>
+            <a:off x="7566475" y="3169368"/>
+            <a:ext cx="493966" cy="469238"/>
+          </a:xfrm>
+          <a:prstGeom prst="rect">
+            <a:avLst/>
+          </a:prstGeom>
+          <a:solidFill>
+            <a:schemeClr val="bg1"/>
+          </a:solidFill>
+          <a:ln w="38100">
+            <a:solidFill>
+              <a:schemeClr val="tx1"/>
+            </a:solidFill>
+          </a:ln>
+        </p:spPr>
+        <p:style>
+          <a:lnRef idx="2">
+            <a:schemeClr val="accent1">
+              <a:shade val="50000"/>
+            </a:schemeClr>
+          </a:lnRef>
+          <a:fillRef idx="1">
+            <a:schemeClr val="accent1"/>
+          </a:fillRef>
+          <a:effectRef idx="0">
+            <a:schemeClr val="accent1"/>
+          </a:effectRef>
+          <a:fontRef idx="minor">
+            <a:schemeClr val="lt1"/>
+          </a:fontRef>
+        </p:style>
+        <p:txBody>
+          <a:bodyPr rtlCol="0" anchor="ctr"/>
+          <a:lstStyle/>
+          <a:p>
+            <a:pPr algn="ctr"/>
+            <a:endParaRPr kumimoji="1" lang="ko-KR" altLang="en-US">
+              <a:solidFill>
+                <a:schemeClr val="tx1"/>
+              </a:solidFill>
+            </a:endParaRPr>
+          </a:p>
+        </p:txBody>
+      </p:sp>
+      <p:sp>
+        <p:nvSpPr>
+          <p:cNvPr id="234" name="직사각형 233">
+            <a:extLst>
+              <a:ext uri="{FF2B5EF4-FFF2-40B4-BE49-F238E27FC236}">
+                <a16:creationId xmlns:a16="http://schemas.microsoft.com/office/drawing/2014/main" id="{77BC50F5-D252-9B42-85A6-A82D02F0084A}"/>
+              </a:ext>
+            </a:extLst>
+          </p:cNvPr>
+          <p:cNvSpPr/>
+          <p:nvPr/>
+        </p:nvSpPr>
+        <p:spPr>
+          <a:xfrm>
+            <a:off x="7608645" y="3238441"/>
+            <a:ext cx="493966" cy="469238"/>
+          </a:xfrm>
+          <a:prstGeom prst="rect">
+            <a:avLst/>
+          </a:prstGeom>
+          <a:solidFill>
+            <a:schemeClr val="bg1"/>
+          </a:solidFill>
+          <a:ln w="38100">
+            <a:solidFill>
+              <a:schemeClr val="tx1"/>
+            </a:solidFill>
+          </a:ln>
+        </p:spPr>
+        <p:style>
+          <a:lnRef idx="2">
+            <a:schemeClr val="accent1">
+              <a:shade val="50000"/>
+            </a:schemeClr>
+          </a:lnRef>
+          <a:fillRef idx="1">
+            <a:schemeClr val="accent1"/>
+          </a:fillRef>
+          <a:effectRef idx="0">
+            <a:schemeClr val="accent1"/>
+          </a:effectRef>
+          <a:fontRef idx="minor">
+            <a:schemeClr val="lt1"/>
+          </a:fontRef>
+        </p:style>
+        <p:txBody>
+          <a:bodyPr rtlCol="0" anchor="ctr"/>
+          <a:lstStyle/>
+          <a:p>
+            <a:pPr algn="ctr"/>
+            <a:endParaRPr kumimoji="1" lang="ko-KR" altLang="en-US">
+              <a:solidFill>
+                <a:schemeClr val="tx1"/>
+              </a:solidFill>
+            </a:endParaRPr>
+          </a:p>
+        </p:txBody>
+      </p:sp>
+      <p:sp>
+        <p:nvSpPr>
+          <p:cNvPr id="235" name="직사각형 234">
+            <a:extLst>
+              <a:ext uri="{FF2B5EF4-FFF2-40B4-BE49-F238E27FC236}">
+                <a16:creationId xmlns:a16="http://schemas.microsoft.com/office/drawing/2014/main" id="{56360DDD-6592-F548-A000-52CEDB957F5E}"/>
+              </a:ext>
+            </a:extLst>
+          </p:cNvPr>
+          <p:cNvSpPr/>
+          <p:nvPr/>
+        </p:nvSpPr>
+        <p:spPr>
+          <a:xfrm>
+            <a:off x="7650814" y="3301628"/>
+            <a:ext cx="493966" cy="469238"/>
+          </a:xfrm>
+          <a:prstGeom prst="rect">
+            <a:avLst/>
+          </a:prstGeom>
+          <a:solidFill>
+            <a:schemeClr val="bg1"/>
+          </a:solidFill>
+          <a:ln w="38100">
+            <a:solidFill>
+              <a:schemeClr val="tx1"/>
+            </a:solidFill>
+          </a:ln>
+        </p:spPr>
+        <p:style>
+          <a:lnRef idx="2">
+            <a:schemeClr val="accent1">
+              <a:shade val="50000"/>
+            </a:schemeClr>
+          </a:lnRef>
+          <a:fillRef idx="1">
+            <a:schemeClr val="accent1"/>
+          </a:fillRef>
+          <a:effectRef idx="0">
+            <a:schemeClr val="accent1"/>
+          </a:effectRef>
+          <a:fontRef idx="minor">
+            <a:schemeClr val="lt1"/>
+          </a:fontRef>
+        </p:style>
+        <p:txBody>
+          <a:bodyPr rtlCol="0" anchor="ctr"/>
+          <a:lstStyle/>
+          <a:p>
+            <a:pPr algn="ctr"/>
+            <a:endParaRPr kumimoji="1" lang="ko-KR" altLang="en-US">
+              <a:solidFill>
+                <a:schemeClr val="tx1"/>
+              </a:solidFill>
+            </a:endParaRPr>
+          </a:p>
+        </p:txBody>
+      </p:sp>
+      <p:grpSp>
+        <p:nvGrpSpPr>
+          <p:cNvPr id="3" name="그룹 2">
+            <a:extLst>
+              <a:ext uri="{FF2B5EF4-FFF2-40B4-BE49-F238E27FC236}">
+                <a16:creationId xmlns:a16="http://schemas.microsoft.com/office/drawing/2014/main" id="{56261A82-B542-3944-B48E-BA85FDAFE9B0}"/>
+              </a:ext>
+            </a:extLst>
+          </p:cNvPr>
+          <p:cNvGrpSpPr/>
+          <p:nvPr/>
+        </p:nvGrpSpPr>
+        <p:grpSpPr>
+          <a:xfrm>
+            <a:off x="931209" y="881006"/>
+            <a:ext cx="4796292" cy="1465305"/>
+            <a:chOff x="3273082" y="583284"/>
+            <a:chExt cx="4796292" cy="1465305"/>
+          </a:xfrm>
+        </p:grpSpPr>
+        <p:pic>
+          <p:nvPicPr>
+            <p:cNvPr id="4" name="그림 3">
+              <a:extLst>
+                <a:ext uri="{FF2B5EF4-FFF2-40B4-BE49-F238E27FC236}">
+                  <a16:creationId xmlns:a16="http://schemas.microsoft.com/office/drawing/2014/main" id="{18AC8238-DE95-1C46-BFC7-341D04F2E10C}"/>
+                </a:ext>
+              </a:extLst>
+            </p:cNvPr>
+            <p:cNvPicPr>
+              <a:picLocks noChangeAspect="1"/>
+            </p:cNvPicPr>
+            <p:nvPr/>
+          </p:nvPicPr>
+          <p:blipFill>
+            <a:blip r:embed="rId2"/>
+            <a:stretch>
+              <a:fillRect/>
+            </a:stretch>
+          </p:blipFill>
+          <p:spPr>
+            <a:xfrm>
+              <a:off x="3273082" y="700256"/>
+              <a:ext cx="1540952" cy="1348333"/>
+            </a:xfrm>
+            <a:prstGeom prst="rect">
+              <a:avLst/>
+            </a:prstGeom>
+          </p:spPr>
+        </p:pic>
+        <p:sp>
+          <p:nvSpPr>
+            <p:cNvPr id="6" name="직사각형 5">
+              <a:extLst>
+                <a:ext uri="{FF2B5EF4-FFF2-40B4-BE49-F238E27FC236}">
+                  <a16:creationId xmlns:a16="http://schemas.microsoft.com/office/drawing/2014/main" id="{AB52E155-2029-5C41-B0C6-0230CF3E5DDE}"/>
+                </a:ext>
+              </a:extLst>
+            </p:cNvPr>
+            <p:cNvSpPr/>
+            <p:nvPr/>
+          </p:nvSpPr>
+          <p:spPr>
+            <a:xfrm>
+              <a:off x="5400824" y="583284"/>
+              <a:ext cx="1079247" cy="938476"/>
+            </a:xfrm>
+            <a:prstGeom prst="rect">
+              <a:avLst/>
+            </a:prstGeom>
+            <a:solidFill>
+              <a:schemeClr val="bg1"/>
+            </a:solidFill>
+            <a:ln w="38100">
+              <a:solidFill>
+                <a:schemeClr val="tx1"/>
+              </a:solidFill>
+            </a:ln>
+          </p:spPr>
+          <p:style>
+            <a:lnRef idx="2">
+              <a:schemeClr val="accent1">
+                <a:shade val="50000"/>
+              </a:schemeClr>
+            </a:lnRef>
+            <a:fillRef idx="1">
+              <a:schemeClr val="accent1"/>
+            </a:fillRef>
+            <a:effectRef idx="0">
+              <a:schemeClr val="accent1"/>
+            </a:effectRef>
+            <a:fontRef idx="minor">
+              <a:schemeClr val="lt1"/>
+            </a:fontRef>
+          </p:style>
+          <p:txBody>
+            <a:bodyPr rtlCol="0" anchor="ctr"/>
+            <a:lstStyle/>
+            <a:p>
+              <a:pPr algn="ctr"/>
+              <a:endParaRPr kumimoji="1" lang="ko-KR" altLang="en-US"/>
+            </a:p>
+          </p:txBody>
+        </p:sp>
+        <p:sp>
+          <p:nvSpPr>
+            <p:cNvPr id="7" name="직사각형 6">
+              <a:extLst>
+                <a:ext uri="{FF2B5EF4-FFF2-40B4-BE49-F238E27FC236}">
+                  <a16:creationId xmlns:a16="http://schemas.microsoft.com/office/drawing/2014/main" id="{83C7A388-E6F9-3A47-9142-0D7AB76A0FFC}"/>
+                </a:ext>
+              </a:extLst>
+            </p:cNvPr>
+            <p:cNvSpPr/>
+            <p:nvPr/>
+          </p:nvSpPr>
+          <p:spPr>
+            <a:xfrm>
+              <a:off x="5473112" y="712601"/>
+              <a:ext cx="1079247" cy="938476"/>
+            </a:xfrm>
+            <a:prstGeom prst="rect">
+              <a:avLst/>
+            </a:prstGeom>
+            <a:solidFill>
+              <a:schemeClr val="bg1"/>
+            </a:solidFill>
+            <a:ln w="38100">
+              <a:solidFill>
+                <a:schemeClr val="tx1"/>
+              </a:solidFill>
+            </a:ln>
+          </p:spPr>
+          <p:style>
+            <a:lnRef idx="2">
+              <a:schemeClr val="accent1">
+                <a:shade val="50000"/>
+              </a:schemeClr>
+            </a:lnRef>
+            <a:fillRef idx="1">
+              <a:schemeClr val="accent1"/>
+            </a:fillRef>
+            <a:effectRef idx="0">
+              <a:schemeClr val="accent1"/>
+            </a:effectRef>
+            <a:fontRef idx="minor">
+              <a:schemeClr val="lt1"/>
+            </a:fontRef>
+          </p:style>
+          <p:txBody>
+            <a:bodyPr rtlCol="0" anchor="ctr"/>
+            <a:lstStyle/>
+            <a:p>
+              <a:pPr algn="ctr"/>
+              <a:endParaRPr kumimoji="1" lang="ko-KR" altLang="en-US"/>
+            </a:p>
+          </p:txBody>
+        </p:sp>
+        <p:sp>
+          <p:nvSpPr>
+            <p:cNvPr id="13" name="직사각형 12">
+              <a:extLst>
+                <a:ext uri="{FF2B5EF4-FFF2-40B4-BE49-F238E27FC236}">
+                  <a16:creationId xmlns:a16="http://schemas.microsoft.com/office/drawing/2014/main" id="{083C1E57-2341-2748-8F4D-DC5C2C5786C6}"/>
+                </a:ext>
+              </a:extLst>
+            </p:cNvPr>
+            <p:cNvSpPr/>
+            <p:nvPr/>
+          </p:nvSpPr>
+          <p:spPr>
+            <a:xfrm>
+              <a:off x="5545400" y="841918"/>
+              <a:ext cx="1079247" cy="938476"/>
+            </a:xfrm>
+            <a:prstGeom prst="rect">
+              <a:avLst/>
+            </a:prstGeom>
+            <a:solidFill>
+              <a:schemeClr val="bg1"/>
+            </a:solidFill>
+            <a:ln w="38100">
+              <a:solidFill>
+                <a:schemeClr val="tx1"/>
+              </a:solidFill>
+            </a:ln>
+          </p:spPr>
+          <p:style>
+            <a:lnRef idx="2">
+              <a:schemeClr val="accent1">
+                <a:shade val="50000"/>
+              </a:schemeClr>
+            </a:lnRef>
+            <a:fillRef idx="1">
+              <a:schemeClr val="accent1"/>
+            </a:fillRef>
+            <a:effectRef idx="0">
+              <a:schemeClr val="accent1"/>
+            </a:effectRef>
+            <a:fontRef idx="minor">
+              <a:schemeClr val="lt1"/>
+            </a:fontRef>
+          </p:style>
+          <p:txBody>
+            <a:bodyPr rtlCol="0" anchor="ctr"/>
+            <a:lstStyle/>
+            <a:p>
+              <a:pPr algn="ctr"/>
+              <a:endParaRPr kumimoji="1" lang="ko-KR" altLang="en-US"/>
+            </a:p>
+          </p:txBody>
+        </p:sp>
+        <p:sp>
+          <p:nvSpPr>
+            <p:cNvPr id="14" name="직사각형 13">
+              <a:extLst>
+                <a:ext uri="{FF2B5EF4-FFF2-40B4-BE49-F238E27FC236}">
+                  <a16:creationId xmlns:a16="http://schemas.microsoft.com/office/drawing/2014/main" id="{6E58887B-E5B3-5045-8AAF-C583FE74ED3B}"/>
+                </a:ext>
+              </a:extLst>
+            </p:cNvPr>
+            <p:cNvSpPr/>
+            <p:nvPr/>
+          </p:nvSpPr>
+          <p:spPr>
+            <a:xfrm>
+              <a:off x="5617688" y="971235"/>
+              <a:ext cx="1079247" cy="938476"/>
+            </a:xfrm>
+            <a:prstGeom prst="rect">
+              <a:avLst/>
+            </a:prstGeom>
+            <a:solidFill>
+              <a:schemeClr val="bg1"/>
+            </a:solidFill>
+            <a:ln w="38100">
+              <a:solidFill>
+                <a:schemeClr val="tx1"/>
+              </a:solidFill>
+            </a:ln>
+          </p:spPr>
+          <p:style>
+            <a:lnRef idx="2">
+              <a:schemeClr val="accent1">
+                <a:shade val="50000"/>
+              </a:schemeClr>
+            </a:lnRef>
+            <a:fillRef idx="1">
+              <a:schemeClr val="accent1"/>
+            </a:fillRef>
+            <a:effectRef idx="0">
+              <a:schemeClr val="accent1"/>
+            </a:effectRef>
+            <a:fontRef idx="minor">
+              <a:schemeClr val="lt1"/>
+            </a:fontRef>
+          </p:style>
+          <p:txBody>
+            <a:bodyPr rtlCol="0" anchor="ctr"/>
+            <a:lstStyle/>
+            <a:p>
+              <a:pPr algn="ctr"/>
+              <a:endParaRPr kumimoji="1" lang="ko-KR" altLang="en-US"/>
+            </a:p>
+          </p:txBody>
+        </p:sp>
+        <p:sp>
+          <p:nvSpPr>
+            <p:cNvPr id="15" name="직사각형 14">
+              <a:extLst>
+                <a:ext uri="{FF2B5EF4-FFF2-40B4-BE49-F238E27FC236}">
+                  <a16:creationId xmlns:a16="http://schemas.microsoft.com/office/drawing/2014/main" id="{837B4C96-53A4-A746-A6FE-E61A7921A468}"/>
+                </a:ext>
+              </a:extLst>
+            </p:cNvPr>
+            <p:cNvSpPr/>
+            <p:nvPr/>
+          </p:nvSpPr>
+          <p:spPr>
+            <a:xfrm>
+              <a:off x="5689976" y="1100552"/>
+              <a:ext cx="1079247" cy="938476"/>
+            </a:xfrm>
+            <a:prstGeom prst="rect">
+              <a:avLst/>
+            </a:prstGeom>
+            <a:solidFill>
+              <a:schemeClr val="bg1"/>
+            </a:solidFill>
+            <a:ln w="38100">
+              <a:solidFill>
+                <a:schemeClr val="tx1"/>
+              </a:solidFill>
+            </a:ln>
+          </p:spPr>
+          <p:style>
+            <a:lnRef idx="2">
+              <a:schemeClr val="accent1">
+                <a:shade val="50000"/>
+              </a:schemeClr>
+            </a:lnRef>
+            <a:fillRef idx="1">
+              <a:schemeClr val="accent1"/>
+            </a:fillRef>
+            <a:effectRef idx="0">
+              <a:schemeClr val="accent1"/>
+            </a:effectRef>
+            <a:fontRef idx="minor">
+              <a:schemeClr val="lt1"/>
+            </a:fontRef>
+          </p:style>
+          <p:txBody>
+            <a:bodyPr rtlCol="0" anchor="ctr"/>
+            <a:lstStyle/>
+            <a:p>
+              <a:pPr algn="ctr"/>
+              <a:endParaRPr kumimoji="1" lang="ko-KR" altLang="en-US"/>
+            </a:p>
+          </p:txBody>
+        </p:sp>
+        <p:sp>
+          <p:nvSpPr>
+            <p:cNvPr id="18" name="직사각형 17">
+              <a:extLst>
+                <a:ext uri="{FF2B5EF4-FFF2-40B4-BE49-F238E27FC236}">
+                  <a16:creationId xmlns:a16="http://schemas.microsoft.com/office/drawing/2014/main" id="{EF842884-22A4-DB44-82AA-848607E2AFAE}"/>
+                </a:ext>
+              </a:extLst>
+            </p:cNvPr>
+            <p:cNvSpPr/>
+            <p:nvPr/>
+          </p:nvSpPr>
+          <p:spPr>
+            <a:xfrm>
+              <a:off x="7239228" y="800906"/>
+              <a:ext cx="493966" cy="469238"/>
+            </a:xfrm>
+            <a:prstGeom prst="rect">
+              <a:avLst/>
+            </a:prstGeom>
+            <a:solidFill>
+              <a:schemeClr val="bg1"/>
+            </a:solidFill>
+            <a:ln w="38100">
+              <a:solidFill>
+                <a:schemeClr val="tx1"/>
+              </a:solidFill>
+            </a:ln>
+          </p:spPr>
+          <p:style>
+            <a:lnRef idx="2">
+              <a:schemeClr val="accent1">
+                <a:shade val="50000"/>
+              </a:schemeClr>
+            </a:lnRef>
+            <a:fillRef idx="1">
+              <a:schemeClr val="accent1"/>
+            </a:fillRef>
+            <a:effectRef idx="0">
+              <a:schemeClr val="accent1"/>
+            </a:effectRef>
+            <a:fontRef idx="minor">
+              <a:schemeClr val="lt1"/>
+            </a:fontRef>
+          </p:style>
+          <p:txBody>
+            <a:bodyPr rtlCol="0" anchor="ctr"/>
+            <a:lstStyle/>
+            <a:p>
+              <a:pPr algn="ctr"/>
+              <a:endParaRPr kumimoji="1" lang="ko-KR" altLang="en-US"/>
+            </a:p>
+          </p:txBody>
+        </p:sp>
+        <p:sp>
+          <p:nvSpPr>
+            <p:cNvPr id="19" name="직사각형 18">
+              <a:extLst>
+                <a:ext uri="{FF2B5EF4-FFF2-40B4-BE49-F238E27FC236}">
+                  <a16:creationId xmlns:a16="http://schemas.microsoft.com/office/drawing/2014/main" id="{3C0EB05B-B1CD-0D4F-A40F-9ED36DC25C02}"/>
+                </a:ext>
+              </a:extLst>
+            </p:cNvPr>
+            <p:cNvSpPr/>
+            <p:nvPr/>
+          </p:nvSpPr>
+          <p:spPr>
+            <a:xfrm>
+              <a:off x="7281397" y="867479"/>
+              <a:ext cx="493966" cy="469238"/>
+            </a:xfrm>
+            <a:prstGeom prst="rect">
+              <a:avLst/>
+            </a:prstGeom>
+            <a:solidFill>
+              <a:schemeClr val="bg1"/>
+            </a:solidFill>
+            <a:ln w="38100">
+              <a:solidFill>
+                <a:schemeClr val="tx1"/>
+              </a:solidFill>
+            </a:ln>
+          </p:spPr>
+          <p:style>
+            <a:lnRef idx="2">
+              <a:schemeClr val="accent1">
+                <a:shade val="50000"/>
+              </a:schemeClr>
+            </a:lnRef>
+            <a:fillRef idx="1">
+              <a:schemeClr val="accent1"/>
+            </a:fillRef>
+            <a:effectRef idx="0">
+              <a:schemeClr val="accent1"/>
+            </a:effectRef>
+            <a:fontRef idx="minor">
+              <a:schemeClr val="lt1"/>
+            </a:fontRef>
+          </p:style>
+          <p:txBody>
+            <a:bodyPr rtlCol="0" anchor="ctr"/>
+            <a:lstStyle/>
+            <a:p>
+              <a:pPr algn="ctr"/>
+              <a:endParaRPr kumimoji="1" lang="ko-KR" altLang="en-US"/>
+            </a:p>
+          </p:txBody>
+        </p:sp>
+        <p:sp>
+          <p:nvSpPr>
+            <p:cNvPr id="20" name="직사각형 19">
+              <a:extLst>
+                <a:ext uri="{FF2B5EF4-FFF2-40B4-BE49-F238E27FC236}">
+                  <a16:creationId xmlns:a16="http://schemas.microsoft.com/office/drawing/2014/main" id="{6B564193-7580-6D47-9771-4F341C03DF0A}"/>
+                </a:ext>
+              </a:extLst>
+            </p:cNvPr>
+            <p:cNvSpPr/>
+            <p:nvPr/>
+          </p:nvSpPr>
+          <p:spPr>
+            <a:xfrm>
+              <a:off x="7323566" y="934052"/>
+              <a:ext cx="493966" cy="469238"/>
+            </a:xfrm>
+            <a:prstGeom prst="rect">
+              <a:avLst/>
+            </a:prstGeom>
+            <a:solidFill>
+              <a:schemeClr val="bg1"/>
+            </a:solidFill>
+            <a:ln w="38100">
+              <a:solidFill>
+                <a:schemeClr val="tx1"/>
+              </a:solidFill>
+            </a:ln>
+          </p:spPr>
+          <p:style>
+            <a:lnRef idx="2">
+              <a:schemeClr val="accent1">
+                <a:shade val="50000"/>
+              </a:schemeClr>
+            </a:lnRef>
+            <a:fillRef idx="1">
+              <a:schemeClr val="accent1"/>
+            </a:fillRef>
+            <a:effectRef idx="0">
+              <a:schemeClr val="accent1"/>
+            </a:effectRef>
+            <a:fontRef idx="minor">
+              <a:schemeClr val="lt1"/>
+            </a:fontRef>
+          </p:style>
+          <p:txBody>
+            <a:bodyPr rtlCol="0" anchor="ctr"/>
+            <a:lstStyle/>
+            <a:p>
+              <a:pPr algn="ctr"/>
+              <a:endParaRPr kumimoji="1" lang="ko-KR" altLang="en-US"/>
+            </a:p>
+          </p:txBody>
+        </p:sp>
+        <p:sp>
+          <p:nvSpPr>
+            <p:cNvPr id="21" name="직사각형 20">
+              <a:extLst>
+                <a:ext uri="{FF2B5EF4-FFF2-40B4-BE49-F238E27FC236}">
+                  <a16:creationId xmlns:a16="http://schemas.microsoft.com/office/drawing/2014/main" id="{6B979130-520A-8040-BBD4-0F612BD6870B}"/>
+                </a:ext>
+              </a:extLst>
+            </p:cNvPr>
+            <p:cNvSpPr/>
+            <p:nvPr/>
+          </p:nvSpPr>
+          <p:spPr>
+            <a:xfrm>
+              <a:off x="7365735" y="1003125"/>
+              <a:ext cx="493966" cy="469238"/>
+            </a:xfrm>
+            <a:prstGeom prst="rect">
+              <a:avLst/>
+            </a:prstGeom>
+            <a:solidFill>
+              <a:schemeClr val="bg1"/>
+            </a:solidFill>
+            <a:ln w="38100">
+              <a:solidFill>
+                <a:schemeClr val="tx1"/>
+              </a:solidFill>
+            </a:ln>
+          </p:spPr>
+          <p:style>
+            <a:lnRef idx="2">
+              <a:schemeClr val="accent1">
+                <a:shade val="50000"/>
+              </a:schemeClr>
+            </a:lnRef>
+            <a:fillRef idx="1">
+              <a:schemeClr val="accent1"/>
+            </a:fillRef>
+            <a:effectRef idx="0">
+              <a:schemeClr val="accent1"/>
+            </a:effectRef>
+            <a:fontRef idx="minor">
+              <a:schemeClr val="lt1"/>
+            </a:fontRef>
+          </p:style>
+          <p:txBody>
+            <a:bodyPr rtlCol="0" anchor="ctr"/>
+            <a:lstStyle/>
+            <a:p>
+              <a:pPr algn="ctr"/>
+              <a:endParaRPr kumimoji="1" lang="ko-KR" altLang="en-US"/>
+            </a:p>
+          </p:txBody>
+        </p:sp>
+        <p:sp>
+          <p:nvSpPr>
+            <p:cNvPr id="22" name="직사각형 21">
+              <a:extLst>
+                <a:ext uri="{FF2B5EF4-FFF2-40B4-BE49-F238E27FC236}">
+                  <a16:creationId xmlns:a16="http://schemas.microsoft.com/office/drawing/2014/main" id="{2233C882-BB50-7F4C-A67F-8EBC0B952917}"/>
+                </a:ext>
+              </a:extLst>
+            </p:cNvPr>
+            <p:cNvSpPr/>
+            <p:nvPr/>
+          </p:nvSpPr>
+          <p:spPr>
+            <a:xfrm>
+              <a:off x="7407905" y="1072198"/>
+              <a:ext cx="493966" cy="469238"/>
+            </a:xfrm>
+            <a:prstGeom prst="rect">
+              <a:avLst/>
+            </a:prstGeom>
+            <a:solidFill>
+              <a:schemeClr val="bg1"/>
+            </a:solidFill>
+            <a:ln w="38100">
+              <a:solidFill>
+                <a:schemeClr val="tx1"/>
+              </a:solidFill>
+            </a:ln>
+          </p:spPr>
+          <p:style>
+            <a:lnRef idx="2">
+              <a:schemeClr val="accent1">
+                <a:shade val="50000"/>
+              </a:schemeClr>
+            </a:lnRef>
+            <a:fillRef idx="1">
+              <a:schemeClr val="accent1"/>
+            </a:fillRef>
+            <a:effectRef idx="0">
+              <a:schemeClr val="accent1"/>
+            </a:effectRef>
+            <a:fontRef idx="minor">
+              <a:schemeClr val="lt1"/>
+            </a:fontRef>
+          </p:style>
+          <p:txBody>
+            <a:bodyPr rtlCol="0" anchor="ctr"/>
+            <a:lstStyle/>
+            <a:p>
+              <a:pPr algn="ctr"/>
+              <a:endParaRPr kumimoji="1" lang="ko-KR" altLang="en-US"/>
+            </a:p>
+          </p:txBody>
+        </p:sp>
+        <p:sp>
+          <p:nvSpPr>
+            <p:cNvPr id="23" name="직사각형 22">
+              <a:extLst>
+                <a:ext uri="{FF2B5EF4-FFF2-40B4-BE49-F238E27FC236}">
+                  <a16:creationId xmlns:a16="http://schemas.microsoft.com/office/drawing/2014/main" id="{53A5108B-5CE8-2140-89D9-A51DD960EF31}"/>
+                </a:ext>
+              </a:extLst>
+            </p:cNvPr>
+            <p:cNvSpPr/>
+            <p:nvPr/>
+          </p:nvSpPr>
+          <p:spPr>
+            <a:xfrm>
+              <a:off x="7450074" y="1135385"/>
+              <a:ext cx="493966" cy="469238"/>
+            </a:xfrm>
+            <a:prstGeom prst="rect">
+              <a:avLst/>
+            </a:prstGeom>
+            <a:solidFill>
+              <a:schemeClr val="bg1"/>
+            </a:solidFill>
+            <a:ln w="38100">
+              <a:solidFill>
+                <a:schemeClr val="tx1"/>
+              </a:solidFill>
+            </a:ln>
+          </p:spPr>
+          <p:style>
+            <a:lnRef idx="2">
+              <a:schemeClr val="accent1">
+                <a:shade val="50000"/>
+              </a:schemeClr>
+            </a:lnRef>
+            <a:fillRef idx="1">
+              <a:schemeClr val="accent1"/>
+            </a:fillRef>
+            <a:effectRef idx="0">
+              <a:schemeClr val="accent1"/>
+            </a:effectRef>
+            <a:fontRef idx="minor">
+              <a:schemeClr val="lt1"/>
+            </a:fontRef>
+          </p:style>
+          <p:txBody>
+            <a:bodyPr rtlCol="0" anchor="ctr"/>
+            <a:lstStyle/>
+            <a:p>
+              <a:pPr algn="ctr"/>
+              <a:endParaRPr kumimoji="1" lang="ko-KR" altLang="en-US"/>
+            </a:p>
+          </p:txBody>
+        </p:sp>
+        <p:sp>
+          <p:nvSpPr>
+            <p:cNvPr id="24" name="직사각형 23">
+              <a:extLst>
+                <a:ext uri="{FF2B5EF4-FFF2-40B4-BE49-F238E27FC236}">
+                  <a16:creationId xmlns:a16="http://schemas.microsoft.com/office/drawing/2014/main" id="{ED3DAC84-B991-7947-A268-C622DA619001}"/>
+                </a:ext>
+              </a:extLst>
+            </p:cNvPr>
+            <p:cNvSpPr/>
+            <p:nvPr/>
+          </p:nvSpPr>
+          <p:spPr>
+            <a:xfrm>
+              <a:off x="7492243" y="1202390"/>
+              <a:ext cx="493966" cy="469238"/>
+            </a:xfrm>
+            <a:prstGeom prst="rect">
+              <a:avLst/>
+            </a:prstGeom>
+            <a:solidFill>
+              <a:schemeClr val="bg1"/>
+            </a:solidFill>
+            <a:ln w="38100">
+              <a:solidFill>
+                <a:schemeClr val="tx1"/>
+              </a:solidFill>
+            </a:ln>
+          </p:spPr>
+          <p:style>
+            <a:lnRef idx="2">
+              <a:schemeClr val="accent1">
+                <a:shade val="50000"/>
+              </a:schemeClr>
+            </a:lnRef>
+            <a:fillRef idx="1">
+              <a:schemeClr val="accent1"/>
+            </a:fillRef>
+            <a:effectRef idx="0">
+              <a:schemeClr val="accent1"/>
+            </a:effectRef>
+            <a:fontRef idx="minor">
+              <a:schemeClr val="lt1"/>
+            </a:fontRef>
+          </p:style>
+          <p:txBody>
+            <a:bodyPr rtlCol="0" anchor="ctr"/>
+            <a:lstStyle/>
+            <a:p>
+              <a:pPr algn="ctr"/>
+              <a:endParaRPr kumimoji="1" lang="ko-KR" altLang="en-US"/>
+            </a:p>
+          </p:txBody>
+        </p:sp>
+        <p:sp>
+          <p:nvSpPr>
+            <p:cNvPr id="25" name="직사각형 24">
+              <a:extLst>
+                <a:ext uri="{FF2B5EF4-FFF2-40B4-BE49-F238E27FC236}">
+                  <a16:creationId xmlns:a16="http://schemas.microsoft.com/office/drawing/2014/main" id="{73C4D5A6-F025-AD4B-8361-5A2D9504F939}"/>
+                </a:ext>
+              </a:extLst>
+            </p:cNvPr>
+            <p:cNvSpPr/>
+            <p:nvPr/>
+          </p:nvSpPr>
+          <p:spPr>
+            <a:xfrm>
+              <a:off x="7536055" y="1269396"/>
+              <a:ext cx="493966" cy="469238"/>
+            </a:xfrm>
+            <a:prstGeom prst="rect">
+              <a:avLst/>
+            </a:prstGeom>
+            <a:solidFill>
+              <a:schemeClr val="bg1"/>
+            </a:solidFill>
+            <a:ln w="38100">
+              <a:solidFill>
+                <a:schemeClr val="tx1"/>
+              </a:solidFill>
+            </a:ln>
+          </p:spPr>
+          <p:style>
+            <a:lnRef idx="2">
+              <a:schemeClr val="accent1">
+                <a:shade val="50000"/>
+              </a:schemeClr>
+            </a:lnRef>
+            <a:fillRef idx="1">
+              <a:schemeClr val="accent1"/>
+            </a:fillRef>
+            <a:effectRef idx="0">
+              <a:schemeClr val="accent1"/>
+            </a:effectRef>
+            <a:fontRef idx="minor">
+              <a:schemeClr val="lt1"/>
+            </a:fontRef>
+          </p:style>
+          <p:txBody>
+            <a:bodyPr rtlCol="0" anchor="ctr"/>
+            <a:lstStyle/>
+            <a:p>
+              <a:pPr algn="ctr"/>
+              <a:endParaRPr kumimoji="1" lang="ko-KR" altLang="en-US"/>
+            </a:p>
+          </p:txBody>
+        </p:sp>
+        <p:sp>
+          <p:nvSpPr>
+            <p:cNvPr id="26" name="직사각형 25">
+              <a:extLst>
+                <a:ext uri="{FF2B5EF4-FFF2-40B4-BE49-F238E27FC236}">
+                  <a16:creationId xmlns:a16="http://schemas.microsoft.com/office/drawing/2014/main" id="{414EDA25-4AC0-5E47-8529-EE36A3812456}"/>
+                </a:ext>
+              </a:extLst>
+            </p:cNvPr>
+            <p:cNvSpPr/>
+            <p:nvPr/>
+          </p:nvSpPr>
+          <p:spPr>
+            <a:xfrm>
+              <a:off x="7575408" y="1341262"/>
+              <a:ext cx="493966" cy="469238"/>
+            </a:xfrm>
+            <a:prstGeom prst="rect">
+              <a:avLst/>
+            </a:prstGeom>
+            <a:solidFill>
+              <a:schemeClr val="bg1"/>
+            </a:solidFill>
+            <a:ln w="38100">
+              <a:solidFill>
+                <a:schemeClr val="tx1"/>
+              </a:solidFill>
+            </a:ln>
+          </p:spPr>
+          <p:style>
+            <a:lnRef idx="2">
+              <a:schemeClr val="accent1">
+                <a:shade val="50000"/>
+              </a:schemeClr>
+            </a:lnRef>
+            <a:fillRef idx="1">
+              <a:schemeClr val="accent1"/>
+            </a:fillRef>
+            <a:effectRef idx="0">
+              <a:schemeClr val="accent1"/>
+            </a:effectRef>
+            <a:fontRef idx="minor">
+              <a:schemeClr val="lt1"/>
+            </a:fontRef>
+          </p:style>
+          <p:txBody>
+            <a:bodyPr rtlCol="0" anchor="ctr"/>
+            <a:lstStyle/>
+            <a:p>
+              <a:pPr algn="ctr"/>
+              <a:endParaRPr kumimoji="1" lang="ko-KR" altLang="en-US"/>
+            </a:p>
+          </p:txBody>
+        </p:sp>
+        <p:sp>
+          <p:nvSpPr>
+            <p:cNvPr id="27" name="TextBox 26">
+              <a:extLst>
+                <a:ext uri="{FF2B5EF4-FFF2-40B4-BE49-F238E27FC236}">
+                  <a16:creationId xmlns:a16="http://schemas.microsoft.com/office/drawing/2014/main" id="{7DC29993-EE28-7A43-9286-D4E1A3DE6E8A}"/>
+                </a:ext>
+              </a:extLst>
+            </p:cNvPr>
+            <p:cNvSpPr txBox="1"/>
+            <p:nvPr/>
+          </p:nvSpPr>
+          <p:spPr>
+            <a:xfrm>
+              <a:off x="6835580" y="957584"/>
+              <a:ext cx="335648" cy="429399"/>
+            </a:xfrm>
+            <a:prstGeom prst="rect">
+              <a:avLst/>
+            </a:prstGeom>
+            <a:noFill/>
+          </p:spPr>
+          <p:txBody>
+            <a:bodyPr wrap="none" rtlCol="0">
+              <a:spAutoFit/>
+            </a:bodyPr>
+            <a:lstStyle/>
+            <a:p>
+              <a:r>
+                <a:rPr kumimoji="1" lang="en-US" altLang="ko-KR" sz="4400" dirty="0"/>
+                <a:t>…</a:t>
+              </a:r>
+              <a:endParaRPr kumimoji="1" lang="ko-KR" altLang="en-US" sz="4400" dirty="0"/>
+            </a:p>
+          </p:txBody>
+        </p:sp>
+        <p:cxnSp>
+          <p:nvCxnSpPr>
+            <p:cNvPr id="29" name="직선 화살표 연결선 28">
+              <a:extLst>
+                <a:ext uri="{FF2B5EF4-FFF2-40B4-BE49-F238E27FC236}">
+                  <a16:creationId xmlns:a16="http://schemas.microsoft.com/office/drawing/2014/main" id="{E158BB31-0A7F-0546-89DA-A4B6A7776016}"/>
+                </a:ext>
+              </a:extLst>
+            </p:cNvPr>
+            <p:cNvCxnSpPr/>
+            <p:nvPr/>
+          </p:nvCxnSpPr>
+          <p:spPr>
+            <a:xfrm>
+              <a:off x="4921716" y="1341262"/>
+              <a:ext cx="367598" cy="0"/>
+            </a:xfrm>
+            <a:prstGeom prst="straightConnector1">
+              <a:avLst/>
+            </a:prstGeom>
+            <a:ln w="95250">
+              <a:solidFill>
+                <a:schemeClr val="tx1"/>
+              </a:solidFill>
+              <a:tailEnd type="triangle"/>
+            </a:ln>
+          </p:spPr>
+          <p:style>
+            <a:lnRef idx="1">
+              <a:schemeClr val="accent1"/>
+            </a:lnRef>
+            <a:fillRef idx="0">
+              <a:schemeClr val="accent1"/>
+            </a:fillRef>
+            <a:effectRef idx="0">
+              <a:schemeClr val="accent1"/>
+            </a:effectRef>
+            <a:fontRef idx="minor">
+              <a:schemeClr val="tx1"/>
+            </a:fontRef>
+          </p:style>
+        </p:cxnSp>
+      </p:grpSp>
+      <p:pic>
+        <p:nvPicPr>
+          <p:cNvPr id="83" name="그림 82">
+            <a:extLst>
+              <a:ext uri="{FF2B5EF4-FFF2-40B4-BE49-F238E27FC236}">
+                <a16:creationId xmlns:a16="http://schemas.microsoft.com/office/drawing/2014/main" id="{9FBE181C-6B75-EA49-A0CD-27427A4D4822}"/>
+              </a:ext>
+            </a:extLst>
+          </p:cNvPr>
+          <p:cNvPicPr>
+            <a:picLocks noChangeAspect="1"/>
+          </p:cNvPicPr>
+          <p:nvPr/>
+        </p:nvPicPr>
+        <p:blipFill>
+          <a:blip r:embed="rId2"/>
+          <a:stretch>
+            <a:fillRect/>
+          </a:stretch>
+        </p:blipFill>
+        <p:spPr>
+          <a:xfrm>
+            <a:off x="931208" y="3031592"/>
+            <a:ext cx="1540952" cy="1348333"/>
+          </a:xfrm>
+          <a:prstGeom prst="rect">
+            <a:avLst/>
+          </a:prstGeom>
+        </p:spPr>
+      </p:pic>
+      <p:sp>
+        <p:nvSpPr>
+          <p:cNvPr id="84" name="직사각형 83">
+            <a:extLst>
+              <a:ext uri="{FF2B5EF4-FFF2-40B4-BE49-F238E27FC236}">
+                <a16:creationId xmlns:a16="http://schemas.microsoft.com/office/drawing/2014/main" id="{54E9B4BF-644E-004A-BBB9-1738A92A20DF}"/>
+              </a:ext>
+            </a:extLst>
+          </p:cNvPr>
+          <p:cNvSpPr/>
+          <p:nvPr/>
+        </p:nvSpPr>
+        <p:spPr>
+          <a:xfrm>
+            <a:off x="3058950" y="2914620"/>
+            <a:ext cx="1079247" cy="938476"/>
+          </a:xfrm>
+          <a:prstGeom prst="rect">
+            <a:avLst/>
+          </a:prstGeom>
+          <a:solidFill>
+            <a:schemeClr val="bg1"/>
+          </a:solidFill>
+          <a:ln w="38100">
+            <a:solidFill>
+              <a:schemeClr val="tx1"/>
+            </a:solidFill>
+          </a:ln>
+        </p:spPr>
+        <p:style>
+          <a:lnRef idx="2">
+            <a:schemeClr val="accent1">
+              <a:shade val="50000"/>
+            </a:schemeClr>
+          </a:lnRef>
+          <a:fillRef idx="1">
+            <a:schemeClr val="accent1"/>
+          </a:fillRef>
+          <a:effectRef idx="0">
+            <a:schemeClr val="accent1"/>
+          </a:effectRef>
+          <a:fontRef idx="minor">
+            <a:schemeClr val="lt1"/>
+          </a:fontRef>
+        </p:style>
+        <p:txBody>
+          <a:bodyPr rtlCol="0" anchor="ctr"/>
+          <a:lstStyle/>
+          <a:p>
+            <a:pPr algn="ctr"/>
+            <a:endParaRPr kumimoji="1" lang="ko-KR" altLang="en-US"/>
+          </a:p>
+        </p:txBody>
+      </p:sp>
+      <p:sp>
+        <p:nvSpPr>
+          <p:cNvPr id="85" name="직사각형 84">
+            <a:extLst>
+              <a:ext uri="{FF2B5EF4-FFF2-40B4-BE49-F238E27FC236}">
+                <a16:creationId xmlns:a16="http://schemas.microsoft.com/office/drawing/2014/main" id="{E2AB6A85-32DA-9449-A01F-16BF8C385C2F}"/>
+              </a:ext>
+            </a:extLst>
+          </p:cNvPr>
+          <p:cNvSpPr/>
+          <p:nvPr/>
+        </p:nvSpPr>
+        <p:spPr>
+          <a:xfrm>
+            <a:off x="3131238" y="3043937"/>
+            <a:ext cx="1079247" cy="938476"/>
+          </a:xfrm>
+          <a:prstGeom prst="rect">
+            <a:avLst/>
+          </a:prstGeom>
+          <a:solidFill>
+            <a:schemeClr val="bg1"/>
+          </a:solidFill>
+          <a:ln w="38100">
+            <a:solidFill>
+              <a:schemeClr val="tx1"/>
+            </a:solidFill>
+          </a:ln>
+        </p:spPr>
+        <p:style>
+          <a:lnRef idx="2">
+            <a:schemeClr val="accent1">
+              <a:shade val="50000"/>
+            </a:schemeClr>
+          </a:lnRef>
+          <a:fillRef idx="1">
+            <a:schemeClr val="accent1"/>
+          </a:fillRef>
+          <a:effectRef idx="0">
+            <a:schemeClr val="accent1"/>
+          </a:effectRef>
+          <a:fontRef idx="minor">
+            <a:schemeClr val="lt1"/>
+          </a:fontRef>
+        </p:style>
+        <p:txBody>
+          <a:bodyPr rtlCol="0" anchor="ctr"/>
+          <a:lstStyle/>
+          <a:p>
+            <a:pPr algn="ctr"/>
+            <a:endParaRPr kumimoji="1" lang="ko-KR" altLang="en-US"/>
+          </a:p>
+        </p:txBody>
+      </p:sp>
+      <p:sp>
+        <p:nvSpPr>
+          <p:cNvPr id="86" name="직사각형 85">
+            <a:extLst>
+              <a:ext uri="{FF2B5EF4-FFF2-40B4-BE49-F238E27FC236}">
+                <a16:creationId xmlns:a16="http://schemas.microsoft.com/office/drawing/2014/main" id="{F657264B-DD30-8646-A870-5C7A4D364A9A}"/>
+              </a:ext>
+            </a:extLst>
+          </p:cNvPr>
+          <p:cNvSpPr/>
+          <p:nvPr/>
+        </p:nvSpPr>
+        <p:spPr>
+          <a:xfrm>
+            <a:off x="3203526" y="3173254"/>
+            <a:ext cx="1079247" cy="938476"/>
+          </a:xfrm>
+          <a:prstGeom prst="rect">
+            <a:avLst/>
+          </a:prstGeom>
+          <a:solidFill>
+            <a:schemeClr val="bg1"/>
+          </a:solidFill>
+          <a:ln w="38100">
+            <a:solidFill>
+              <a:schemeClr val="tx1"/>
+            </a:solidFill>
+          </a:ln>
+        </p:spPr>
+        <p:style>
+          <a:lnRef idx="2">
+            <a:schemeClr val="accent1">
+              <a:shade val="50000"/>
+            </a:schemeClr>
+          </a:lnRef>
+          <a:fillRef idx="1">
+            <a:schemeClr val="accent1"/>
+          </a:fillRef>
+          <a:effectRef idx="0">
+            <a:schemeClr val="accent1"/>
+          </a:effectRef>
+          <a:fontRef idx="minor">
+            <a:schemeClr val="lt1"/>
+          </a:fontRef>
+        </p:style>
+        <p:txBody>
+          <a:bodyPr rtlCol="0" anchor="ctr"/>
+          <a:lstStyle/>
+          <a:p>
+            <a:pPr algn="ctr"/>
+            <a:endParaRPr kumimoji="1" lang="ko-KR" altLang="en-US"/>
+          </a:p>
+        </p:txBody>
+      </p:sp>
+      <p:sp>
+        <p:nvSpPr>
+          <p:cNvPr id="87" name="직사각형 86">
+            <a:extLst>
+              <a:ext uri="{FF2B5EF4-FFF2-40B4-BE49-F238E27FC236}">
+                <a16:creationId xmlns:a16="http://schemas.microsoft.com/office/drawing/2014/main" id="{76070A74-4EB2-D144-A3FB-298591BB0A51}"/>
+              </a:ext>
+            </a:extLst>
+          </p:cNvPr>
+          <p:cNvSpPr/>
+          <p:nvPr/>
+        </p:nvSpPr>
+        <p:spPr>
+          <a:xfrm>
+            <a:off x="3275814" y="3302571"/>
+            <a:ext cx="1079247" cy="938476"/>
+          </a:xfrm>
+          <a:prstGeom prst="rect">
+            <a:avLst/>
+          </a:prstGeom>
+          <a:solidFill>
+            <a:schemeClr val="bg1"/>
+          </a:solidFill>
+          <a:ln w="38100">
+            <a:solidFill>
+              <a:schemeClr val="tx1"/>
+            </a:solidFill>
+          </a:ln>
+        </p:spPr>
+        <p:style>
+          <a:lnRef idx="2">
+            <a:schemeClr val="accent1">
+              <a:shade val="50000"/>
+            </a:schemeClr>
+          </a:lnRef>
+          <a:fillRef idx="1">
+            <a:schemeClr val="accent1"/>
+          </a:fillRef>
+          <a:effectRef idx="0">
+            <a:schemeClr val="accent1"/>
+          </a:effectRef>
+          <a:fontRef idx="minor">
+            <a:schemeClr val="lt1"/>
+          </a:fontRef>
+        </p:style>
+        <p:txBody>
+          <a:bodyPr rtlCol="0" anchor="ctr"/>
+          <a:lstStyle/>
+          <a:p>
+            <a:pPr algn="ctr"/>
+            <a:endParaRPr kumimoji="1" lang="ko-KR" altLang="en-US"/>
+          </a:p>
+        </p:txBody>
+      </p:sp>
+      <p:sp>
+        <p:nvSpPr>
+          <p:cNvPr id="88" name="직사각형 87">
+            <a:extLst>
+              <a:ext uri="{FF2B5EF4-FFF2-40B4-BE49-F238E27FC236}">
+                <a16:creationId xmlns:a16="http://schemas.microsoft.com/office/drawing/2014/main" id="{6CBD02F5-9D3D-B04C-84E5-8F2D9EBFF848}"/>
+              </a:ext>
+            </a:extLst>
+          </p:cNvPr>
+          <p:cNvSpPr/>
+          <p:nvPr/>
+        </p:nvSpPr>
+        <p:spPr>
+          <a:xfrm>
+            <a:off x="3348102" y="3431888"/>
+            <a:ext cx="1079247" cy="938476"/>
+          </a:xfrm>
+          <a:prstGeom prst="rect">
+            <a:avLst/>
+          </a:prstGeom>
+          <a:solidFill>
+            <a:schemeClr val="bg1"/>
+          </a:solidFill>
+          <a:ln w="38100">
+            <a:solidFill>
+              <a:schemeClr val="tx1"/>
+            </a:solidFill>
+          </a:ln>
+        </p:spPr>
+        <p:style>
+          <a:lnRef idx="2">
+            <a:schemeClr val="accent1">
+              <a:shade val="50000"/>
+            </a:schemeClr>
+          </a:lnRef>
+          <a:fillRef idx="1">
+            <a:schemeClr val="accent1"/>
+          </a:fillRef>
+          <a:effectRef idx="0">
+            <a:schemeClr val="accent1"/>
+          </a:effectRef>
+          <a:fontRef idx="minor">
+            <a:schemeClr val="lt1"/>
+          </a:fontRef>
+        </p:style>
+        <p:txBody>
+          <a:bodyPr rtlCol="0" anchor="ctr"/>
+          <a:lstStyle/>
+          <a:p>
+            <a:pPr algn="ctr"/>
+            <a:endParaRPr kumimoji="1" lang="ko-KR" altLang="en-US"/>
+          </a:p>
+        </p:txBody>
+      </p:sp>
+      <p:sp>
+        <p:nvSpPr>
+          <p:cNvPr id="89" name="직사각형 88">
+            <a:extLst>
+              <a:ext uri="{FF2B5EF4-FFF2-40B4-BE49-F238E27FC236}">
+                <a16:creationId xmlns:a16="http://schemas.microsoft.com/office/drawing/2014/main" id="{142DA27E-6999-2A43-B614-DF59743ED00B}"/>
+              </a:ext>
+            </a:extLst>
+          </p:cNvPr>
+          <p:cNvSpPr/>
+          <p:nvPr/>
+        </p:nvSpPr>
+        <p:spPr>
+          <a:xfrm>
+            <a:off x="4897354" y="3132242"/>
+            <a:ext cx="493966" cy="469238"/>
+          </a:xfrm>
+          <a:prstGeom prst="rect">
+            <a:avLst/>
+          </a:prstGeom>
+          <a:solidFill>
+            <a:schemeClr val="bg1"/>
+          </a:solidFill>
+          <a:ln w="38100">
+            <a:solidFill>
+              <a:schemeClr val="tx1"/>
+            </a:solidFill>
+          </a:ln>
+        </p:spPr>
+        <p:style>
+          <a:lnRef idx="2">
+            <a:schemeClr val="accent1">
+              <a:shade val="50000"/>
+            </a:schemeClr>
+          </a:lnRef>
+          <a:fillRef idx="1">
+            <a:schemeClr val="accent1"/>
+          </a:fillRef>
+          <a:effectRef idx="0">
+            <a:schemeClr val="accent1"/>
+          </a:effectRef>
+          <a:fontRef idx="minor">
+            <a:schemeClr val="lt1"/>
+          </a:fontRef>
+        </p:style>
+        <p:txBody>
+          <a:bodyPr rtlCol="0" anchor="ctr"/>
+          <a:lstStyle/>
+          <a:p>
+            <a:pPr algn="ctr"/>
+            <a:endParaRPr kumimoji="1" lang="ko-KR" altLang="en-US">
+              <a:solidFill>
+                <a:schemeClr val="tx1"/>
+              </a:solidFill>
+            </a:endParaRPr>
+          </a:p>
+        </p:txBody>
+      </p:sp>
+      <p:sp>
+        <p:nvSpPr>
+          <p:cNvPr id="90" name="직사각형 89">
+            <a:extLst>
+              <a:ext uri="{FF2B5EF4-FFF2-40B4-BE49-F238E27FC236}">
+                <a16:creationId xmlns:a16="http://schemas.microsoft.com/office/drawing/2014/main" id="{5DE8F9E3-737C-554B-A9D6-736406C54926}"/>
+              </a:ext>
+            </a:extLst>
+          </p:cNvPr>
+          <p:cNvSpPr/>
+          <p:nvPr/>
+        </p:nvSpPr>
+        <p:spPr>
+          <a:xfrm>
+            <a:off x="4939523" y="3198815"/>
+            <a:ext cx="493966" cy="469238"/>
+          </a:xfrm>
+          <a:prstGeom prst="rect">
+            <a:avLst/>
+          </a:prstGeom>
+          <a:solidFill>
+            <a:schemeClr val="bg1"/>
+          </a:solidFill>
+          <a:ln w="38100">
+            <a:solidFill>
+              <a:schemeClr val="tx1"/>
+            </a:solidFill>
+          </a:ln>
+        </p:spPr>
+        <p:style>
+          <a:lnRef idx="2">
+            <a:schemeClr val="accent1">
+              <a:shade val="50000"/>
+            </a:schemeClr>
+          </a:lnRef>
+          <a:fillRef idx="1">
+            <a:schemeClr val="accent1"/>
+          </a:fillRef>
+          <a:effectRef idx="0">
+            <a:schemeClr val="accent1"/>
+          </a:effectRef>
+          <a:fontRef idx="minor">
+            <a:schemeClr val="lt1"/>
+          </a:fontRef>
+        </p:style>
+        <p:txBody>
+          <a:bodyPr rtlCol="0" anchor="ctr"/>
+          <a:lstStyle/>
+          <a:p>
+            <a:pPr algn="ctr"/>
+            <a:endParaRPr kumimoji="1" lang="ko-KR" altLang="en-US">
+              <a:solidFill>
+                <a:schemeClr val="tx1"/>
+              </a:solidFill>
+            </a:endParaRPr>
+          </a:p>
+        </p:txBody>
+      </p:sp>
+      <p:sp>
+        <p:nvSpPr>
+          <p:cNvPr id="91" name="직사각형 90">
+            <a:extLst>
+              <a:ext uri="{FF2B5EF4-FFF2-40B4-BE49-F238E27FC236}">
+                <a16:creationId xmlns:a16="http://schemas.microsoft.com/office/drawing/2014/main" id="{576F7A2D-F787-0F45-A097-9DEA8227B113}"/>
+              </a:ext>
+            </a:extLst>
+          </p:cNvPr>
+          <p:cNvSpPr/>
+          <p:nvPr/>
+        </p:nvSpPr>
+        <p:spPr>
+          <a:xfrm>
+            <a:off x="4981692" y="3265388"/>
+            <a:ext cx="493966" cy="469238"/>
+          </a:xfrm>
+          <a:prstGeom prst="rect">
+            <a:avLst/>
+          </a:prstGeom>
+          <a:solidFill>
+            <a:schemeClr val="bg1"/>
+          </a:solidFill>
+          <a:ln w="38100">
+            <a:solidFill>
+              <a:schemeClr val="tx1"/>
+            </a:solidFill>
+          </a:ln>
+        </p:spPr>
+        <p:style>
+          <a:lnRef idx="2">
+            <a:schemeClr val="accent1">
+              <a:shade val="50000"/>
+            </a:schemeClr>
+          </a:lnRef>
+          <a:fillRef idx="1">
+            <a:schemeClr val="accent1"/>
+          </a:fillRef>
+          <a:effectRef idx="0">
+            <a:schemeClr val="accent1"/>
+          </a:effectRef>
+          <a:fontRef idx="minor">
+            <a:schemeClr val="lt1"/>
+          </a:fontRef>
+        </p:style>
+        <p:txBody>
+          <a:bodyPr rtlCol="0" anchor="ctr"/>
+          <a:lstStyle/>
+          <a:p>
+            <a:pPr algn="ctr"/>
+            <a:endParaRPr kumimoji="1" lang="ko-KR" altLang="en-US">
+              <a:solidFill>
+                <a:schemeClr val="tx1"/>
+              </a:solidFill>
+            </a:endParaRPr>
+          </a:p>
+        </p:txBody>
+      </p:sp>
+      <p:sp>
+        <p:nvSpPr>
+          <p:cNvPr id="92" name="직사각형 91">
+            <a:extLst>
+              <a:ext uri="{FF2B5EF4-FFF2-40B4-BE49-F238E27FC236}">
+                <a16:creationId xmlns:a16="http://schemas.microsoft.com/office/drawing/2014/main" id="{396A35C9-BA9F-C740-A662-6B79E714CE1B}"/>
+              </a:ext>
+            </a:extLst>
+          </p:cNvPr>
+          <p:cNvSpPr/>
+          <p:nvPr/>
+        </p:nvSpPr>
+        <p:spPr>
+          <a:xfrm>
+            <a:off x="5023861" y="3334461"/>
+            <a:ext cx="493966" cy="469238"/>
+          </a:xfrm>
+          <a:prstGeom prst="rect">
+            <a:avLst/>
+          </a:prstGeom>
+          <a:solidFill>
+            <a:schemeClr val="bg1"/>
+          </a:solidFill>
+          <a:ln w="38100">
+            <a:solidFill>
+              <a:schemeClr val="tx1"/>
+            </a:solidFill>
+          </a:ln>
+        </p:spPr>
+        <p:style>
+          <a:lnRef idx="2">
+            <a:schemeClr val="accent1">
+              <a:shade val="50000"/>
+            </a:schemeClr>
+          </a:lnRef>
+          <a:fillRef idx="1">
+            <a:schemeClr val="accent1"/>
+          </a:fillRef>
+          <a:effectRef idx="0">
+            <a:schemeClr val="accent1"/>
+          </a:effectRef>
+          <a:fontRef idx="minor">
+            <a:schemeClr val="lt1"/>
+          </a:fontRef>
+        </p:style>
+        <p:txBody>
+          <a:bodyPr rtlCol="0" anchor="ctr"/>
+          <a:lstStyle/>
+          <a:p>
+            <a:pPr algn="ctr"/>
+            <a:endParaRPr kumimoji="1" lang="ko-KR" altLang="en-US">
+              <a:solidFill>
+                <a:schemeClr val="tx1"/>
+              </a:solidFill>
+            </a:endParaRPr>
+          </a:p>
+        </p:txBody>
+      </p:sp>
+      <p:sp>
+        <p:nvSpPr>
+          <p:cNvPr id="93" name="직사각형 92">
+            <a:extLst>
+              <a:ext uri="{FF2B5EF4-FFF2-40B4-BE49-F238E27FC236}">
+                <a16:creationId xmlns:a16="http://schemas.microsoft.com/office/drawing/2014/main" id="{2E895E11-17B6-4348-A6E0-3113AFAD7EBE}"/>
+              </a:ext>
+            </a:extLst>
+          </p:cNvPr>
+          <p:cNvSpPr/>
+          <p:nvPr/>
+        </p:nvSpPr>
+        <p:spPr>
+          <a:xfrm>
+            <a:off x="5066031" y="3403534"/>
+            <a:ext cx="493966" cy="469238"/>
+          </a:xfrm>
+          <a:prstGeom prst="rect">
+            <a:avLst/>
+          </a:prstGeom>
+          <a:solidFill>
+            <a:schemeClr val="bg1"/>
+          </a:solidFill>
+          <a:ln w="38100">
+            <a:solidFill>
+              <a:schemeClr val="tx1"/>
+            </a:solidFill>
+          </a:ln>
+        </p:spPr>
+        <p:style>
+          <a:lnRef idx="2">
+            <a:schemeClr val="accent1">
+              <a:shade val="50000"/>
+            </a:schemeClr>
+          </a:lnRef>
+          <a:fillRef idx="1">
+            <a:schemeClr val="accent1"/>
+          </a:fillRef>
+          <a:effectRef idx="0">
+            <a:schemeClr val="accent1"/>
+          </a:effectRef>
+          <a:fontRef idx="minor">
+            <a:schemeClr val="lt1"/>
+          </a:fontRef>
+        </p:style>
+        <p:txBody>
+          <a:bodyPr rtlCol="0" anchor="ctr"/>
+          <a:lstStyle/>
+          <a:p>
+            <a:pPr algn="ctr"/>
+            <a:endParaRPr kumimoji="1" lang="ko-KR" altLang="en-US">
+              <a:solidFill>
+                <a:schemeClr val="tx1"/>
+              </a:solidFill>
+            </a:endParaRPr>
+          </a:p>
+        </p:txBody>
+      </p:sp>
+      <p:sp>
+        <p:nvSpPr>
+          <p:cNvPr id="94" name="직사각형 93">
+            <a:extLst>
+              <a:ext uri="{FF2B5EF4-FFF2-40B4-BE49-F238E27FC236}">
+                <a16:creationId xmlns:a16="http://schemas.microsoft.com/office/drawing/2014/main" id="{DD5ACBFB-C3F5-024D-ABAC-20C2BDECFBC4}"/>
+              </a:ext>
+            </a:extLst>
+          </p:cNvPr>
+          <p:cNvSpPr/>
+          <p:nvPr/>
+        </p:nvSpPr>
+        <p:spPr>
+          <a:xfrm>
+            <a:off x="5108200" y="3466721"/>
+            <a:ext cx="493966" cy="469238"/>
+          </a:xfrm>
+          <a:prstGeom prst="rect">
+            <a:avLst/>
+          </a:prstGeom>
+          <a:solidFill>
+            <a:schemeClr val="bg1"/>
+          </a:solidFill>
+          <a:ln w="38100">
+            <a:solidFill>
+              <a:schemeClr val="tx1"/>
+            </a:solidFill>
+          </a:ln>
+        </p:spPr>
+        <p:style>
+          <a:lnRef idx="2">
+            <a:schemeClr val="accent1">
+              <a:shade val="50000"/>
+            </a:schemeClr>
+          </a:lnRef>
+          <a:fillRef idx="1">
+            <a:schemeClr val="accent1"/>
+          </a:fillRef>
+          <a:effectRef idx="0">
+            <a:schemeClr val="accent1"/>
+          </a:effectRef>
+          <a:fontRef idx="minor">
+            <a:schemeClr val="lt1"/>
+          </a:fontRef>
+        </p:style>
+        <p:txBody>
+          <a:bodyPr rtlCol="0" anchor="ctr"/>
+          <a:lstStyle/>
+          <a:p>
+            <a:pPr algn="ctr"/>
+            <a:endParaRPr kumimoji="1" lang="ko-KR" altLang="en-US">
+              <a:solidFill>
+                <a:schemeClr val="tx1"/>
+              </a:solidFill>
+            </a:endParaRPr>
+          </a:p>
+        </p:txBody>
+      </p:sp>
+      <p:sp>
+        <p:nvSpPr>
+          <p:cNvPr id="95" name="직사각형 94">
+            <a:extLst>
+              <a:ext uri="{FF2B5EF4-FFF2-40B4-BE49-F238E27FC236}">
+                <a16:creationId xmlns:a16="http://schemas.microsoft.com/office/drawing/2014/main" id="{7872CEB8-ADCD-F448-AB21-00BD9692E878}"/>
+              </a:ext>
+            </a:extLst>
+          </p:cNvPr>
+          <p:cNvSpPr/>
+          <p:nvPr/>
+        </p:nvSpPr>
+        <p:spPr>
+          <a:xfrm>
+            <a:off x="5150369" y="3533726"/>
+            <a:ext cx="493966" cy="469238"/>
+          </a:xfrm>
+          <a:prstGeom prst="rect">
+            <a:avLst/>
+          </a:prstGeom>
+          <a:solidFill>
+            <a:schemeClr val="bg1"/>
+          </a:solidFill>
+          <a:ln w="38100">
+            <a:solidFill>
+              <a:schemeClr val="tx1"/>
+            </a:solidFill>
+          </a:ln>
+        </p:spPr>
+        <p:style>
+          <a:lnRef idx="2">
+            <a:schemeClr val="accent1">
+              <a:shade val="50000"/>
+            </a:schemeClr>
+          </a:lnRef>
+          <a:fillRef idx="1">
+            <a:schemeClr val="accent1"/>
+          </a:fillRef>
+          <a:effectRef idx="0">
+            <a:schemeClr val="accent1"/>
+          </a:effectRef>
+          <a:fontRef idx="minor">
+            <a:schemeClr val="lt1"/>
+          </a:fontRef>
+        </p:style>
+        <p:txBody>
+          <a:bodyPr rtlCol="0" anchor="ctr"/>
+          <a:lstStyle/>
+          <a:p>
+            <a:pPr algn="ctr"/>
+            <a:endParaRPr kumimoji="1" lang="ko-KR" altLang="en-US">
+              <a:solidFill>
+                <a:schemeClr val="tx1"/>
+              </a:solidFill>
+            </a:endParaRPr>
+          </a:p>
+        </p:txBody>
+      </p:sp>
+      <p:sp>
+        <p:nvSpPr>
+          <p:cNvPr id="96" name="직사각형 95">
+            <a:extLst>
+              <a:ext uri="{FF2B5EF4-FFF2-40B4-BE49-F238E27FC236}">
+                <a16:creationId xmlns:a16="http://schemas.microsoft.com/office/drawing/2014/main" id="{46B8C452-EC1F-BE40-8362-9AE25ACB7828}"/>
+              </a:ext>
+            </a:extLst>
+          </p:cNvPr>
+          <p:cNvSpPr/>
+          <p:nvPr/>
+        </p:nvSpPr>
+        <p:spPr>
+          <a:xfrm>
+            <a:off x="5194181" y="3600732"/>
+            <a:ext cx="493966" cy="469238"/>
+          </a:xfrm>
+          <a:prstGeom prst="rect">
+            <a:avLst/>
+          </a:prstGeom>
+          <a:solidFill>
+            <a:schemeClr val="bg1"/>
+          </a:solidFill>
+          <a:ln w="38100">
+            <a:solidFill>
+              <a:schemeClr val="tx1"/>
+            </a:solidFill>
+          </a:ln>
+        </p:spPr>
+        <p:style>
+          <a:lnRef idx="2">
+            <a:schemeClr val="accent1">
+              <a:shade val="50000"/>
+            </a:schemeClr>
+          </a:lnRef>
+          <a:fillRef idx="1">
+            <a:schemeClr val="accent1"/>
+          </a:fillRef>
+          <a:effectRef idx="0">
+            <a:schemeClr val="accent1"/>
+          </a:effectRef>
+          <a:fontRef idx="minor">
+            <a:schemeClr val="lt1"/>
+          </a:fontRef>
+        </p:style>
+        <p:txBody>
+          <a:bodyPr rtlCol="0" anchor="ctr"/>
+          <a:lstStyle/>
+          <a:p>
+            <a:pPr algn="ctr"/>
+            <a:endParaRPr kumimoji="1" lang="ko-KR" altLang="en-US">
+              <a:solidFill>
+                <a:schemeClr val="tx1"/>
+              </a:solidFill>
+            </a:endParaRPr>
+          </a:p>
+        </p:txBody>
+      </p:sp>
+      <p:sp>
+        <p:nvSpPr>
+          <p:cNvPr id="97" name="직사각형 96">
+            <a:extLst>
+              <a:ext uri="{FF2B5EF4-FFF2-40B4-BE49-F238E27FC236}">
+                <a16:creationId xmlns:a16="http://schemas.microsoft.com/office/drawing/2014/main" id="{7A312B54-95CB-3E44-AFC7-4809EF521072}"/>
+              </a:ext>
+            </a:extLst>
+          </p:cNvPr>
+          <p:cNvSpPr/>
+          <p:nvPr/>
+        </p:nvSpPr>
+        <p:spPr>
+          <a:xfrm>
+            <a:off x="5233534" y="3672598"/>
+            <a:ext cx="493966" cy="469238"/>
+          </a:xfrm>
+          <a:prstGeom prst="rect">
+            <a:avLst/>
+          </a:prstGeom>
+          <a:solidFill>
+            <a:schemeClr val="bg1"/>
+          </a:solidFill>
+          <a:ln w="38100">
+            <a:solidFill>
+              <a:schemeClr val="tx1"/>
+            </a:solidFill>
+          </a:ln>
+        </p:spPr>
+        <p:style>
+          <a:lnRef idx="2">
+            <a:schemeClr val="accent1">
+              <a:shade val="50000"/>
+            </a:schemeClr>
+          </a:lnRef>
+          <a:fillRef idx="1">
+            <a:schemeClr val="accent1"/>
+          </a:fillRef>
+          <a:effectRef idx="0">
+            <a:schemeClr val="accent1"/>
+          </a:effectRef>
+          <a:fontRef idx="minor">
+            <a:schemeClr val="lt1"/>
+          </a:fontRef>
+        </p:style>
+        <p:txBody>
+          <a:bodyPr rtlCol="0" anchor="ctr"/>
+          <a:lstStyle/>
+          <a:p>
+            <a:pPr algn="ctr"/>
+            <a:endParaRPr kumimoji="1" lang="ko-KR" altLang="en-US">
+              <a:solidFill>
+                <a:schemeClr val="tx1"/>
+              </a:solidFill>
+            </a:endParaRPr>
+          </a:p>
+        </p:txBody>
+      </p:sp>
+      <p:sp>
+        <p:nvSpPr>
+          <p:cNvPr id="98" name="TextBox 97">
+            <a:extLst>
+              <a:ext uri="{FF2B5EF4-FFF2-40B4-BE49-F238E27FC236}">
+                <a16:creationId xmlns:a16="http://schemas.microsoft.com/office/drawing/2014/main" id="{6A845A5C-F65D-E94D-A962-2CAA349735E8}"/>
+              </a:ext>
+            </a:extLst>
+          </p:cNvPr>
+          <p:cNvSpPr txBox="1"/>
+          <p:nvPr/>
+        </p:nvSpPr>
+        <p:spPr>
+          <a:xfrm>
+            <a:off x="4493706" y="3288920"/>
+            <a:ext cx="335648" cy="429399"/>
+          </a:xfrm>
+          <a:prstGeom prst="rect">
+            <a:avLst/>
+          </a:prstGeom>
+          <a:noFill/>
+        </p:spPr>
+        <p:txBody>
+          <a:bodyPr wrap="none" rtlCol="0">
+            <a:spAutoFit/>
+          </a:bodyPr>
+          <a:lstStyle/>
+          <a:p>
+            <a:r>
+              <a:rPr kumimoji="1" lang="en-US" altLang="ko-KR" sz="4400" dirty="0"/>
+              <a:t>…</a:t>
+            </a:r>
+            <a:endParaRPr kumimoji="1" lang="ko-KR" altLang="en-US" sz="4400" dirty="0"/>
+          </a:p>
+        </p:txBody>
+      </p:sp>
+      <p:cxnSp>
+        <p:nvCxnSpPr>
+          <p:cNvPr id="99" name="직선 화살표 연결선 98">
+            <a:extLst>
+              <a:ext uri="{FF2B5EF4-FFF2-40B4-BE49-F238E27FC236}">
+                <a16:creationId xmlns:a16="http://schemas.microsoft.com/office/drawing/2014/main" id="{EF4EC780-0A58-9641-86DE-28DCF914788B}"/>
+              </a:ext>
+            </a:extLst>
+          </p:cNvPr>
+          <p:cNvCxnSpPr/>
+          <p:nvPr/>
+        </p:nvCxnSpPr>
+        <p:spPr>
+          <a:xfrm>
+            <a:off x="2579842" y="3672598"/>
+            <a:ext cx="367598" cy="0"/>
+          </a:xfrm>
+          <a:prstGeom prst="straightConnector1">
+            <a:avLst/>
+          </a:prstGeom>
+          <a:ln w="95250">
+            <a:solidFill>
+              <a:schemeClr val="tx1"/>
+            </a:solidFill>
+            <a:tailEnd type="triangle"/>
+          </a:ln>
+        </p:spPr>
+        <p:style>
+          <a:lnRef idx="1">
+            <a:schemeClr val="accent1"/>
+          </a:lnRef>
+          <a:fillRef idx="0">
+            <a:schemeClr val="accent1"/>
+          </a:fillRef>
+          <a:effectRef idx="0">
+            <a:schemeClr val="accent1"/>
+          </a:effectRef>
+          <a:fontRef idx="minor">
+            <a:schemeClr val="tx1"/>
+          </a:fontRef>
+        </p:style>
+      </p:cxnSp>
+      <p:cxnSp>
+        <p:nvCxnSpPr>
+          <p:cNvPr id="100" name="직선 화살표 연결선 99">
+            <a:extLst>
+              <a:ext uri="{FF2B5EF4-FFF2-40B4-BE49-F238E27FC236}">
+                <a16:creationId xmlns:a16="http://schemas.microsoft.com/office/drawing/2014/main" id="{99C5D779-9F49-084C-A897-1AE0C92011EF}"/>
+              </a:ext>
+            </a:extLst>
+          </p:cNvPr>
+          <p:cNvCxnSpPr>
+            <a:cxnSpLocks/>
+          </p:cNvCxnSpPr>
+          <p:nvPr/>
+        </p:nvCxnSpPr>
+        <p:spPr>
+          <a:xfrm>
+            <a:off x="9373632" y="3705164"/>
+            <a:ext cx="947177" cy="0"/>
+          </a:xfrm>
+          <a:prstGeom prst="straightConnector1">
+            <a:avLst/>
+          </a:prstGeom>
+          <a:ln w="95250">
+            <a:solidFill>
+              <a:schemeClr val="tx1"/>
+            </a:solidFill>
+            <a:tailEnd type="triangle"/>
+          </a:ln>
+        </p:spPr>
+        <p:style>
+          <a:lnRef idx="1">
+            <a:schemeClr val="accent1"/>
+          </a:lnRef>
+          <a:fillRef idx="0">
+            <a:schemeClr val="accent1"/>
+          </a:fillRef>
+          <a:effectRef idx="0">
+            <a:schemeClr val="accent1"/>
+          </a:effectRef>
+          <a:fontRef idx="minor">
+            <a:schemeClr val="tx1"/>
+          </a:fontRef>
+        </p:style>
+      </p:cxnSp>
+      <p:sp>
+        <p:nvSpPr>
+          <p:cNvPr id="101" name="직사각형 100">
+            <a:extLst>
+              <a:ext uri="{FF2B5EF4-FFF2-40B4-BE49-F238E27FC236}">
+                <a16:creationId xmlns:a16="http://schemas.microsoft.com/office/drawing/2014/main" id="{84B79D82-7525-0F46-AB87-710605E2F8DF}"/>
+              </a:ext>
+            </a:extLst>
+          </p:cNvPr>
+          <p:cNvSpPr/>
+          <p:nvPr/>
+        </p:nvSpPr>
+        <p:spPr>
+          <a:xfrm>
+            <a:off x="10581592" y="2606033"/>
+            <a:ext cx="148223" cy="137154"/>
+          </a:xfrm>
+          <a:prstGeom prst="rect">
+            <a:avLst/>
+          </a:prstGeom>
+          <a:solidFill>
+            <a:schemeClr val="bg1"/>
+          </a:solidFill>
+          <a:ln w="38100">
+            <a:solidFill>
+              <a:schemeClr val="tx1"/>
+            </a:solidFill>
+          </a:ln>
+        </p:spPr>
+        <p:style>
+          <a:lnRef idx="2">
+            <a:schemeClr val="accent1">
+              <a:shade val="50000"/>
+            </a:schemeClr>
+          </a:lnRef>
+          <a:fillRef idx="1">
+            <a:schemeClr val="accent1"/>
+          </a:fillRef>
+          <a:effectRef idx="0">
+            <a:schemeClr val="accent1"/>
+          </a:effectRef>
+          <a:fontRef idx="minor">
+            <a:schemeClr val="lt1"/>
+          </a:fontRef>
+        </p:style>
+        <p:txBody>
+          <a:bodyPr rtlCol="0" anchor="ctr"/>
+          <a:lstStyle/>
+          <a:p>
+            <a:pPr algn="ctr"/>
+            <a:endParaRPr kumimoji="1" lang="ko-KR" altLang="en-US"/>
+          </a:p>
+        </p:txBody>
+      </p:sp>
+      <p:sp>
+        <p:nvSpPr>
+          <p:cNvPr id="102" name="직사각형 101">
+            <a:extLst>
+              <a:ext uri="{FF2B5EF4-FFF2-40B4-BE49-F238E27FC236}">
+                <a16:creationId xmlns:a16="http://schemas.microsoft.com/office/drawing/2014/main" id="{55071C70-70B6-8142-8A83-C7A3B27FC6E2}"/>
+              </a:ext>
+            </a:extLst>
+          </p:cNvPr>
+          <p:cNvSpPr/>
+          <p:nvPr/>
+        </p:nvSpPr>
+        <p:spPr>
+          <a:xfrm>
+            <a:off x="10581592" y="2743187"/>
+            <a:ext cx="148223" cy="137154"/>
+          </a:xfrm>
+          <a:prstGeom prst="rect">
+            <a:avLst/>
+          </a:prstGeom>
+          <a:solidFill>
+            <a:schemeClr val="bg1"/>
+          </a:solidFill>
+          <a:ln w="38100">
+            <a:solidFill>
+              <a:schemeClr val="tx1"/>
+            </a:solidFill>
+          </a:ln>
+        </p:spPr>
+        <p:style>
+          <a:lnRef idx="2">
+            <a:schemeClr val="accent1">
+              <a:shade val="50000"/>
+            </a:schemeClr>
+          </a:lnRef>
+          <a:fillRef idx="1">
+            <a:schemeClr val="accent1"/>
+          </a:fillRef>
+          <a:effectRef idx="0">
+            <a:schemeClr val="accent1"/>
+          </a:effectRef>
+          <a:fontRef idx="minor">
+            <a:schemeClr val="lt1"/>
+          </a:fontRef>
+        </p:style>
+        <p:txBody>
+          <a:bodyPr rtlCol="0" anchor="ctr"/>
+          <a:lstStyle/>
+          <a:p>
+            <a:pPr algn="ctr"/>
+            <a:endParaRPr kumimoji="1" lang="ko-KR" altLang="en-US"/>
+          </a:p>
+        </p:txBody>
+      </p:sp>
+      <p:sp>
+        <p:nvSpPr>
+          <p:cNvPr id="103" name="직사각형 102">
+            <a:extLst>
+              <a:ext uri="{FF2B5EF4-FFF2-40B4-BE49-F238E27FC236}">
+                <a16:creationId xmlns:a16="http://schemas.microsoft.com/office/drawing/2014/main" id="{EEB28711-D4A6-1D48-BF6D-9D66EDA4DD24}"/>
+              </a:ext>
+            </a:extLst>
+          </p:cNvPr>
+          <p:cNvSpPr/>
+          <p:nvPr/>
+        </p:nvSpPr>
+        <p:spPr>
+          <a:xfrm>
+            <a:off x="10581591" y="2880341"/>
+            <a:ext cx="148223" cy="137154"/>
+          </a:xfrm>
+          <a:prstGeom prst="rect">
+            <a:avLst/>
+          </a:prstGeom>
+          <a:solidFill>
+            <a:schemeClr val="bg1"/>
+          </a:solidFill>
+          <a:ln w="38100">
+            <a:solidFill>
+              <a:schemeClr val="tx1"/>
+            </a:solidFill>
+          </a:ln>
+        </p:spPr>
+        <p:style>
+          <a:lnRef idx="2">
+            <a:schemeClr val="accent1">
+              <a:shade val="50000"/>
+            </a:schemeClr>
+          </a:lnRef>
+          <a:fillRef idx="1">
+            <a:schemeClr val="accent1"/>
+          </a:fillRef>
+          <a:effectRef idx="0">
+            <a:schemeClr val="accent1"/>
+          </a:effectRef>
+          <a:fontRef idx="minor">
+            <a:schemeClr val="lt1"/>
+          </a:fontRef>
+        </p:style>
+        <p:txBody>
+          <a:bodyPr rtlCol="0" anchor="ctr"/>
+          <a:lstStyle/>
+          <a:p>
+            <a:pPr algn="ctr"/>
+            <a:endParaRPr kumimoji="1" lang="ko-KR" altLang="en-US"/>
+          </a:p>
+        </p:txBody>
+      </p:sp>
+      <p:sp>
+        <p:nvSpPr>
+          <p:cNvPr id="104" name="직사각형 103">
+            <a:extLst>
+              <a:ext uri="{FF2B5EF4-FFF2-40B4-BE49-F238E27FC236}">
+                <a16:creationId xmlns:a16="http://schemas.microsoft.com/office/drawing/2014/main" id="{EFBE72F8-8175-E54B-9908-04ECDD0575F1}"/>
+              </a:ext>
+            </a:extLst>
+          </p:cNvPr>
+          <p:cNvSpPr/>
+          <p:nvPr/>
+        </p:nvSpPr>
+        <p:spPr>
+          <a:xfrm>
+            <a:off x="10581591" y="3010217"/>
+            <a:ext cx="148223" cy="137154"/>
+          </a:xfrm>
+          <a:prstGeom prst="rect">
+            <a:avLst/>
+          </a:prstGeom>
+          <a:solidFill>
+            <a:schemeClr val="bg1"/>
+          </a:solidFill>
+          <a:ln w="38100">
+            <a:solidFill>
+              <a:schemeClr val="tx1"/>
+            </a:solidFill>
+          </a:ln>
+        </p:spPr>
+        <p:style>
+          <a:lnRef idx="2">
+            <a:schemeClr val="accent1">
+              <a:shade val="50000"/>
+            </a:schemeClr>
+          </a:lnRef>
+          <a:fillRef idx="1">
+            <a:schemeClr val="accent1"/>
+          </a:fillRef>
+          <a:effectRef idx="0">
+            <a:schemeClr val="accent1"/>
+          </a:effectRef>
+          <a:fontRef idx="minor">
+            <a:schemeClr val="lt1"/>
+          </a:fontRef>
+        </p:style>
+        <p:txBody>
+          <a:bodyPr rtlCol="0" anchor="ctr"/>
+          <a:lstStyle/>
+          <a:p>
+            <a:pPr algn="ctr"/>
+            <a:endParaRPr kumimoji="1" lang="ko-KR" altLang="en-US"/>
+          </a:p>
+        </p:txBody>
+      </p:sp>
+      <p:sp>
+        <p:nvSpPr>
+          <p:cNvPr id="105" name="직사각형 104">
+            <a:extLst>
+              <a:ext uri="{FF2B5EF4-FFF2-40B4-BE49-F238E27FC236}">
+                <a16:creationId xmlns:a16="http://schemas.microsoft.com/office/drawing/2014/main" id="{C6DF48EB-D36D-8B41-A750-C77FB82B9A9C}"/>
+              </a:ext>
+            </a:extLst>
+          </p:cNvPr>
+          <p:cNvSpPr/>
+          <p:nvPr/>
+        </p:nvSpPr>
+        <p:spPr>
+          <a:xfrm>
+            <a:off x="10581592" y="3144707"/>
+            <a:ext cx="148223" cy="137154"/>
+          </a:xfrm>
+          <a:prstGeom prst="rect">
+            <a:avLst/>
+          </a:prstGeom>
+          <a:solidFill>
+            <a:schemeClr val="bg1"/>
+          </a:solidFill>
+          <a:ln w="38100">
+            <a:solidFill>
+              <a:schemeClr val="tx1"/>
+            </a:solidFill>
+          </a:ln>
+        </p:spPr>
+        <p:style>
+          <a:lnRef idx="2">
+            <a:schemeClr val="accent1">
+              <a:shade val="50000"/>
+            </a:schemeClr>
+          </a:lnRef>
+          <a:fillRef idx="1">
+            <a:schemeClr val="accent1"/>
+          </a:fillRef>
+          <a:effectRef idx="0">
+            <a:schemeClr val="accent1"/>
+          </a:effectRef>
+          <a:fontRef idx="minor">
+            <a:schemeClr val="lt1"/>
+          </a:fontRef>
+        </p:style>
+        <p:txBody>
+          <a:bodyPr rtlCol="0" anchor="ctr"/>
+          <a:lstStyle/>
+          <a:p>
+            <a:pPr algn="ctr"/>
+            <a:endParaRPr kumimoji="1" lang="ko-KR" altLang="en-US"/>
+          </a:p>
+        </p:txBody>
+      </p:sp>
+      <p:sp>
+        <p:nvSpPr>
+          <p:cNvPr id="106" name="직사각형 105">
+            <a:extLst>
+              <a:ext uri="{FF2B5EF4-FFF2-40B4-BE49-F238E27FC236}">
+                <a16:creationId xmlns:a16="http://schemas.microsoft.com/office/drawing/2014/main" id="{81725FD0-3787-864D-92AC-94AAA885C9D3}"/>
+              </a:ext>
+            </a:extLst>
+          </p:cNvPr>
+          <p:cNvSpPr/>
+          <p:nvPr/>
+        </p:nvSpPr>
+        <p:spPr>
+          <a:xfrm>
+            <a:off x="10581592" y="3281861"/>
+            <a:ext cx="148223" cy="137154"/>
+          </a:xfrm>
+          <a:prstGeom prst="rect">
+            <a:avLst/>
+          </a:prstGeom>
+          <a:solidFill>
+            <a:schemeClr val="bg1"/>
+          </a:solidFill>
+          <a:ln w="38100">
+            <a:solidFill>
+              <a:schemeClr val="tx1"/>
+            </a:solidFill>
+          </a:ln>
+        </p:spPr>
+        <p:style>
+          <a:lnRef idx="2">
+            <a:schemeClr val="accent1">
+              <a:shade val="50000"/>
+            </a:schemeClr>
+          </a:lnRef>
+          <a:fillRef idx="1">
+            <a:schemeClr val="accent1"/>
+          </a:fillRef>
+          <a:effectRef idx="0">
+            <a:schemeClr val="accent1"/>
+          </a:effectRef>
+          <a:fontRef idx="minor">
+            <a:schemeClr val="lt1"/>
+          </a:fontRef>
+        </p:style>
+        <p:txBody>
+          <a:bodyPr rtlCol="0" anchor="ctr"/>
+          <a:lstStyle/>
+          <a:p>
+            <a:pPr algn="ctr"/>
+            <a:endParaRPr kumimoji="1" lang="ko-KR" altLang="en-US"/>
+          </a:p>
+        </p:txBody>
+      </p:sp>
+      <p:sp>
+        <p:nvSpPr>
+          <p:cNvPr id="107" name="직사각형 106">
+            <a:extLst>
+              <a:ext uri="{FF2B5EF4-FFF2-40B4-BE49-F238E27FC236}">
+                <a16:creationId xmlns:a16="http://schemas.microsoft.com/office/drawing/2014/main" id="{0A311D73-2B6E-3B4E-9E1F-E7AE87643A77}"/>
+              </a:ext>
+            </a:extLst>
+          </p:cNvPr>
+          <p:cNvSpPr/>
+          <p:nvPr/>
+        </p:nvSpPr>
+        <p:spPr>
+          <a:xfrm>
+            <a:off x="10581591" y="3419015"/>
+            <a:ext cx="148223" cy="137154"/>
+          </a:xfrm>
+          <a:prstGeom prst="rect">
+            <a:avLst/>
+          </a:prstGeom>
+          <a:solidFill>
+            <a:schemeClr val="bg1"/>
+          </a:solidFill>
+          <a:ln w="38100">
+            <a:solidFill>
+              <a:schemeClr val="tx1"/>
+            </a:solidFill>
+          </a:ln>
+        </p:spPr>
+        <p:style>
+          <a:lnRef idx="2">
+            <a:schemeClr val="accent1">
+              <a:shade val="50000"/>
+            </a:schemeClr>
+          </a:lnRef>
+          <a:fillRef idx="1">
+            <a:schemeClr val="accent1"/>
+          </a:fillRef>
+          <a:effectRef idx="0">
+            <a:schemeClr val="accent1"/>
+          </a:effectRef>
+          <a:fontRef idx="minor">
+            <a:schemeClr val="lt1"/>
+          </a:fontRef>
+        </p:style>
+        <p:txBody>
+          <a:bodyPr rtlCol="0" anchor="ctr"/>
+          <a:lstStyle/>
+          <a:p>
+            <a:pPr algn="ctr"/>
+            <a:endParaRPr kumimoji="1" lang="ko-KR" altLang="en-US"/>
+          </a:p>
+        </p:txBody>
+      </p:sp>
+      <p:sp>
+        <p:nvSpPr>
+          <p:cNvPr id="108" name="직사각형 107">
+            <a:extLst>
+              <a:ext uri="{FF2B5EF4-FFF2-40B4-BE49-F238E27FC236}">
+                <a16:creationId xmlns:a16="http://schemas.microsoft.com/office/drawing/2014/main" id="{CB3737F8-89B7-2F4E-A4B0-D966A9E90D07}"/>
+              </a:ext>
+            </a:extLst>
+          </p:cNvPr>
+          <p:cNvSpPr/>
+          <p:nvPr/>
+        </p:nvSpPr>
+        <p:spPr>
+          <a:xfrm>
+            <a:off x="10581591" y="3548891"/>
+            <a:ext cx="148223" cy="137154"/>
+          </a:xfrm>
+          <a:prstGeom prst="rect">
+            <a:avLst/>
+          </a:prstGeom>
+          <a:solidFill>
+            <a:schemeClr val="bg1"/>
+          </a:solidFill>
+          <a:ln w="38100">
+            <a:solidFill>
+              <a:schemeClr val="tx1"/>
+            </a:solidFill>
+          </a:ln>
+        </p:spPr>
+        <p:style>
+          <a:lnRef idx="2">
+            <a:schemeClr val="accent1">
+              <a:shade val="50000"/>
+            </a:schemeClr>
+          </a:lnRef>
+          <a:fillRef idx="1">
+            <a:schemeClr val="accent1"/>
+          </a:fillRef>
+          <a:effectRef idx="0">
+            <a:schemeClr val="accent1"/>
+          </a:effectRef>
+          <a:fontRef idx="minor">
+            <a:schemeClr val="lt1"/>
+          </a:fontRef>
+        </p:style>
+        <p:txBody>
+          <a:bodyPr rtlCol="0" anchor="ctr"/>
+          <a:lstStyle/>
+          <a:p>
+            <a:pPr algn="ctr"/>
+            <a:endParaRPr kumimoji="1" lang="ko-KR" altLang="en-US"/>
+          </a:p>
+        </p:txBody>
+      </p:sp>
+      <p:sp>
+        <p:nvSpPr>
+          <p:cNvPr id="109" name="직사각형 108">
+            <a:extLst>
+              <a:ext uri="{FF2B5EF4-FFF2-40B4-BE49-F238E27FC236}">
+                <a16:creationId xmlns:a16="http://schemas.microsoft.com/office/drawing/2014/main" id="{15AA48BE-E104-2C4E-B797-AB0B579D4E27}"/>
+              </a:ext>
+            </a:extLst>
+          </p:cNvPr>
+          <p:cNvSpPr/>
+          <p:nvPr/>
+        </p:nvSpPr>
+        <p:spPr>
+          <a:xfrm>
+            <a:off x="10581592" y="3676588"/>
+            <a:ext cx="148223" cy="137154"/>
+          </a:xfrm>
+          <a:prstGeom prst="rect">
+            <a:avLst/>
+          </a:prstGeom>
+          <a:solidFill>
+            <a:schemeClr val="bg1"/>
+          </a:solidFill>
+          <a:ln w="38100">
+            <a:solidFill>
+              <a:schemeClr val="tx1"/>
+            </a:solidFill>
+          </a:ln>
+        </p:spPr>
+        <p:style>
+          <a:lnRef idx="2">
+            <a:schemeClr val="accent1">
+              <a:shade val="50000"/>
+            </a:schemeClr>
+          </a:lnRef>
+          <a:fillRef idx="1">
+            <a:schemeClr val="accent1"/>
+          </a:fillRef>
+          <a:effectRef idx="0">
+            <a:schemeClr val="accent1"/>
+          </a:effectRef>
+          <a:fontRef idx="minor">
+            <a:schemeClr val="lt1"/>
+          </a:fontRef>
+        </p:style>
+        <p:txBody>
+          <a:bodyPr rtlCol="0" anchor="ctr"/>
+          <a:lstStyle/>
+          <a:p>
+            <a:pPr algn="ctr"/>
+            <a:endParaRPr kumimoji="1" lang="ko-KR" altLang="en-US"/>
+          </a:p>
+        </p:txBody>
+      </p:sp>
+      <p:sp>
+        <p:nvSpPr>
+          <p:cNvPr id="110" name="직사각형 109">
+            <a:extLst>
+              <a:ext uri="{FF2B5EF4-FFF2-40B4-BE49-F238E27FC236}">
+                <a16:creationId xmlns:a16="http://schemas.microsoft.com/office/drawing/2014/main" id="{D2CC4B5E-CEF2-1C48-9DBF-F0ED296F23F1}"/>
+              </a:ext>
+            </a:extLst>
+          </p:cNvPr>
+          <p:cNvSpPr/>
+          <p:nvPr/>
+        </p:nvSpPr>
+        <p:spPr>
+          <a:xfrm>
+            <a:off x="10581592" y="3813742"/>
+            <a:ext cx="148223" cy="137154"/>
+          </a:xfrm>
+          <a:prstGeom prst="rect">
+            <a:avLst/>
+          </a:prstGeom>
+          <a:solidFill>
+            <a:schemeClr val="bg1"/>
+          </a:solidFill>
+          <a:ln w="38100">
+            <a:solidFill>
+              <a:schemeClr val="tx1"/>
+            </a:solidFill>
+          </a:ln>
+        </p:spPr>
+        <p:style>
+          <a:lnRef idx="2">
+            <a:schemeClr val="accent1">
+              <a:shade val="50000"/>
+            </a:schemeClr>
+          </a:lnRef>
+          <a:fillRef idx="1">
+            <a:schemeClr val="accent1"/>
+          </a:fillRef>
+          <a:effectRef idx="0">
+            <a:schemeClr val="accent1"/>
+          </a:effectRef>
+          <a:fontRef idx="minor">
+            <a:schemeClr val="lt1"/>
+          </a:fontRef>
+        </p:style>
+        <p:txBody>
+          <a:bodyPr rtlCol="0" anchor="ctr"/>
+          <a:lstStyle/>
+          <a:p>
+            <a:pPr algn="ctr"/>
+            <a:endParaRPr kumimoji="1" lang="ko-KR" altLang="en-US"/>
+          </a:p>
+        </p:txBody>
+      </p:sp>
+      <p:sp>
+        <p:nvSpPr>
+          <p:cNvPr id="111" name="직사각형 110">
+            <a:extLst>
+              <a:ext uri="{FF2B5EF4-FFF2-40B4-BE49-F238E27FC236}">
+                <a16:creationId xmlns:a16="http://schemas.microsoft.com/office/drawing/2014/main" id="{68B818B8-5844-D84C-86A5-12F48B033227}"/>
+              </a:ext>
+            </a:extLst>
+          </p:cNvPr>
+          <p:cNvSpPr/>
+          <p:nvPr/>
+        </p:nvSpPr>
+        <p:spPr>
+          <a:xfrm>
+            <a:off x="10581591" y="3950896"/>
+            <a:ext cx="148223" cy="137154"/>
+          </a:xfrm>
+          <a:prstGeom prst="rect">
+            <a:avLst/>
+          </a:prstGeom>
+          <a:solidFill>
+            <a:schemeClr val="bg1"/>
+          </a:solidFill>
+          <a:ln w="38100">
+            <a:solidFill>
+              <a:schemeClr val="tx1"/>
+            </a:solidFill>
+          </a:ln>
+        </p:spPr>
+        <p:style>
+          <a:lnRef idx="2">
+            <a:schemeClr val="accent1">
+              <a:shade val="50000"/>
+            </a:schemeClr>
+          </a:lnRef>
+          <a:fillRef idx="1">
+            <a:schemeClr val="accent1"/>
+          </a:fillRef>
+          <a:effectRef idx="0">
+            <a:schemeClr val="accent1"/>
+          </a:effectRef>
+          <a:fontRef idx="minor">
+            <a:schemeClr val="lt1"/>
+          </a:fontRef>
+        </p:style>
+        <p:txBody>
+          <a:bodyPr rtlCol="0" anchor="ctr"/>
+          <a:lstStyle/>
+          <a:p>
+            <a:pPr algn="ctr"/>
+            <a:endParaRPr kumimoji="1" lang="ko-KR" altLang="en-US"/>
+          </a:p>
+        </p:txBody>
+      </p:sp>
+      <p:sp>
+        <p:nvSpPr>
+          <p:cNvPr id="112" name="직사각형 111">
+            <a:extLst>
+              <a:ext uri="{FF2B5EF4-FFF2-40B4-BE49-F238E27FC236}">
+                <a16:creationId xmlns:a16="http://schemas.microsoft.com/office/drawing/2014/main" id="{C67B9E6B-F277-E04E-9221-AC04D1944780}"/>
+              </a:ext>
+            </a:extLst>
+          </p:cNvPr>
+          <p:cNvSpPr/>
+          <p:nvPr/>
+        </p:nvSpPr>
+        <p:spPr>
+          <a:xfrm>
+            <a:off x="10581591" y="4080772"/>
+            <a:ext cx="148223" cy="137154"/>
+          </a:xfrm>
+          <a:prstGeom prst="rect">
+            <a:avLst/>
+          </a:prstGeom>
+          <a:solidFill>
+            <a:schemeClr val="bg1"/>
+          </a:solidFill>
+          <a:ln w="38100">
+            <a:solidFill>
+              <a:schemeClr val="tx1"/>
+            </a:solidFill>
+          </a:ln>
+        </p:spPr>
+        <p:style>
+          <a:lnRef idx="2">
+            <a:schemeClr val="accent1">
+              <a:shade val="50000"/>
+            </a:schemeClr>
+          </a:lnRef>
+          <a:fillRef idx="1">
+            <a:schemeClr val="accent1"/>
+          </a:fillRef>
+          <a:effectRef idx="0">
+            <a:schemeClr val="accent1"/>
+          </a:effectRef>
+          <a:fontRef idx="minor">
+            <a:schemeClr val="lt1"/>
+          </a:fontRef>
+        </p:style>
+        <p:txBody>
+          <a:bodyPr rtlCol="0" anchor="ctr"/>
+          <a:lstStyle/>
+          <a:p>
+            <a:pPr algn="ctr"/>
+            <a:endParaRPr kumimoji="1" lang="ko-KR" altLang="en-US"/>
+          </a:p>
+        </p:txBody>
+      </p:sp>
+      <p:sp>
+        <p:nvSpPr>
+          <p:cNvPr id="113" name="직사각형 112">
+            <a:extLst>
+              <a:ext uri="{FF2B5EF4-FFF2-40B4-BE49-F238E27FC236}">
+                <a16:creationId xmlns:a16="http://schemas.microsoft.com/office/drawing/2014/main" id="{08311D39-BEAC-4C40-8B2D-5A9F1931B87E}"/>
+              </a:ext>
+            </a:extLst>
+          </p:cNvPr>
+          <p:cNvSpPr/>
+          <p:nvPr/>
+        </p:nvSpPr>
+        <p:spPr>
+          <a:xfrm>
+            <a:off x="10581592" y="4216227"/>
+            <a:ext cx="148223" cy="137154"/>
+          </a:xfrm>
+          <a:prstGeom prst="rect">
+            <a:avLst/>
+          </a:prstGeom>
+          <a:solidFill>
+            <a:schemeClr val="bg1"/>
+          </a:solidFill>
+          <a:ln w="38100">
+            <a:solidFill>
+              <a:schemeClr val="tx1"/>
+            </a:solidFill>
+          </a:ln>
+        </p:spPr>
+        <p:style>
+          <a:lnRef idx="2">
+            <a:schemeClr val="accent1">
+              <a:shade val="50000"/>
+            </a:schemeClr>
+          </a:lnRef>
+          <a:fillRef idx="1">
+            <a:schemeClr val="accent1"/>
+          </a:fillRef>
+          <a:effectRef idx="0">
+            <a:schemeClr val="accent1"/>
+          </a:effectRef>
+          <a:fontRef idx="minor">
+            <a:schemeClr val="lt1"/>
+          </a:fontRef>
+        </p:style>
+        <p:txBody>
+          <a:bodyPr rtlCol="0" anchor="ctr"/>
+          <a:lstStyle/>
+          <a:p>
+            <a:pPr algn="ctr"/>
+            <a:endParaRPr kumimoji="1" lang="ko-KR" altLang="en-US"/>
+          </a:p>
+        </p:txBody>
+      </p:sp>
+      <p:sp>
+        <p:nvSpPr>
+          <p:cNvPr id="114" name="직사각형 113">
+            <a:extLst>
+              <a:ext uri="{FF2B5EF4-FFF2-40B4-BE49-F238E27FC236}">
+                <a16:creationId xmlns:a16="http://schemas.microsoft.com/office/drawing/2014/main" id="{B6C34DCF-34F8-8C43-92DA-76E76103457E}"/>
+              </a:ext>
+            </a:extLst>
+          </p:cNvPr>
+          <p:cNvSpPr/>
+          <p:nvPr/>
+        </p:nvSpPr>
+        <p:spPr>
+          <a:xfrm>
+            <a:off x="10581592" y="4353381"/>
+            <a:ext cx="148223" cy="137154"/>
+          </a:xfrm>
+          <a:prstGeom prst="rect">
+            <a:avLst/>
+          </a:prstGeom>
+          <a:solidFill>
+            <a:schemeClr val="bg1"/>
+          </a:solidFill>
+          <a:ln w="38100">
+            <a:solidFill>
+              <a:schemeClr val="tx1"/>
+            </a:solidFill>
+          </a:ln>
+        </p:spPr>
+        <p:style>
+          <a:lnRef idx="2">
+            <a:schemeClr val="accent1">
+              <a:shade val="50000"/>
+            </a:schemeClr>
+          </a:lnRef>
+          <a:fillRef idx="1">
+            <a:schemeClr val="accent1"/>
+          </a:fillRef>
+          <a:effectRef idx="0">
+            <a:schemeClr val="accent1"/>
+          </a:effectRef>
+          <a:fontRef idx="minor">
+            <a:schemeClr val="lt1"/>
+          </a:fontRef>
+        </p:style>
+        <p:txBody>
+          <a:bodyPr rtlCol="0" anchor="ctr"/>
+          <a:lstStyle/>
+          <a:p>
+            <a:pPr algn="ctr"/>
+            <a:endParaRPr kumimoji="1" lang="ko-KR" altLang="en-US"/>
+          </a:p>
+        </p:txBody>
+      </p:sp>
+      <p:sp>
+        <p:nvSpPr>
+          <p:cNvPr id="115" name="직사각형 114">
+            <a:extLst>
+              <a:ext uri="{FF2B5EF4-FFF2-40B4-BE49-F238E27FC236}">
+                <a16:creationId xmlns:a16="http://schemas.microsoft.com/office/drawing/2014/main" id="{47A24F14-3D91-9E4D-8D13-13234B0DB565}"/>
+              </a:ext>
+            </a:extLst>
+          </p:cNvPr>
+          <p:cNvSpPr/>
+          <p:nvPr/>
+        </p:nvSpPr>
+        <p:spPr>
+          <a:xfrm>
+            <a:off x="10581591" y="4490535"/>
+            <a:ext cx="148223" cy="137154"/>
+          </a:xfrm>
+          <a:prstGeom prst="rect">
+            <a:avLst/>
+          </a:prstGeom>
+          <a:solidFill>
+            <a:schemeClr val="bg1"/>
+          </a:solidFill>
+          <a:ln w="38100">
+            <a:solidFill>
+              <a:schemeClr val="tx1"/>
+            </a:solidFill>
+          </a:ln>
+        </p:spPr>
+        <p:style>
+          <a:lnRef idx="2">
+            <a:schemeClr val="accent1">
+              <a:shade val="50000"/>
+            </a:schemeClr>
+          </a:lnRef>
+          <a:fillRef idx="1">
+            <a:schemeClr val="accent1"/>
+          </a:fillRef>
+          <a:effectRef idx="0">
+            <a:schemeClr val="accent1"/>
+          </a:effectRef>
+          <a:fontRef idx="minor">
+            <a:schemeClr val="lt1"/>
+          </a:fontRef>
+        </p:style>
+        <p:txBody>
+          <a:bodyPr rtlCol="0" anchor="ctr"/>
+          <a:lstStyle/>
+          <a:p>
+            <a:pPr algn="ctr"/>
+            <a:endParaRPr kumimoji="1" lang="ko-KR" altLang="en-US"/>
+          </a:p>
+        </p:txBody>
+      </p:sp>
+      <p:sp>
+        <p:nvSpPr>
+          <p:cNvPr id="116" name="직사각형 115">
+            <a:extLst>
+              <a:ext uri="{FF2B5EF4-FFF2-40B4-BE49-F238E27FC236}">
+                <a16:creationId xmlns:a16="http://schemas.microsoft.com/office/drawing/2014/main" id="{F4D44446-BAE9-014E-A396-5CF8D3449062}"/>
+              </a:ext>
+            </a:extLst>
+          </p:cNvPr>
+          <p:cNvSpPr/>
+          <p:nvPr/>
+        </p:nvSpPr>
+        <p:spPr>
+          <a:xfrm>
+            <a:off x="10581591" y="4620411"/>
+            <a:ext cx="148223" cy="137154"/>
+          </a:xfrm>
+          <a:prstGeom prst="rect">
+            <a:avLst/>
+          </a:prstGeom>
+          <a:solidFill>
+            <a:schemeClr val="bg1"/>
+          </a:solidFill>
+          <a:ln w="38100">
+            <a:solidFill>
+              <a:schemeClr val="tx1"/>
+            </a:solidFill>
+          </a:ln>
+        </p:spPr>
+        <p:style>
+          <a:lnRef idx="2">
+            <a:schemeClr val="accent1">
+              <a:shade val="50000"/>
+            </a:schemeClr>
+          </a:lnRef>
+          <a:fillRef idx="1">
+            <a:schemeClr val="accent1"/>
+          </a:fillRef>
+          <a:effectRef idx="0">
+            <a:schemeClr val="accent1"/>
+          </a:effectRef>
+          <a:fontRef idx="minor">
+            <a:schemeClr val="lt1"/>
+          </a:fontRef>
+        </p:style>
+        <p:txBody>
+          <a:bodyPr rtlCol="0" anchor="ctr"/>
+          <a:lstStyle/>
+          <a:p>
+            <a:pPr algn="ctr"/>
+            <a:endParaRPr kumimoji="1" lang="ko-KR" altLang="en-US"/>
+          </a:p>
+        </p:txBody>
+      </p:sp>
+      <p:grpSp>
+        <p:nvGrpSpPr>
+          <p:cNvPr id="5" name="그룹 4">
+            <a:extLst>
+              <a:ext uri="{FF2B5EF4-FFF2-40B4-BE49-F238E27FC236}">
+                <a16:creationId xmlns:a16="http://schemas.microsoft.com/office/drawing/2014/main" id="{597D4F7D-8A55-144B-AEB3-26C568CC3B23}"/>
+              </a:ext>
+            </a:extLst>
+          </p:cNvPr>
+          <p:cNvGrpSpPr/>
+          <p:nvPr/>
+        </p:nvGrpSpPr>
+        <p:grpSpPr>
+          <a:xfrm>
+            <a:off x="931209" y="4969014"/>
+            <a:ext cx="4796292" cy="1465305"/>
+            <a:chOff x="3273082" y="5240115"/>
+            <a:chExt cx="4796292" cy="1465305"/>
+          </a:xfrm>
+        </p:grpSpPr>
+        <p:pic>
+          <p:nvPicPr>
+            <p:cNvPr id="118" name="그림 117">
+              <a:extLst>
+                <a:ext uri="{FF2B5EF4-FFF2-40B4-BE49-F238E27FC236}">
+                  <a16:creationId xmlns:a16="http://schemas.microsoft.com/office/drawing/2014/main" id="{03FE9ECD-07F9-2746-A42A-25282AD57901}"/>
+                </a:ext>
+              </a:extLst>
+            </p:cNvPr>
+            <p:cNvPicPr>
+              <a:picLocks noChangeAspect="1"/>
+            </p:cNvPicPr>
+            <p:nvPr/>
+          </p:nvPicPr>
+          <p:blipFill>
+            <a:blip r:embed="rId2"/>
+            <a:stretch>
+              <a:fillRect/>
+            </a:stretch>
+          </p:blipFill>
+          <p:spPr>
+            <a:xfrm>
+              <a:off x="3273082" y="5357087"/>
+              <a:ext cx="1540952" cy="1348333"/>
+            </a:xfrm>
+            <a:prstGeom prst="rect">
+              <a:avLst/>
+            </a:prstGeom>
+          </p:spPr>
+        </p:pic>
+        <p:sp>
+          <p:nvSpPr>
+            <p:cNvPr id="119" name="직사각형 118">
+              <a:extLst>
+                <a:ext uri="{FF2B5EF4-FFF2-40B4-BE49-F238E27FC236}">
+                  <a16:creationId xmlns:a16="http://schemas.microsoft.com/office/drawing/2014/main" id="{B6DDEBB9-A68E-A24F-8A28-970CAA504A12}"/>
+                </a:ext>
+              </a:extLst>
+            </p:cNvPr>
+            <p:cNvSpPr/>
+            <p:nvPr/>
+          </p:nvSpPr>
+          <p:spPr>
+            <a:xfrm>
+              <a:off x="5400824" y="5240115"/>
+              <a:ext cx="1079247" cy="938476"/>
+            </a:xfrm>
+            <a:prstGeom prst="rect">
+              <a:avLst/>
+            </a:prstGeom>
+            <a:solidFill>
+              <a:schemeClr val="bg1"/>
+            </a:solidFill>
+            <a:ln w="38100">
+              <a:solidFill>
+                <a:schemeClr val="tx1"/>
+              </a:solidFill>
+            </a:ln>
+          </p:spPr>
+          <p:style>
+            <a:lnRef idx="2">
+              <a:schemeClr val="accent1">
+                <a:shade val="50000"/>
+              </a:schemeClr>
+            </a:lnRef>
+            <a:fillRef idx="1">
+              <a:schemeClr val="accent1"/>
+            </a:fillRef>
+            <a:effectRef idx="0">
+              <a:schemeClr val="accent1"/>
+            </a:effectRef>
+            <a:fontRef idx="minor">
+              <a:schemeClr val="lt1"/>
+            </a:fontRef>
+          </p:style>
+          <p:txBody>
+            <a:bodyPr rtlCol="0" anchor="ctr"/>
+            <a:lstStyle/>
+            <a:p>
+              <a:pPr algn="ctr"/>
+              <a:endParaRPr kumimoji="1" lang="ko-KR" altLang="en-US"/>
+            </a:p>
+          </p:txBody>
+        </p:sp>
+        <p:sp>
+          <p:nvSpPr>
+            <p:cNvPr id="120" name="직사각형 119">
+              <a:extLst>
+                <a:ext uri="{FF2B5EF4-FFF2-40B4-BE49-F238E27FC236}">
+                  <a16:creationId xmlns:a16="http://schemas.microsoft.com/office/drawing/2014/main" id="{E14DD4B2-7BB4-6141-901B-96BFDA1147B8}"/>
+                </a:ext>
+              </a:extLst>
+            </p:cNvPr>
+            <p:cNvSpPr/>
+            <p:nvPr/>
+          </p:nvSpPr>
+          <p:spPr>
+            <a:xfrm>
+              <a:off x="5473112" y="5369432"/>
+              <a:ext cx="1079247" cy="938476"/>
+            </a:xfrm>
+            <a:prstGeom prst="rect">
+              <a:avLst/>
+            </a:prstGeom>
+            <a:solidFill>
+              <a:schemeClr val="bg1"/>
+            </a:solidFill>
+            <a:ln w="38100">
+              <a:solidFill>
+                <a:schemeClr val="tx1"/>
+              </a:solidFill>
+            </a:ln>
+          </p:spPr>
+          <p:style>
+            <a:lnRef idx="2">
+              <a:schemeClr val="accent1">
+                <a:shade val="50000"/>
+              </a:schemeClr>
+            </a:lnRef>
+            <a:fillRef idx="1">
+              <a:schemeClr val="accent1"/>
+            </a:fillRef>
+            <a:effectRef idx="0">
+              <a:schemeClr val="accent1"/>
+            </a:effectRef>
+            <a:fontRef idx="minor">
+              <a:schemeClr val="lt1"/>
+            </a:fontRef>
+          </p:style>
+          <p:txBody>
+            <a:bodyPr rtlCol="0" anchor="ctr"/>
+            <a:lstStyle/>
+            <a:p>
+              <a:pPr algn="ctr"/>
+              <a:endParaRPr kumimoji="1" lang="ko-KR" altLang="en-US"/>
+            </a:p>
+          </p:txBody>
+        </p:sp>
+        <p:sp>
+          <p:nvSpPr>
+            <p:cNvPr id="121" name="직사각형 120">
+              <a:extLst>
+                <a:ext uri="{FF2B5EF4-FFF2-40B4-BE49-F238E27FC236}">
+                  <a16:creationId xmlns:a16="http://schemas.microsoft.com/office/drawing/2014/main" id="{8203493A-B43F-F74F-AD6A-AF81BEDCC745}"/>
+                </a:ext>
+              </a:extLst>
+            </p:cNvPr>
+            <p:cNvSpPr/>
+            <p:nvPr/>
+          </p:nvSpPr>
+          <p:spPr>
+            <a:xfrm>
+              <a:off x="5545400" y="5498749"/>
+              <a:ext cx="1079247" cy="938476"/>
+            </a:xfrm>
+            <a:prstGeom prst="rect">
+              <a:avLst/>
+            </a:prstGeom>
+            <a:solidFill>
+              <a:schemeClr val="bg1"/>
+            </a:solidFill>
+            <a:ln w="38100">
+              <a:solidFill>
+                <a:schemeClr val="tx1"/>
+              </a:solidFill>
+            </a:ln>
+          </p:spPr>
+          <p:style>
+            <a:lnRef idx="2">
+              <a:schemeClr val="accent1">
+                <a:shade val="50000"/>
+              </a:schemeClr>
+            </a:lnRef>
+            <a:fillRef idx="1">
+              <a:schemeClr val="accent1"/>
+            </a:fillRef>
+            <a:effectRef idx="0">
+              <a:schemeClr val="accent1"/>
+            </a:effectRef>
+            <a:fontRef idx="minor">
+              <a:schemeClr val="lt1"/>
+            </a:fontRef>
+          </p:style>
+          <p:txBody>
+            <a:bodyPr rtlCol="0" anchor="ctr"/>
+            <a:lstStyle/>
+            <a:p>
+              <a:pPr algn="ctr"/>
+              <a:endParaRPr kumimoji="1" lang="ko-KR" altLang="en-US"/>
+            </a:p>
+          </p:txBody>
+        </p:sp>
+        <p:sp>
+          <p:nvSpPr>
+            <p:cNvPr id="122" name="직사각형 121">
+              <a:extLst>
+                <a:ext uri="{FF2B5EF4-FFF2-40B4-BE49-F238E27FC236}">
+                  <a16:creationId xmlns:a16="http://schemas.microsoft.com/office/drawing/2014/main" id="{333F5A6B-C296-D841-9D30-72E70EFCE463}"/>
+                </a:ext>
+              </a:extLst>
+            </p:cNvPr>
+            <p:cNvSpPr/>
+            <p:nvPr/>
+          </p:nvSpPr>
+          <p:spPr>
+            <a:xfrm>
+              <a:off x="5617688" y="5628066"/>
+              <a:ext cx="1079247" cy="938476"/>
+            </a:xfrm>
+            <a:prstGeom prst="rect">
+              <a:avLst/>
+            </a:prstGeom>
+            <a:solidFill>
+              <a:schemeClr val="bg1"/>
+            </a:solidFill>
+            <a:ln w="38100">
+              <a:solidFill>
+                <a:schemeClr val="tx1"/>
+              </a:solidFill>
+            </a:ln>
+          </p:spPr>
+          <p:style>
+            <a:lnRef idx="2">
+              <a:schemeClr val="accent1">
+                <a:shade val="50000"/>
+              </a:schemeClr>
+            </a:lnRef>
+            <a:fillRef idx="1">
+              <a:schemeClr val="accent1"/>
+            </a:fillRef>
+            <a:effectRef idx="0">
+              <a:schemeClr val="accent1"/>
+            </a:effectRef>
+            <a:fontRef idx="minor">
+              <a:schemeClr val="lt1"/>
+            </a:fontRef>
+          </p:style>
+          <p:txBody>
+            <a:bodyPr rtlCol="0" anchor="ctr"/>
+            <a:lstStyle/>
+            <a:p>
+              <a:pPr algn="ctr"/>
+              <a:endParaRPr kumimoji="1" lang="ko-KR" altLang="en-US"/>
+            </a:p>
+          </p:txBody>
+        </p:sp>
+        <p:sp>
+          <p:nvSpPr>
+            <p:cNvPr id="123" name="직사각형 122">
+              <a:extLst>
+                <a:ext uri="{FF2B5EF4-FFF2-40B4-BE49-F238E27FC236}">
+                  <a16:creationId xmlns:a16="http://schemas.microsoft.com/office/drawing/2014/main" id="{17A6E158-4BC0-B34E-89DB-A7DBCFD6A8C2}"/>
+                </a:ext>
+              </a:extLst>
+            </p:cNvPr>
+            <p:cNvSpPr/>
+            <p:nvPr/>
+          </p:nvSpPr>
+          <p:spPr>
+            <a:xfrm>
+              <a:off x="5689976" y="5757383"/>
+              <a:ext cx="1079247" cy="938476"/>
+            </a:xfrm>
+            <a:prstGeom prst="rect">
+              <a:avLst/>
+            </a:prstGeom>
+            <a:solidFill>
+              <a:schemeClr val="bg1"/>
+            </a:solidFill>
+            <a:ln w="38100">
+              <a:solidFill>
+                <a:schemeClr val="tx1"/>
+              </a:solidFill>
+            </a:ln>
+          </p:spPr>
+          <p:style>
+            <a:lnRef idx="2">
+              <a:schemeClr val="accent1">
+                <a:shade val="50000"/>
+              </a:schemeClr>
+            </a:lnRef>
+            <a:fillRef idx="1">
+              <a:schemeClr val="accent1"/>
+            </a:fillRef>
+            <a:effectRef idx="0">
+              <a:schemeClr val="accent1"/>
+            </a:effectRef>
+            <a:fontRef idx="minor">
+              <a:schemeClr val="lt1"/>
+            </a:fontRef>
+          </p:style>
+          <p:txBody>
+            <a:bodyPr rtlCol="0" anchor="ctr"/>
+            <a:lstStyle/>
+            <a:p>
+              <a:pPr algn="ctr"/>
+              <a:endParaRPr kumimoji="1" lang="ko-KR" altLang="en-US"/>
+            </a:p>
+          </p:txBody>
+        </p:sp>
+        <p:sp>
+          <p:nvSpPr>
+            <p:cNvPr id="124" name="직사각형 123">
+              <a:extLst>
+                <a:ext uri="{FF2B5EF4-FFF2-40B4-BE49-F238E27FC236}">
+                  <a16:creationId xmlns:a16="http://schemas.microsoft.com/office/drawing/2014/main" id="{27B27C89-4F79-6743-8771-7AA8AF637A73}"/>
+                </a:ext>
+              </a:extLst>
+            </p:cNvPr>
+            <p:cNvSpPr/>
+            <p:nvPr/>
+          </p:nvSpPr>
+          <p:spPr>
+            <a:xfrm>
+              <a:off x="7239228" y="5457737"/>
+              <a:ext cx="493966" cy="469238"/>
+            </a:xfrm>
+            <a:prstGeom prst="rect">
+              <a:avLst/>
+            </a:prstGeom>
+            <a:solidFill>
+              <a:schemeClr val="bg1"/>
+            </a:solidFill>
+            <a:ln w="38100">
+              <a:solidFill>
+                <a:schemeClr val="tx1"/>
+              </a:solidFill>
+            </a:ln>
+          </p:spPr>
+          <p:style>
+            <a:lnRef idx="2">
+              <a:schemeClr val="accent1">
+                <a:shade val="50000"/>
+              </a:schemeClr>
+            </a:lnRef>
+            <a:fillRef idx="1">
+              <a:schemeClr val="accent1"/>
+            </a:fillRef>
+            <a:effectRef idx="0">
+              <a:schemeClr val="accent1"/>
+            </a:effectRef>
+            <a:fontRef idx="minor">
+              <a:schemeClr val="lt1"/>
+            </a:fontRef>
+          </p:style>
+          <p:txBody>
+            <a:bodyPr rtlCol="0" anchor="ctr"/>
+            <a:lstStyle/>
+            <a:p>
+              <a:pPr algn="ctr"/>
+              <a:endParaRPr kumimoji="1" lang="ko-KR" altLang="en-US"/>
+            </a:p>
+          </p:txBody>
+        </p:sp>
+        <p:sp>
+          <p:nvSpPr>
+            <p:cNvPr id="125" name="직사각형 124">
+              <a:extLst>
+                <a:ext uri="{FF2B5EF4-FFF2-40B4-BE49-F238E27FC236}">
+                  <a16:creationId xmlns:a16="http://schemas.microsoft.com/office/drawing/2014/main" id="{522132FE-FF6A-EC42-A1BD-D2556C4B7E47}"/>
+                </a:ext>
+              </a:extLst>
+            </p:cNvPr>
+            <p:cNvSpPr/>
+            <p:nvPr/>
+          </p:nvSpPr>
+          <p:spPr>
+            <a:xfrm>
+              <a:off x="7281397" y="5524310"/>
+              <a:ext cx="493966" cy="469238"/>
+            </a:xfrm>
+            <a:prstGeom prst="rect">
+              <a:avLst/>
+            </a:prstGeom>
+            <a:solidFill>
+              <a:schemeClr val="bg1"/>
+            </a:solidFill>
+            <a:ln w="38100">
+              <a:solidFill>
+                <a:schemeClr val="tx1"/>
+              </a:solidFill>
+            </a:ln>
+          </p:spPr>
+          <p:style>
+            <a:lnRef idx="2">
+              <a:schemeClr val="accent1">
+                <a:shade val="50000"/>
+              </a:schemeClr>
+            </a:lnRef>
+            <a:fillRef idx="1">
+              <a:schemeClr val="accent1"/>
+            </a:fillRef>
+            <a:effectRef idx="0">
+              <a:schemeClr val="accent1"/>
+            </a:effectRef>
+            <a:fontRef idx="minor">
+              <a:schemeClr val="lt1"/>
+            </a:fontRef>
+          </p:style>
+          <p:txBody>
+            <a:bodyPr rtlCol="0" anchor="ctr"/>
+            <a:lstStyle/>
+            <a:p>
+              <a:pPr algn="ctr"/>
+              <a:endParaRPr kumimoji="1" lang="ko-KR" altLang="en-US"/>
+            </a:p>
+          </p:txBody>
+        </p:sp>
+        <p:sp>
+          <p:nvSpPr>
+            <p:cNvPr id="126" name="직사각형 125">
+              <a:extLst>
+                <a:ext uri="{FF2B5EF4-FFF2-40B4-BE49-F238E27FC236}">
+                  <a16:creationId xmlns:a16="http://schemas.microsoft.com/office/drawing/2014/main" id="{23F33277-D353-FE4A-A70C-F62438E74910}"/>
+                </a:ext>
+              </a:extLst>
+            </p:cNvPr>
+            <p:cNvSpPr/>
+            <p:nvPr/>
+          </p:nvSpPr>
+          <p:spPr>
+            <a:xfrm>
+              <a:off x="7323566" y="5590883"/>
+              <a:ext cx="493966" cy="469238"/>
+            </a:xfrm>
+            <a:prstGeom prst="rect">
+              <a:avLst/>
+            </a:prstGeom>
+            <a:solidFill>
+              <a:schemeClr val="bg1"/>
+            </a:solidFill>
+            <a:ln w="38100">
+              <a:solidFill>
+                <a:schemeClr val="tx1"/>
+              </a:solidFill>
+            </a:ln>
+          </p:spPr>
+          <p:style>
+            <a:lnRef idx="2">
+              <a:schemeClr val="accent1">
+                <a:shade val="50000"/>
+              </a:schemeClr>
+            </a:lnRef>
+            <a:fillRef idx="1">
+              <a:schemeClr val="accent1"/>
+            </a:fillRef>
+            <a:effectRef idx="0">
+              <a:schemeClr val="accent1"/>
+            </a:effectRef>
+            <a:fontRef idx="minor">
+              <a:schemeClr val="lt1"/>
+            </a:fontRef>
+          </p:style>
+          <p:txBody>
+            <a:bodyPr rtlCol="0" anchor="ctr"/>
+            <a:lstStyle/>
+            <a:p>
+              <a:pPr algn="ctr"/>
+              <a:endParaRPr kumimoji="1" lang="ko-KR" altLang="en-US"/>
+            </a:p>
+          </p:txBody>
+        </p:sp>
+        <p:sp>
+          <p:nvSpPr>
+            <p:cNvPr id="127" name="직사각형 126">
+              <a:extLst>
+                <a:ext uri="{FF2B5EF4-FFF2-40B4-BE49-F238E27FC236}">
+                  <a16:creationId xmlns:a16="http://schemas.microsoft.com/office/drawing/2014/main" id="{550047FD-E11B-0C45-ABDB-23F3334A8376}"/>
+                </a:ext>
+              </a:extLst>
+            </p:cNvPr>
+            <p:cNvSpPr/>
+            <p:nvPr/>
+          </p:nvSpPr>
+          <p:spPr>
+            <a:xfrm>
+              <a:off x="7365735" y="5659956"/>
+              <a:ext cx="493966" cy="469238"/>
+            </a:xfrm>
+            <a:prstGeom prst="rect">
+              <a:avLst/>
+            </a:prstGeom>
+            <a:solidFill>
+              <a:schemeClr val="bg1"/>
+            </a:solidFill>
+            <a:ln w="38100">
+              <a:solidFill>
+                <a:schemeClr val="tx1"/>
+              </a:solidFill>
+            </a:ln>
+          </p:spPr>
+          <p:style>
+            <a:lnRef idx="2">
+              <a:schemeClr val="accent1">
+                <a:shade val="50000"/>
+              </a:schemeClr>
+            </a:lnRef>
+            <a:fillRef idx="1">
+              <a:schemeClr val="accent1"/>
+            </a:fillRef>
+            <a:effectRef idx="0">
+              <a:schemeClr val="accent1"/>
+            </a:effectRef>
+            <a:fontRef idx="minor">
+              <a:schemeClr val="lt1"/>
+            </a:fontRef>
+          </p:style>
+          <p:txBody>
+            <a:bodyPr rtlCol="0" anchor="ctr"/>
+            <a:lstStyle/>
+            <a:p>
+              <a:pPr algn="ctr"/>
+              <a:endParaRPr kumimoji="1" lang="ko-KR" altLang="en-US"/>
+            </a:p>
+          </p:txBody>
+        </p:sp>
+        <p:sp>
+          <p:nvSpPr>
+            <p:cNvPr id="128" name="직사각형 127">
+              <a:extLst>
+                <a:ext uri="{FF2B5EF4-FFF2-40B4-BE49-F238E27FC236}">
+                  <a16:creationId xmlns:a16="http://schemas.microsoft.com/office/drawing/2014/main" id="{36BC8B00-9E22-F44A-BCBF-A0E749896D11}"/>
+                </a:ext>
+              </a:extLst>
+            </p:cNvPr>
+            <p:cNvSpPr/>
+            <p:nvPr/>
+          </p:nvSpPr>
+          <p:spPr>
+            <a:xfrm>
+              <a:off x="7407905" y="5729029"/>
+              <a:ext cx="493966" cy="469238"/>
+            </a:xfrm>
+            <a:prstGeom prst="rect">
+              <a:avLst/>
+            </a:prstGeom>
+            <a:solidFill>
+              <a:schemeClr val="bg1"/>
+            </a:solidFill>
+            <a:ln w="38100">
+              <a:solidFill>
+                <a:schemeClr val="tx1"/>
+              </a:solidFill>
+            </a:ln>
+          </p:spPr>
+          <p:style>
+            <a:lnRef idx="2">
+              <a:schemeClr val="accent1">
+                <a:shade val="50000"/>
+              </a:schemeClr>
+            </a:lnRef>
+            <a:fillRef idx="1">
+              <a:schemeClr val="accent1"/>
+            </a:fillRef>
+            <a:effectRef idx="0">
+              <a:schemeClr val="accent1"/>
+            </a:effectRef>
+            <a:fontRef idx="minor">
+              <a:schemeClr val="lt1"/>
+            </a:fontRef>
+          </p:style>
+          <p:txBody>
+            <a:bodyPr rtlCol="0" anchor="ctr"/>
+            <a:lstStyle/>
+            <a:p>
+              <a:pPr algn="ctr"/>
+              <a:endParaRPr kumimoji="1" lang="ko-KR" altLang="en-US"/>
+            </a:p>
+          </p:txBody>
+        </p:sp>
+        <p:sp>
+          <p:nvSpPr>
+            <p:cNvPr id="129" name="직사각형 128">
+              <a:extLst>
+                <a:ext uri="{FF2B5EF4-FFF2-40B4-BE49-F238E27FC236}">
+                  <a16:creationId xmlns:a16="http://schemas.microsoft.com/office/drawing/2014/main" id="{AC96AE74-6997-EB4E-BC9B-2691D49A803D}"/>
+                </a:ext>
+              </a:extLst>
+            </p:cNvPr>
+            <p:cNvSpPr/>
+            <p:nvPr/>
+          </p:nvSpPr>
+          <p:spPr>
+            <a:xfrm>
+              <a:off x="7450074" y="5792216"/>
+              <a:ext cx="493966" cy="469238"/>
+            </a:xfrm>
+            <a:prstGeom prst="rect">
+              <a:avLst/>
+            </a:prstGeom>
+            <a:solidFill>
+              <a:schemeClr val="bg1"/>
+            </a:solidFill>
+            <a:ln w="38100">
+              <a:solidFill>
+                <a:schemeClr val="tx1"/>
+              </a:solidFill>
+            </a:ln>
+          </p:spPr>
+          <p:style>
+            <a:lnRef idx="2">
+              <a:schemeClr val="accent1">
+                <a:shade val="50000"/>
+              </a:schemeClr>
+            </a:lnRef>
+            <a:fillRef idx="1">
+              <a:schemeClr val="accent1"/>
+            </a:fillRef>
+            <a:effectRef idx="0">
+              <a:schemeClr val="accent1"/>
+            </a:effectRef>
+            <a:fontRef idx="minor">
+              <a:schemeClr val="lt1"/>
+            </a:fontRef>
+          </p:style>
+          <p:txBody>
+            <a:bodyPr rtlCol="0" anchor="ctr"/>
+            <a:lstStyle/>
+            <a:p>
+              <a:pPr algn="ctr"/>
+              <a:endParaRPr kumimoji="1" lang="ko-KR" altLang="en-US"/>
+            </a:p>
+          </p:txBody>
+        </p:sp>
+        <p:sp>
+          <p:nvSpPr>
+            <p:cNvPr id="130" name="직사각형 129">
+              <a:extLst>
+                <a:ext uri="{FF2B5EF4-FFF2-40B4-BE49-F238E27FC236}">
+                  <a16:creationId xmlns:a16="http://schemas.microsoft.com/office/drawing/2014/main" id="{FE4F1205-EC0D-324D-849D-477EFE4ACC98}"/>
+                </a:ext>
+              </a:extLst>
+            </p:cNvPr>
+            <p:cNvSpPr/>
+            <p:nvPr/>
+          </p:nvSpPr>
+          <p:spPr>
+            <a:xfrm>
+              <a:off x="7492243" y="5859221"/>
+              <a:ext cx="493966" cy="469238"/>
+            </a:xfrm>
+            <a:prstGeom prst="rect">
+              <a:avLst/>
+            </a:prstGeom>
+            <a:solidFill>
+              <a:schemeClr val="bg1"/>
+            </a:solidFill>
+            <a:ln w="38100">
+              <a:solidFill>
+                <a:schemeClr val="tx1"/>
+              </a:solidFill>
+            </a:ln>
+          </p:spPr>
+          <p:style>
+            <a:lnRef idx="2">
+              <a:schemeClr val="accent1">
+                <a:shade val="50000"/>
+              </a:schemeClr>
+            </a:lnRef>
+            <a:fillRef idx="1">
+              <a:schemeClr val="accent1"/>
+            </a:fillRef>
+            <a:effectRef idx="0">
+              <a:schemeClr val="accent1"/>
+            </a:effectRef>
+            <a:fontRef idx="minor">
+              <a:schemeClr val="lt1"/>
+            </a:fontRef>
+          </p:style>
+          <p:txBody>
+            <a:bodyPr rtlCol="0" anchor="ctr"/>
+            <a:lstStyle/>
+            <a:p>
+              <a:pPr algn="ctr"/>
+              <a:endParaRPr kumimoji="1" lang="ko-KR" altLang="en-US"/>
+            </a:p>
+          </p:txBody>
+        </p:sp>
+        <p:sp>
+          <p:nvSpPr>
+            <p:cNvPr id="131" name="직사각형 130">
+              <a:extLst>
+                <a:ext uri="{FF2B5EF4-FFF2-40B4-BE49-F238E27FC236}">
+                  <a16:creationId xmlns:a16="http://schemas.microsoft.com/office/drawing/2014/main" id="{F618D95A-1D4A-1A46-8DC7-A7C244B51968}"/>
+                </a:ext>
+              </a:extLst>
+            </p:cNvPr>
+            <p:cNvSpPr/>
+            <p:nvPr/>
+          </p:nvSpPr>
+          <p:spPr>
+            <a:xfrm>
+              <a:off x="7536055" y="5926227"/>
+              <a:ext cx="493966" cy="469238"/>
+            </a:xfrm>
+            <a:prstGeom prst="rect">
+              <a:avLst/>
+            </a:prstGeom>
+            <a:solidFill>
+              <a:schemeClr val="bg1"/>
+            </a:solidFill>
+            <a:ln w="38100">
+              <a:solidFill>
+                <a:schemeClr val="tx1"/>
+              </a:solidFill>
+            </a:ln>
+          </p:spPr>
+          <p:style>
+            <a:lnRef idx="2">
+              <a:schemeClr val="accent1">
+                <a:shade val="50000"/>
+              </a:schemeClr>
+            </a:lnRef>
+            <a:fillRef idx="1">
+              <a:schemeClr val="accent1"/>
+            </a:fillRef>
+            <a:effectRef idx="0">
+              <a:schemeClr val="accent1"/>
+            </a:effectRef>
+            <a:fontRef idx="minor">
+              <a:schemeClr val="lt1"/>
+            </a:fontRef>
+          </p:style>
+          <p:txBody>
+            <a:bodyPr rtlCol="0" anchor="ctr"/>
+            <a:lstStyle/>
+            <a:p>
+              <a:pPr algn="ctr"/>
+              <a:endParaRPr kumimoji="1" lang="ko-KR" altLang="en-US"/>
+            </a:p>
+          </p:txBody>
+        </p:sp>
+        <p:sp>
+          <p:nvSpPr>
+            <p:cNvPr id="132" name="직사각형 131">
+              <a:extLst>
+                <a:ext uri="{FF2B5EF4-FFF2-40B4-BE49-F238E27FC236}">
+                  <a16:creationId xmlns:a16="http://schemas.microsoft.com/office/drawing/2014/main" id="{FA10F354-1CB9-B242-9B6F-E46A701BEA63}"/>
+                </a:ext>
+              </a:extLst>
+            </p:cNvPr>
+            <p:cNvSpPr/>
+            <p:nvPr/>
+          </p:nvSpPr>
+          <p:spPr>
+            <a:xfrm>
+              <a:off x="7575408" y="5998093"/>
+              <a:ext cx="493966" cy="469238"/>
+            </a:xfrm>
+            <a:prstGeom prst="rect">
+              <a:avLst/>
+            </a:prstGeom>
+            <a:solidFill>
+              <a:schemeClr val="bg1"/>
+            </a:solidFill>
+            <a:ln w="38100">
+              <a:solidFill>
+                <a:schemeClr val="tx1"/>
+              </a:solidFill>
+            </a:ln>
+          </p:spPr>
+          <p:style>
+            <a:lnRef idx="2">
+              <a:schemeClr val="accent1">
+                <a:shade val="50000"/>
+              </a:schemeClr>
+            </a:lnRef>
+            <a:fillRef idx="1">
+              <a:schemeClr val="accent1"/>
+            </a:fillRef>
+            <a:effectRef idx="0">
+              <a:schemeClr val="accent1"/>
+            </a:effectRef>
+            <a:fontRef idx="minor">
+              <a:schemeClr val="lt1"/>
+            </a:fontRef>
+          </p:style>
+          <p:txBody>
+            <a:bodyPr rtlCol="0" anchor="ctr"/>
+            <a:lstStyle/>
+            <a:p>
+              <a:pPr algn="ctr"/>
+              <a:endParaRPr kumimoji="1" lang="ko-KR" altLang="en-US"/>
+            </a:p>
+          </p:txBody>
+        </p:sp>
+        <p:sp>
+          <p:nvSpPr>
+            <p:cNvPr id="133" name="TextBox 132">
+              <a:extLst>
+                <a:ext uri="{FF2B5EF4-FFF2-40B4-BE49-F238E27FC236}">
+                  <a16:creationId xmlns:a16="http://schemas.microsoft.com/office/drawing/2014/main" id="{6946BA60-754E-D249-8848-FE4BD92552EA}"/>
+                </a:ext>
+              </a:extLst>
+            </p:cNvPr>
+            <p:cNvSpPr txBox="1"/>
+            <p:nvPr/>
+          </p:nvSpPr>
+          <p:spPr>
+            <a:xfrm>
+              <a:off x="6835580" y="5614415"/>
+              <a:ext cx="335648" cy="429399"/>
+            </a:xfrm>
+            <a:prstGeom prst="rect">
+              <a:avLst/>
+            </a:prstGeom>
+            <a:noFill/>
+          </p:spPr>
+          <p:txBody>
+            <a:bodyPr wrap="none" rtlCol="0">
+              <a:spAutoFit/>
+            </a:bodyPr>
+            <a:lstStyle/>
+            <a:p>
+              <a:r>
+                <a:rPr kumimoji="1" lang="en-US" altLang="ko-KR" sz="4400" dirty="0"/>
+                <a:t>…</a:t>
+              </a:r>
+              <a:endParaRPr kumimoji="1" lang="ko-KR" altLang="en-US" sz="4400" dirty="0"/>
+            </a:p>
+          </p:txBody>
+        </p:sp>
+        <p:cxnSp>
+          <p:nvCxnSpPr>
+            <p:cNvPr id="134" name="직선 화살표 연결선 133">
+              <a:extLst>
+                <a:ext uri="{FF2B5EF4-FFF2-40B4-BE49-F238E27FC236}">
+                  <a16:creationId xmlns:a16="http://schemas.microsoft.com/office/drawing/2014/main" id="{AAB7A358-2FB2-0D4F-8323-EE98DACB7E3E}"/>
+                </a:ext>
+              </a:extLst>
+            </p:cNvPr>
+            <p:cNvCxnSpPr/>
+            <p:nvPr/>
+          </p:nvCxnSpPr>
+          <p:spPr>
+            <a:xfrm>
+              <a:off x="4921716" y="5998093"/>
+              <a:ext cx="367598" cy="0"/>
+            </a:xfrm>
+            <a:prstGeom prst="straightConnector1">
+              <a:avLst/>
+            </a:prstGeom>
+            <a:ln w="95250">
+              <a:solidFill>
+                <a:schemeClr val="tx1"/>
+              </a:solidFill>
+              <a:tailEnd type="triangle"/>
+            </a:ln>
+          </p:spPr>
+          <p:style>
+            <a:lnRef idx="1">
+              <a:schemeClr val="accent1"/>
+            </a:lnRef>
+            <a:fillRef idx="0">
+              <a:schemeClr val="accent1"/>
+            </a:fillRef>
+            <a:effectRef idx="0">
+              <a:schemeClr val="accent1"/>
+            </a:effectRef>
+            <a:fontRef idx="minor">
+              <a:schemeClr val="tx1"/>
+            </a:fontRef>
+          </p:style>
+        </p:cxnSp>
+      </p:grpSp>
+      <p:sp>
+        <p:nvSpPr>
+          <p:cNvPr id="10" name="TextBox 9">
+            <a:extLst>
+              <a:ext uri="{FF2B5EF4-FFF2-40B4-BE49-F238E27FC236}">
+                <a16:creationId xmlns:a16="http://schemas.microsoft.com/office/drawing/2014/main" id="{097AB523-54EC-644D-B821-02FE414023AB}"/>
+              </a:ext>
+            </a:extLst>
+          </p:cNvPr>
+          <p:cNvSpPr txBox="1"/>
+          <p:nvPr/>
+        </p:nvSpPr>
+        <p:spPr>
+          <a:xfrm>
+            <a:off x="5320006" y="2245023"/>
+            <a:ext cx="311304" cy="369332"/>
+          </a:xfrm>
+          <a:prstGeom prst="rect">
+            <a:avLst/>
+          </a:prstGeom>
+          <a:noFill/>
+        </p:spPr>
+        <p:txBody>
+          <a:bodyPr wrap="none" rtlCol="0">
+            <a:spAutoFit/>
+          </a:bodyPr>
+          <a:lstStyle/>
+          <a:p>
+            <a:r>
+              <a:rPr kumimoji="1" lang="en-US" altLang="ko-KR" dirty="0"/>
+              <a:t>8</a:t>
+            </a:r>
+            <a:endParaRPr kumimoji="1" lang="ko-KR" altLang="en-US" dirty="0"/>
+          </a:p>
+        </p:txBody>
+      </p:sp>
+      <p:sp>
+        <p:nvSpPr>
+          <p:cNvPr id="152" name="TextBox 151">
+            <a:extLst>
+              <a:ext uri="{FF2B5EF4-FFF2-40B4-BE49-F238E27FC236}">
+                <a16:creationId xmlns:a16="http://schemas.microsoft.com/office/drawing/2014/main" id="{F7D98A83-D339-6741-8986-57ED98614C6E}"/>
+              </a:ext>
+            </a:extLst>
+          </p:cNvPr>
+          <p:cNvSpPr txBox="1"/>
+          <p:nvPr/>
+        </p:nvSpPr>
+        <p:spPr>
+          <a:xfrm>
+            <a:off x="5802055" y="1690533"/>
+            <a:ext cx="311304" cy="369332"/>
+          </a:xfrm>
+          <a:prstGeom prst="rect">
+            <a:avLst/>
+          </a:prstGeom>
+          <a:noFill/>
+        </p:spPr>
+        <p:txBody>
+          <a:bodyPr wrap="none" rtlCol="0">
+            <a:spAutoFit/>
+          </a:bodyPr>
+          <a:lstStyle/>
+          <a:p>
+            <a:r>
+              <a:rPr kumimoji="1" lang="en-US" altLang="ko-KR" dirty="0"/>
+              <a:t>8</a:t>
+            </a:r>
+            <a:endParaRPr kumimoji="1" lang="ko-KR" altLang="en-US" dirty="0"/>
+          </a:p>
+        </p:txBody>
+      </p:sp>
+      <p:sp>
+        <p:nvSpPr>
+          <p:cNvPr id="153" name="TextBox 152">
+            <a:extLst>
+              <a:ext uri="{FF2B5EF4-FFF2-40B4-BE49-F238E27FC236}">
+                <a16:creationId xmlns:a16="http://schemas.microsoft.com/office/drawing/2014/main" id="{DEBCB364-E8B0-4F46-B9D0-21EF4812CD21}"/>
+              </a:ext>
+            </a:extLst>
+          </p:cNvPr>
+          <p:cNvSpPr txBox="1"/>
+          <p:nvPr/>
+        </p:nvSpPr>
+        <p:spPr>
+          <a:xfrm>
+            <a:off x="5664398" y="968034"/>
+            <a:ext cx="437940" cy="369332"/>
+          </a:xfrm>
+          <a:prstGeom prst="rect">
+            <a:avLst/>
+          </a:prstGeom>
+          <a:noFill/>
+        </p:spPr>
+        <p:txBody>
+          <a:bodyPr wrap="none" rtlCol="0">
+            <a:spAutoFit/>
+          </a:bodyPr>
+          <a:lstStyle/>
+          <a:p>
+            <a:r>
+              <a:rPr kumimoji="1" lang="en-US" altLang="ko-KR" dirty="0"/>
+              <a:t>48</a:t>
+            </a:r>
+            <a:endParaRPr kumimoji="1" lang="ko-KR" altLang="en-US" dirty="0"/>
+          </a:p>
+        </p:txBody>
+      </p:sp>
+      <p:sp>
+        <p:nvSpPr>
+          <p:cNvPr id="11" name="호 10">
+            <a:extLst>
+              <a:ext uri="{FF2B5EF4-FFF2-40B4-BE49-F238E27FC236}">
+                <a16:creationId xmlns:a16="http://schemas.microsoft.com/office/drawing/2014/main" id="{0225DA7A-7985-FB41-9882-2DA2B58F4567}"/>
+              </a:ext>
+            </a:extLst>
+          </p:cNvPr>
+          <p:cNvSpPr/>
+          <p:nvPr/>
+        </p:nvSpPr>
+        <p:spPr>
+          <a:xfrm>
+            <a:off x="4911189" y="1066737"/>
+            <a:ext cx="816312" cy="881401"/>
+          </a:xfrm>
+          <a:prstGeom prst="arc">
+            <a:avLst>
+              <a:gd name="adj1" fmla="val 16200000"/>
+              <a:gd name="adj2" fmla="val 157077"/>
+            </a:avLst>
+          </a:prstGeom>
+          <a:noFill/>
+          <a:ln>
+            <a:solidFill>
+              <a:srgbClr val="FF0000"/>
+            </a:solidFill>
+          </a:ln>
+        </p:spPr>
+        <p:style>
+          <a:lnRef idx="1">
+            <a:schemeClr val="accent1"/>
+          </a:lnRef>
+          <a:fillRef idx="0">
+            <a:schemeClr val="accent1"/>
+          </a:fillRef>
+          <a:effectRef idx="0">
+            <a:schemeClr val="accent1"/>
+          </a:effectRef>
+          <a:fontRef idx="minor">
+            <a:schemeClr val="tx1"/>
+          </a:fontRef>
+        </p:style>
+        <p:txBody>
+          <a:bodyPr rtlCol="0" anchor="ctr"/>
+          <a:lstStyle/>
+          <a:p>
+            <a:pPr algn="ctr"/>
+            <a:endParaRPr kumimoji="1" lang="ko-KR" altLang="en-US"/>
+          </a:p>
+        </p:txBody>
+      </p:sp>
+      <p:sp>
+        <p:nvSpPr>
+          <p:cNvPr id="12" name="호 11">
+            <a:extLst>
+              <a:ext uri="{FF2B5EF4-FFF2-40B4-BE49-F238E27FC236}">
+                <a16:creationId xmlns:a16="http://schemas.microsoft.com/office/drawing/2014/main" id="{34F6FEAA-3FC5-1047-AB32-525DD55DEC2A}"/>
+              </a:ext>
+            </a:extLst>
+          </p:cNvPr>
+          <p:cNvSpPr/>
+          <p:nvPr/>
+        </p:nvSpPr>
+        <p:spPr>
+          <a:xfrm rot="1137302">
+            <a:off x="5278435" y="1578282"/>
+            <a:ext cx="488706" cy="960268"/>
+          </a:xfrm>
+          <a:prstGeom prst="arc">
+            <a:avLst>
+              <a:gd name="adj1" fmla="val 16200000"/>
+              <a:gd name="adj2" fmla="val 21518422"/>
+            </a:avLst>
+          </a:prstGeom>
+          <a:ln>
+            <a:solidFill>
+              <a:srgbClr val="FF0000"/>
+            </a:solidFill>
+          </a:ln>
+        </p:spPr>
+        <p:style>
+          <a:lnRef idx="1">
+            <a:schemeClr val="accent1"/>
+          </a:lnRef>
+          <a:fillRef idx="0">
+            <a:schemeClr val="accent1"/>
+          </a:fillRef>
+          <a:effectRef idx="0">
+            <a:schemeClr val="accent1"/>
+          </a:effectRef>
+          <a:fontRef idx="minor">
+            <a:schemeClr val="tx1"/>
+          </a:fontRef>
+        </p:style>
+        <p:txBody>
+          <a:bodyPr rtlCol="0" anchor="ctr"/>
+          <a:lstStyle/>
+          <a:p>
+            <a:pPr algn="ctr"/>
+            <a:endParaRPr kumimoji="1" lang="ko-KR" altLang="en-US"/>
+          </a:p>
+        </p:txBody>
+      </p:sp>
+      <p:sp>
+        <p:nvSpPr>
+          <p:cNvPr id="16" name="호 15">
+            <a:extLst>
+              <a:ext uri="{FF2B5EF4-FFF2-40B4-BE49-F238E27FC236}">
+                <a16:creationId xmlns:a16="http://schemas.microsoft.com/office/drawing/2014/main" id="{03E56839-903B-CD44-9584-16260E4B0E02}"/>
+              </a:ext>
+            </a:extLst>
+          </p:cNvPr>
+          <p:cNvSpPr/>
+          <p:nvPr/>
+        </p:nvSpPr>
+        <p:spPr>
+          <a:xfrm rot="7739429">
+            <a:off x="5069259" y="1454512"/>
+            <a:ext cx="676317" cy="836504"/>
+          </a:xfrm>
+          <a:prstGeom prst="arc">
+            <a:avLst/>
+          </a:prstGeom>
+          <a:ln>
+            <a:solidFill>
+              <a:srgbClr val="FF0000"/>
+            </a:solidFill>
+          </a:ln>
+        </p:spPr>
+        <p:style>
+          <a:lnRef idx="1">
+            <a:schemeClr val="accent1"/>
+          </a:lnRef>
+          <a:fillRef idx="0">
+            <a:schemeClr val="accent1"/>
+          </a:fillRef>
+          <a:effectRef idx="0">
+            <a:schemeClr val="accent1"/>
+          </a:effectRef>
+          <a:fontRef idx="minor">
+            <a:schemeClr val="tx1"/>
+          </a:fontRef>
+        </p:style>
+        <p:txBody>
+          <a:bodyPr rtlCol="0" anchor="ctr"/>
+          <a:lstStyle/>
+          <a:p>
+            <a:pPr algn="ctr"/>
+            <a:endParaRPr kumimoji="1" lang="ko-KR" altLang="en-US"/>
+          </a:p>
+        </p:txBody>
+      </p:sp>
+      <p:sp>
+        <p:nvSpPr>
+          <p:cNvPr id="154" name="TextBox 153">
+            <a:extLst>
+              <a:ext uri="{FF2B5EF4-FFF2-40B4-BE49-F238E27FC236}">
+                <a16:creationId xmlns:a16="http://schemas.microsoft.com/office/drawing/2014/main" id="{903BDC0F-CD2D-B04D-AC71-D0A9D8392C05}"/>
+              </a:ext>
+            </a:extLst>
+          </p:cNvPr>
+          <p:cNvSpPr txBox="1"/>
+          <p:nvPr/>
+        </p:nvSpPr>
+        <p:spPr>
+          <a:xfrm>
+            <a:off x="5830092" y="3727116"/>
+            <a:ext cx="311304" cy="369332"/>
+          </a:xfrm>
+          <a:prstGeom prst="rect">
+            <a:avLst/>
+          </a:prstGeom>
+          <a:noFill/>
+        </p:spPr>
+        <p:txBody>
+          <a:bodyPr wrap="none" rtlCol="0">
+            <a:spAutoFit/>
+          </a:bodyPr>
+          <a:lstStyle/>
+          <a:p>
+            <a:r>
+              <a:rPr kumimoji="1" lang="en-US" altLang="ko-KR" dirty="0"/>
+              <a:t>8</a:t>
+            </a:r>
+            <a:endParaRPr kumimoji="1" lang="ko-KR" altLang="en-US" dirty="0"/>
+          </a:p>
+        </p:txBody>
+      </p:sp>
+      <p:sp>
+        <p:nvSpPr>
+          <p:cNvPr id="155" name="TextBox 154">
+            <a:extLst>
+              <a:ext uri="{FF2B5EF4-FFF2-40B4-BE49-F238E27FC236}">
+                <a16:creationId xmlns:a16="http://schemas.microsoft.com/office/drawing/2014/main" id="{6B04851C-7B10-B742-9FD3-9D6C8C777BE1}"/>
+              </a:ext>
+            </a:extLst>
+          </p:cNvPr>
+          <p:cNvSpPr txBox="1"/>
+          <p:nvPr/>
+        </p:nvSpPr>
+        <p:spPr>
+          <a:xfrm>
+            <a:off x="5692435" y="3004617"/>
+            <a:ext cx="437940" cy="369332"/>
+          </a:xfrm>
+          <a:prstGeom prst="rect">
+            <a:avLst/>
+          </a:prstGeom>
+          <a:noFill/>
+        </p:spPr>
+        <p:txBody>
+          <a:bodyPr wrap="none" rtlCol="0">
+            <a:spAutoFit/>
+          </a:bodyPr>
+          <a:lstStyle/>
+          <a:p>
+            <a:r>
+              <a:rPr kumimoji="1" lang="en-US" altLang="ko-KR" dirty="0"/>
+              <a:t>24</a:t>
+            </a:r>
+            <a:endParaRPr kumimoji="1" lang="ko-KR" altLang="en-US" dirty="0"/>
+          </a:p>
+        </p:txBody>
+      </p:sp>
+      <p:sp>
+        <p:nvSpPr>
+          <p:cNvPr id="156" name="호 155">
+            <a:extLst>
+              <a:ext uri="{FF2B5EF4-FFF2-40B4-BE49-F238E27FC236}">
+                <a16:creationId xmlns:a16="http://schemas.microsoft.com/office/drawing/2014/main" id="{E1861390-4833-574F-A39E-4C39629CB717}"/>
+              </a:ext>
+            </a:extLst>
+          </p:cNvPr>
+          <p:cNvSpPr/>
+          <p:nvPr/>
+        </p:nvSpPr>
+        <p:spPr>
+          <a:xfrm>
+            <a:off x="4939226" y="3103320"/>
+            <a:ext cx="794474" cy="938476"/>
+          </a:xfrm>
+          <a:prstGeom prst="arc">
+            <a:avLst>
+              <a:gd name="adj1" fmla="val 16200000"/>
+              <a:gd name="adj2" fmla="val 157077"/>
+            </a:avLst>
+          </a:prstGeom>
+          <a:noFill/>
+          <a:ln>
+            <a:solidFill>
+              <a:srgbClr val="FF0000"/>
+            </a:solidFill>
+          </a:ln>
+        </p:spPr>
+        <p:style>
+          <a:lnRef idx="1">
+            <a:schemeClr val="accent1"/>
+          </a:lnRef>
+          <a:fillRef idx="0">
+            <a:schemeClr val="accent1"/>
+          </a:fillRef>
+          <a:effectRef idx="0">
+            <a:schemeClr val="accent1"/>
+          </a:effectRef>
+          <a:fontRef idx="minor">
+            <a:schemeClr val="tx1"/>
+          </a:fontRef>
+        </p:style>
+        <p:txBody>
+          <a:bodyPr rtlCol="0" anchor="ctr"/>
+          <a:lstStyle/>
+          <a:p>
+            <a:pPr algn="ctr"/>
+            <a:endParaRPr kumimoji="1" lang="ko-KR" altLang="en-US"/>
+          </a:p>
+        </p:txBody>
+      </p:sp>
+      <p:sp>
+        <p:nvSpPr>
+          <p:cNvPr id="157" name="호 156">
+            <a:extLst>
+              <a:ext uri="{FF2B5EF4-FFF2-40B4-BE49-F238E27FC236}">
+                <a16:creationId xmlns:a16="http://schemas.microsoft.com/office/drawing/2014/main" id="{4C72DD60-B61A-D547-AC32-9DF3869E7F06}"/>
+              </a:ext>
+            </a:extLst>
+          </p:cNvPr>
+          <p:cNvSpPr/>
+          <p:nvPr/>
+        </p:nvSpPr>
+        <p:spPr>
+          <a:xfrm rot="7739429">
+            <a:off x="5097296" y="3491095"/>
+            <a:ext cx="676317" cy="836504"/>
+          </a:xfrm>
+          <a:prstGeom prst="arc">
+            <a:avLst/>
+          </a:prstGeom>
+          <a:ln>
+            <a:solidFill>
+              <a:srgbClr val="FF0000"/>
+            </a:solidFill>
+          </a:ln>
+        </p:spPr>
+        <p:style>
+          <a:lnRef idx="1">
+            <a:schemeClr val="accent1"/>
+          </a:lnRef>
+          <a:fillRef idx="0">
+            <a:schemeClr val="accent1"/>
+          </a:fillRef>
+          <a:effectRef idx="0">
+            <a:schemeClr val="accent1"/>
+          </a:effectRef>
+          <a:fontRef idx="minor">
+            <a:schemeClr val="tx1"/>
+          </a:fontRef>
+        </p:style>
+        <p:txBody>
+          <a:bodyPr rtlCol="0" anchor="ctr"/>
+          <a:lstStyle/>
+          <a:p>
+            <a:pPr algn="ctr"/>
+            <a:endParaRPr kumimoji="1" lang="ko-KR" altLang="en-US"/>
+          </a:p>
+        </p:txBody>
+      </p:sp>
+      <p:sp>
+        <p:nvSpPr>
+          <p:cNvPr id="158" name="TextBox 157">
+            <a:extLst>
+              <a:ext uri="{FF2B5EF4-FFF2-40B4-BE49-F238E27FC236}">
+                <a16:creationId xmlns:a16="http://schemas.microsoft.com/office/drawing/2014/main" id="{CFB5C695-7177-4740-80A6-E5C996B6C01C}"/>
+              </a:ext>
+            </a:extLst>
+          </p:cNvPr>
+          <p:cNvSpPr txBox="1"/>
+          <p:nvPr/>
+        </p:nvSpPr>
+        <p:spPr>
+          <a:xfrm>
+            <a:off x="5830091" y="5791443"/>
+            <a:ext cx="311304" cy="369332"/>
+          </a:xfrm>
+          <a:prstGeom prst="rect">
+            <a:avLst/>
+          </a:prstGeom>
+          <a:noFill/>
+        </p:spPr>
+        <p:txBody>
+          <a:bodyPr wrap="none" rtlCol="0">
+            <a:spAutoFit/>
+          </a:bodyPr>
+          <a:lstStyle/>
+          <a:p>
+            <a:r>
+              <a:rPr kumimoji="1" lang="en-US" altLang="ko-KR" dirty="0"/>
+              <a:t>8</a:t>
+            </a:r>
+            <a:endParaRPr kumimoji="1" lang="ko-KR" altLang="en-US" dirty="0"/>
+          </a:p>
+        </p:txBody>
+      </p:sp>
+      <p:sp>
+        <p:nvSpPr>
+          <p:cNvPr id="159" name="TextBox 158">
+            <a:extLst>
+              <a:ext uri="{FF2B5EF4-FFF2-40B4-BE49-F238E27FC236}">
+                <a16:creationId xmlns:a16="http://schemas.microsoft.com/office/drawing/2014/main" id="{C7035DC4-DE5D-4F47-9067-596A96E24053}"/>
+              </a:ext>
+            </a:extLst>
+          </p:cNvPr>
+          <p:cNvSpPr txBox="1"/>
+          <p:nvPr/>
+        </p:nvSpPr>
+        <p:spPr>
+          <a:xfrm>
+            <a:off x="5692434" y="5068944"/>
+            <a:ext cx="437940" cy="369332"/>
+          </a:xfrm>
+          <a:prstGeom prst="rect">
+            <a:avLst/>
+          </a:prstGeom>
+          <a:noFill/>
+        </p:spPr>
+        <p:txBody>
+          <a:bodyPr wrap="none" rtlCol="0">
+            <a:spAutoFit/>
+          </a:bodyPr>
+          <a:lstStyle/>
+          <a:p>
+            <a:r>
+              <a:rPr kumimoji="1" lang="en-US" altLang="ko-KR" dirty="0"/>
+              <a:t>24</a:t>
+            </a:r>
+            <a:endParaRPr kumimoji="1" lang="ko-KR" altLang="en-US" dirty="0"/>
+          </a:p>
+        </p:txBody>
+      </p:sp>
+      <p:sp>
+        <p:nvSpPr>
+          <p:cNvPr id="160" name="호 159">
+            <a:extLst>
+              <a:ext uri="{FF2B5EF4-FFF2-40B4-BE49-F238E27FC236}">
+                <a16:creationId xmlns:a16="http://schemas.microsoft.com/office/drawing/2014/main" id="{C995F92A-43E4-1D49-8F92-A7CB453E9353}"/>
+              </a:ext>
+            </a:extLst>
+          </p:cNvPr>
+          <p:cNvSpPr/>
+          <p:nvPr/>
+        </p:nvSpPr>
+        <p:spPr>
+          <a:xfrm>
+            <a:off x="4939225" y="5167647"/>
+            <a:ext cx="816312" cy="881401"/>
+          </a:xfrm>
+          <a:prstGeom prst="arc">
+            <a:avLst>
+              <a:gd name="adj1" fmla="val 16200000"/>
+              <a:gd name="adj2" fmla="val 157077"/>
+            </a:avLst>
+          </a:prstGeom>
+          <a:noFill/>
+          <a:ln>
+            <a:solidFill>
+              <a:srgbClr val="FF0000"/>
+            </a:solidFill>
+          </a:ln>
+        </p:spPr>
+        <p:style>
+          <a:lnRef idx="1">
+            <a:schemeClr val="accent1"/>
+          </a:lnRef>
+          <a:fillRef idx="0">
+            <a:schemeClr val="accent1"/>
+          </a:fillRef>
+          <a:effectRef idx="0">
+            <a:schemeClr val="accent1"/>
+          </a:effectRef>
+          <a:fontRef idx="minor">
+            <a:schemeClr val="tx1"/>
+          </a:fontRef>
+        </p:style>
+        <p:txBody>
+          <a:bodyPr rtlCol="0" anchor="ctr"/>
+          <a:lstStyle/>
+          <a:p>
+            <a:pPr algn="ctr"/>
+            <a:endParaRPr kumimoji="1" lang="ko-KR" altLang="en-US"/>
+          </a:p>
+        </p:txBody>
+      </p:sp>
+      <p:sp>
+        <p:nvSpPr>
+          <p:cNvPr id="161" name="호 160">
+            <a:extLst>
+              <a:ext uri="{FF2B5EF4-FFF2-40B4-BE49-F238E27FC236}">
+                <a16:creationId xmlns:a16="http://schemas.microsoft.com/office/drawing/2014/main" id="{C9CFC108-1482-D441-A4D9-40BB3970E74C}"/>
+              </a:ext>
+            </a:extLst>
+          </p:cNvPr>
+          <p:cNvSpPr/>
+          <p:nvPr/>
+        </p:nvSpPr>
+        <p:spPr>
+          <a:xfrm rot="7739429">
+            <a:off x="5097295" y="5555422"/>
+            <a:ext cx="676317" cy="836504"/>
+          </a:xfrm>
+          <a:prstGeom prst="arc">
+            <a:avLst/>
+          </a:prstGeom>
+          <a:ln>
+            <a:solidFill>
+              <a:srgbClr val="FF0000"/>
+            </a:solidFill>
+          </a:ln>
+        </p:spPr>
+        <p:style>
+          <a:lnRef idx="1">
+            <a:schemeClr val="accent1"/>
+          </a:lnRef>
+          <a:fillRef idx="0">
+            <a:schemeClr val="accent1"/>
+          </a:fillRef>
+          <a:effectRef idx="0">
+            <a:schemeClr val="accent1"/>
+          </a:effectRef>
+          <a:fontRef idx="minor">
+            <a:schemeClr val="tx1"/>
+          </a:fontRef>
+        </p:style>
+        <p:txBody>
+          <a:bodyPr rtlCol="0" anchor="ctr"/>
+          <a:lstStyle/>
+          <a:p>
+            <a:pPr algn="ctr"/>
+            <a:endParaRPr kumimoji="1" lang="ko-KR" altLang="en-US"/>
+          </a:p>
+        </p:txBody>
+      </p:sp>
+      <p:sp>
+        <p:nvSpPr>
+          <p:cNvPr id="162" name="호 161">
+            <a:extLst>
+              <a:ext uri="{FF2B5EF4-FFF2-40B4-BE49-F238E27FC236}">
+                <a16:creationId xmlns:a16="http://schemas.microsoft.com/office/drawing/2014/main" id="{68604C91-46E6-6B4E-BD41-D892227D233A}"/>
+              </a:ext>
+            </a:extLst>
+          </p:cNvPr>
+          <p:cNvSpPr/>
+          <p:nvPr/>
+        </p:nvSpPr>
+        <p:spPr>
+          <a:xfrm rot="1137302">
+            <a:off x="5364280" y="3639222"/>
+            <a:ext cx="410785" cy="835423"/>
+          </a:xfrm>
+          <a:prstGeom prst="arc">
+            <a:avLst>
+              <a:gd name="adj1" fmla="val 16200000"/>
+              <a:gd name="adj2" fmla="val 21518422"/>
+            </a:avLst>
+          </a:prstGeom>
+          <a:ln>
+            <a:solidFill>
+              <a:srgbClr val="FF0000"/>
+            </a:solidFill>
+          </a:ln>
+        </p:spPr>
+        <p:style>
+          <a:lnRef idx="1">
+            <a:schemeClr val="accent1"/>
+          </a:lnRef>
+          <a:fillRef idx="0">
+            <a:schemeClr val="accent1"/>
+          </a:fillRef>
+          <a:effectRef idx="0">
+            <a:schemeClr val="accent1"/>
+          </a:effectRef>
+          <a:fontRef idx="minor">
+            <a:schemeClr val="tx1"/>
+          </a:fontRef>
+        </p:style>
+        <p:txBody>
+          <a:bodyPr rtlCol="0" anchor="ctr"/>
+          <a:lstStyle/>
+          <a:p>
+            <a:pPr algn="ctr"/>
+            <a:endParaRPr kumimoji="1" lang="ko-KR" altLang="en-US"/>
+          </a:p>
+        </p:txBody>
+      </p:sp>
+      <p:sp>
+        <p:nvSpPr>
+          <p:cNvPr id="163" name="호 162">
+            <a:extLst>
+              <a:ext uri="{FF2B5EF4-FFF2-40B4-BE49-F238E27FC236}">
+                <a16:creationId xmlns:a16="http://schemas.microsoft.com/office/drawing/2014/main" id="{22F66051-F8A2-894D-9F2F-746E69B483C3}"/>
+              </a:ext>
+            </a:extLst>
+          </p:cNvPr>
+          <p:cNvSpPr/>
+          <p:nvPr/>
+        </p:nvSpPr>
+        <p:spPr>
+          <a:xfrm rot="1137302">
+            <a:off x="5364280" y="5706018"/>
+            <a:ext cx="410785" cy="835423"/>
+          </a:xfrm>
+          <a:prstGeom prst="arc">
+            <a:avLst>
+              <a:gd name="adj1" fmla="val 16200000"/>
+              <a:gd name="adj2" fmla="val 21518422"/>
+            </a:avLst>
+          </a:prstGeom>
+          <a:ln>
+            <a:solidFill>
+              <a:srgbClr val="FF0000"/>
+            </a:solidFill>
+          </a:ln>
+        </p:spPr>
+        <p:style>
+          <a:lnRef idx="1">
+            <a:schemeClr val="accent1"/>
+          </a:lnRef>
+          <a:fillRef idx="0">
+            <a:schemeClr val="accent1"/>
+          </a:fillRef>
+          <a:effectRef idx="0">
+            <a:schemeClr val="accent1"/>
+          </a:effectRef>
+          <a:fontRef idx="minor">
+            <a:schemeClr val="tx1"/>
+          </a:fontRef>
+        </p:style>
+        <p:txBody>
+          <a:bodyPr rtlCol="0" anchor="ctr"/>
+          <a:lstStyle/>
+          <a:p>
+            <a:pPr algn="ctr"/>
+            <a:endParaRPr kumimoji="1" lang="ko-KR" altLang="en-US"/>
+          </a:p>
+        </p:txBody>
+      </p:sp>
+      <p:sp>
+        <p:nvSpPr>
+          <p:cNvPr id="17" name="직사각형 16">
+            <a:extLst>
+              <a:ext uri="{FF2B5EF4-FFF2-40B4-BE49-F238E27FC236}">
+                <a16:creationId xmlns:a16="http://schemas.microsoft.com/office/drawing/2014/main" id="{6624CA04-5B82-BE42-83A9-C55E0560C942}"/>
+              </a:ext>
+            </a:extLst>
+          </p:cNvPr>
+          <p:cNvSpPr/>
+          <p:nvPr/>
+        </p:nvSpPr>
+        <p:spPr>
+          <a:xfrm>
+            <a:off x="931208" y="968034"/>
+            <a:ext cx="1540952" cy="1368716"/>
+          </a:xfrm>
+          <a:prstGeom prst="rect">
+            <a:avLst/>
+          </a:prstGeom>
+          <a:noFill/>
+          <a:ln>
+            <a:solidFill>
+              <a:srgbClr val="FF0000"/>
+            </a:solidFill>
+          </a:ln>
+        </p:spPr>
+        <p:style>
+          <a:lnRef idx="2">
+            <a:schemeClr val="accent1">
+              <a:shade val="50000"/>
+            </a:schemeClr>
+          </a:lnRef>
+          <a:fillRef idx="1">
+            <a:schemeClr val="accent1"/>
+          </a:fillRef>
+          <a:effectRef idx="0">
+            <a:schemeClr val="accent1"/>
+          </a:effectRef>
+          <a:fontRef idx="minor">
+            <a:schemeClr val="lt1"/>
+          </a:fontRef>
+        </p:style>
+        <p:txBody>
+          <a:bodyPr rtlCol="0" anchor="ctr"/>
+          <a:lstStyle/>
+          <a:p>
+            <a:pPr algn="ctr"/>
+            <a:endParaRPr kumimoji="1" lang="ko-KR" altLang="en-US"/>
+          </a:p>
+        </p:txBody>
+      </p:sp>
+      <p:sp>
+        <p:nvSpPr>
+          <p:cNvPr id="164" name="직사각형 163">
+            <a:extLst>
+              <a:ext uri="{FF2B5EF4-FFF2-40B4-BE49-F238E27FC236}">
+                <a16:creationId xmlns:a16="http://schemas.microsoft.com/office/drawing/2014/main" id="{22A04F16-2167-1F43-B345-EE58608ACF42}"/>
+              </a:ext>
+            </a:extLst>
+          </p:cNvPr>
+          <p:cNvSpPr/>
+          <p:nvPr/>
+        </p:nvSpPr>
+        <p:spPr>
+          <a:xfrm>
+            <a:off x="1350599" y="3002896"/>
+            <a:ext cx="624560" cy="1368716"/>
+          </a:xfrm>
+          <a:prstGeom prst="rect">
+            <a:avLst/>
+          </a:prstGeom>
+          <a:noFill/>
+          <a:ln>
+            <a:solidFill>
+              <a:srgbClr val="002060"/>
+            </a:solidFill>
+          </a:ln>
+        </p:spPr>
+        <p:style>
+          <a:lnRef idx="2">
+            <a:schemeClr val="accent1">
+              <a:shade val="50000"/>
+            </a:schemeClr>
+          </a:lnRef>
+          <a:fillRef idx="1">
+            <a:schemeClr val="accent1"/>
+          </a:fillRef>
+          <a:effectRef idx="0">
+            <a:schemeClr val="accent1"/>
+          </a:effectRef>
+          <a:fontRef idx="minor">
+            <a:schemeClr val="lt1"/>
+          </a:fontRef>
+        </p:style>
+        <p:txBody>
+          <a:bodyPr rtlCol="0" anchor="ctr"/>
+          <a:lstStyle/>
+          <a:p>
+            <a:pPr algn="ctr"/>
+            <a:endParaRPr kumimoji="1" lang="ko-KR" altLang="en-US"/>
+          </a:p>
+        </p:txBody>
+      </p:sp>
+      <p:sp>
+        <p:nvSpPr>
+          <p:cNvPr id="165" name="직사각형 164">
+            <a:extLst>
+              <a:ext uri="{FF2B5EF4-FFF2-40B4-BE49-F238E27FC236}">
+                <a16:creationId xmlns:a16="http://schemas.microsoft.com/office/drawing/2014/main" id="{80B71779-33F7-524B-B30A-9E9772E70AD2}"/>
+              </a:ext>
+            </a:extLst>
+          </p:cNvPr>
+          <p:cNvSpPr/>
+          <p:nvPr/>
+        </p:nvSpPr>
+        <p:spPr>
+          <a:xfrm>
+            <a:off x="931208" y="6124364"/>
+            <a:ext cx="1540952" cy="320746"/>
+          </a:xfrm>
+          <a:prstGeom prst="rect">
+            <a:avLst/>
+          </a:prstGeom>
+          <a:noFill/>
+          <a:ln>
+            <a:solidFill>
+              <a:srgbClr val="FFFF00"/>
+            </a:solidFill>
+          </a:ln>
+        </p:spPr>
+        <p:style>
+          <a:lnRef idx="2">
+            <a:schemeClr val="accent1">
+              <a:shade val="50000"/>
+            </a:schemeClr>
+          </a:lnRef>
+          <a:fillRef idx="1">
+            <a:schemeClr val="accent1"/>
+          </a:fillRef>
+          <a:effectRef idx="0">
+            <a:schemeClr val="accent1"/>
+          </a:effectRef>
+          <a:fontRef idx="minor">
+            <a:schemeClr val="lt1"/>
+          </a:fontRef>
+        </p:style>
+        <p:txBody>
+          <a:bodyPr rtlCol="0" anchor="ctr"/>
+          <a:lstStyle/>
+          <a:p>
+            <a:pPr algn="ctr"/>
+            <a:endParaRPr kumimoji="1" lang="ko-KR" altLang="en-US"/>
+          </a:p>
+        </p:txBody>
+      </p:sp>
+      <p:sp>
+        <p:nvSpPr>
+          <p:cNvPr id="28" name="TextBox 27">
+            <a:extLst>
+              <a:ext uri="{FF2B5EF4-FFF2-40B4-BE49-F238E27FC236}">
+                <a16:creationId xmlns:a16="http://schemas.microsoft.com/office/drawing/2014/main" id="{A0E89BD0-3198-054B-BB72-E84574E145BF}"/>
+              </a:ext>
+            </a:extLst>
+          </p:cNvPr>
+          <p:cNvSpPr txBox="1"/>
+          <p:nvPr/>
+        </p:nvSpPr>
+        <p:spPr>
+          <a:xfrm>
+            <a:off x="5060160" y="2412777"/>
+            <a:ext cx="506870" cy="630942"/>
+          </a:xfrm>
+          <a:prstGeom prst="rect">
+            <a:avLst/>
+          </a:prstGeom>
+          <a:noFill/>
+        </p:spPr>
+        <p:txBody>
+          <a:bodyPr wrap="none" rtlCol="0">
+            <a:spAutoFit/>
+          </a:bodyPr>
+          <a:lstStyle/>
+          <a:p>
+            <a:r>
+              <a:rPr kumimoji="1" lang="en-US" altLang="ko-KR" sz="3500" b="1" dirty="0">
+                <a:solidFill>
+                  <a:srgbClr val="FF0000"/>
+                </a:solidFill>
+              </a:rPr>
+              <a:t>+</a:t>
+            </a:r>
+            <a:endParaRPr kumimoji="1" lang="ko-KR" altLang="en-US" sz="3500" b="1" dirty="0">
+              <a:solidFill>
+                <a:srgbClr val="FF0000"/>
+              </a:solidFill>
+            </a:endParaRPr>
+          </a:p>
+        </p:txBody>
+      </p:sp>
+      <p:sp>
+        <p:nvSpPr>
+          <p:cNvPr id="166" name="TextBox 165">
+            <a:extLst>
+              <a:ext uri="{FF2B5EF4-FFF2-40B4-BE49-F238E27FC236}">
+                <a16:creationId xmlns:a16="http://schemas.microsoft.com/office/drawing/2014/main" id="{40CCFFBC-44FE-274F-94FA-4D837C947212}"/>
+              </a:ext>
+            </a:extLst>
+          </p:cNvPr>
+          <p:cNvSpPr txBox="1"/>
+          <p:nvPr/>
+        </p:nvSpPr>
+        <p:spPr>
+          <a:xfrm>
+            <a:off x="5060160" y="4455899"/>
+            <a:ext cx="506870" cy="630942"/>
+          </a:xfrm>
+          <a:prstGeom prst="rect">
+            <a:avLst/>
+          </a:prstGeom>
+          <a:noFill/>
+        </p:spPr>
+        <p:txBody>
+          <a:bodyPr wrap="none" rtlCol="0">
+            <a:spAutoFit/>
+          </a:bodyPr>
+          <a:lstStyle/>
+          <a:p>
+            <a:r>
+              <a:rPr kumimoji="1" lang="en-US" altLang="ko-KR" sz="3500" b="1" dirty="0">
+                <a:solidFill>
+                  <a:srgbClr val="FF0000"/>
+                </a:solidFill>
+              </a:rPr>
+              <a:t>+</a:t>
+            </a:r>
+            <a:endParaRPr kumimoji="1" lang="ko-KR" altLang="en-US" sz="3500" b="1" dirty="0">
+              <a:solidFill>
+                <a:srgbClr val="FF0000"/>
+              </a:solidFill>
+            </a:endParaRPr>
+          </a:p>
+        </p:txBody>
+      </p:sp>
+      <p:sp>
+        <p:nvSpPr>
+          <p:cNvPr id="167" name="TextBox 166">
+            <a:extLst>
+              <a:ext uri="{FF2B5EF4-FFF2-40B4-BE49-F238E27FC236}">
+                <a16:creationId xmlns:a16="http://schemas.microsoft.com/office/drawing/2014/main" id="{7D38AF78-575A-6742-9A3D-7FFAE64BE928}"/>
+              </a:ext>
+            </a:extLst>
+          </p:cNvPr>
+          <p:cNvSpPr txBox="1"/>
+          <p:nvPr/>
+        </p:nvSpPr>
+        <p:spPr>
+          <a:xfrm>
+            <a:off x="5320006" y="4267969"/>
+            <a:ext cx="311304" cy="369332"/>
+          </a:xfrm>
+          <a:prstGeom prst="rect">
+            <a:avLst/>
+          </a:prstGeom>
+          <a:noFill/>
+        </p:spPr>
+        <p:txBody>
+          <a:bodyPr wrap="none" rtlCol="0">
+            <a:spAutoFit/>
+          </a:bodyPr>
+          <a:lstStyle/>
+          <a:p>
+            <a:r>
+              <a:rPr kumimoji="1" lang="en-US" altLang="ko-KR" dirty="0"/>
+              <a:t>8</a:t>
+            </a:r>
+            <a:endParaRPr kumimoji="1" lang="ko-KR" altLang="en-US" dirty="0"/>
+          </a:p>
+        </p:txBody>
+      </p:sp>
+      <p:sp>
+        <p:nvSpPr>
+          <p:cNvPr id="168" name="TextBox 167">
+            <a:extLst>
+              <a:ext uri="{FF2B5EF4-FFF2-40B4-BE49-F238E27FC236}">
+                <a16:creationId xmlns:a16="http://schemas.microsoft.com/office/drawing/2014/main" id="{7C6139C7-FE25-FC4D-A92D-A452C1678DDA}"/>
+              </a:ext>
+            </a:extLst>
+          </p:cNvPr>
+          <p:cNvSpPr txBox="1"/>
+          <p:nvPr/>
+        </p:nvSpPr>
+        <p:spPr>
+          <a:xfrm>
+            <a:off x="5320006" y="6310091"/>
+            <a:ext cx="311304" cy="369332"/>
+          </a:xfrm>
+          <a:prstGeom prst="rect">
+            <a:avLst/>
+          </a:prstGeom>
+          <a:noFill/>
+        </p:spPr>
+        <p:txBody>
+          <a:bodyPr wrap="none" rtlCol="0">
+            <a:spAutoFit/>
+          </a:bodyPr>
+          <a:lstStyle/>
+          <a:p>
+            <a:r>
+              <a:rPr kumimoji="1" lang="en-US" altLang="ko-KR" dirty="0"/>
+              <a:t>8</a:t>
+            </a:r>
+            <a:endParaRPr kumimoji="1" lang="ko-KR" altLang="en-US" dirty="0"/>
+          </a:p>
+        </p:txBody>
+      </p:sp>
+      <p:cxnSp>
+        <p:nvCxnSpPr>
+          <p:cNvPr id="169" name="직선 화살표 연결선 168">
+            <a:extLst>
+              <a:ext uri="{FF2B5EF4-FFF2-40B4-BE49-F238E27FC236}">
+                <a16:creationId xmlns:a16="http://schemas.microsoft.com/office/drawing/2014/main" id="{06EAC684-FDB4-6F47-A3E9-CF4E4B45BCA9}"/>
+              </a:ext>
+            </a:extLst>
+          </p:cNvPr>
+          <p:cNvCxnSpPr>
+            <a:cxnSpLocks/>
+          </p:cNvCxnSpPr>
+          <p:nvPr/>
+        </p:nvCxnSpPr>
+        <p:spPr>
+          <a:xfrm>
+            <a:off x="6141395" y="3705164"/>
+            <a:ext cx="947177" cy="0"/>
+          </a:xfrm>
+          <a:prstGeom prst="straightConnector1">
+            <a:avLst/>
+          </a:prstGeom>
+          <a:ln w="95250">
+            <a:solidFill>
+              <a:schemeClr val="tx1"/>
+            </a:solidFill>
+            <a:tailEnd type="triangle"/>
+          </a:ln>
+        </p:spPr>
+        <p:style>
+          <a:lnRef idx="1">
+            <a:schemeClr val="accent1"/>
+          </a:lnRef>
+          <a:fillRef idx="0">
+            <a:schemeClr val="accent1"/>
+          </a:fillRef>
+          <a:effectRef idx="0">
+            <a:schemeClr val="accent1"/>
+          </a:effectRef>
+          <a:fontRef idx="minor">
+            <a:schemeClr val="tx1"/>
+          </a:fontRef>
+        </p:style>
+      </p:cxnSp>
+      <p:sp>
+        <p:nvSpPr>
+          <p:cNvPr id="213" name="직사각형 212">
+            <a:extLst>
+              <a:ext uri="{FF2B5EF4-FFF2-40B4-BE49-F238E27FC236}">
+                <a16:creationId xmlns:a16="http://schemas.microsoft.com/office/drawing/2014/main" id="{0738773F-8184-9847-B7C4-A874D014CEAA}"/>
+              </a:ext>
+            </a:extLst>
+          </p:cNvPr>
+          <p:cNvSpPr/>
+          <p:nvPr/>
+        </p:nvSpPr>
+        <p:spPr>
+          <a:xfrm>
+            <a:off x="7676310" y="3284639"/>
+            <a:ext cx="493966" cy="469238"/>
+          </a:xfrm>
+          <a:prstGeom prst="rect">
+            <a:avLst/>
+          </a:prstGeom>
+          <a:solidFill>
+            <a:schemeClr val="bg1"/>
+          </a:solidFill>
+          <a:ln w="38100">
+            <a:solidFill>
+              <a:schemeClr val="tx1"/>
+            </a:solidFill>
+          </a:ln>
+        </p:spPr>
+        <p:style>
+          <a:lnRef idx="2">
+            <a:schemeClr val="accent1">
+              <a:shade val="50000"/>
+            </a:schemeClr>
+          </a:lnRef>
+          <a:fillRef idx="1">
+            <a:schemeClr val="accent1"/>
+          </a:fillRef>
+          <a:effectRef idx="0">
+            <a:schemeClr val="accent1"/>
+          </a:effectRef>
+          <a:fontRef idx="minor">
+            <a:schemeClr val="lt1"/>
+          </a:fontRef>
+        </p:style>
+        <p:txBody>
+          <a:bodyPr rtlCol="0" anchor="ctr"/>
+          <a:lstStyle/>
+          <a:p>
+            <a:pPr algn="ctr"/>
+            <a:endParaRPr kumimoji="1" lang="ko-KR" altLang="en-US">
+              <a:solidFill>
+                <a:schemeClr val="tx1"/>
+              </a:solidFill>
+            </a:endParaRPr>
+          </a:p>
+        </p:txBody>
+      </p:sp>
+      <p:sp>
+        <p:nvSpPr>
+          <p:cNvPr id="214" name="직사각형 213">
+            <a:extLst>
+              <a:ext uri="{FF2B5EF4-FFF2-40B4-BE49-F238E27FC236}">
+                <a16:creationId xmlns:a16="http://schemas.microsoft.com/office/drawing/2014/main" id="{FAAB47CF-58B1-724B-8F5F-C146E46CF81A}"/>
+              </a:ext>
+            </a:extLst>
+          </p:cNvPr>
+          <p:cNvSpPr/>
+          <p:nvPr/>
+        </p:nvSpPr>
+        <p:spPr>
+          <a:xfrm>
+            <a:off x="7718479" y="3351212"/>
+            <a:ext cx="493966" cy="469238"/>
+          </a:xfrm>
+          <a:prstGeom prst="rect">
+            <a:avLst/>
+          </a:prstGeom>
+          <a:solidFill>
+            <a:schemeClr val="bg1"/>
+          </a:solidFill>
+          <a:ln w="38100">
+            <a:solidFill>
+              <a:schemeClr val="tx1"/>
+            </a:solidFill>
+          </a:ln>
+        </p:spPr>
+        <p:style>
+          <a:lnRef idx="2">
+            <a:schemeClr val="accent1">
+              <a:shade val="50000"/>
+            </a:schemeClr>
+          </a:lnRef>
+          <a:fillRef idx="1">
+            <a:schemeClr val="accent1"/>
+          </a:fillRef>
+          <a:effectRef idx="0">
+            <a:schemeClr val="accent1"/>
+          </a:effectRef>
+          <a:fontRef idx="minor">
+            <a:schemeClr val="lt1"/>
+          </a:fontRef>
+        </p:style>
+        <p:txBody>
+          <a:bodyPr rtlCol="0" anchor="ctr"/>
+          <a:lstStyle/>
+          <a:p>
+            <a:pPr algn="ctr"/>
+            <a:endParaRPr kumimoji="1" lang="ko-KR" altLang="en-US">
+              <a:solidFill>
+                <a:schemeClr val="tx1"/>
+              </a:solidFill>
+            </a:endParaRPr>
+          </a:p>
+        </p:txBody>
+      </p:sp>
+      <p:sp>
+        <p:nvSpPr>
+          <p:cNvPr id="215" name="직사각형 214">
+            <a:extLst>
+              <a:ext uri="{FF2B5EF4-FFF2-40B4-BE49-F238E27FC236}">
+                <a16:creationId xmlns:a16="http://schemas.microsoft.com/office/drawing/2014/main" id="{FF9A9701-17C4-6942-B0F7-482F1C7E9157}"/>
+              </a:ext>
+            </a:extLst>
+          </p:cNvPr>
+          <p:cNvSpPr/>
+          <p:nvPr/>
+        </p:nvSpPr>
+        <p:spPr>
+          <a:xfrm>
+            <a:off x="7760648" y="3417785"/>
+            <a:ext cx="493966" cy="469238"/>
+          </a:xfrm>
+          <a:prstGeom prst="rect">
+            <a:avLst/>
+          </a:prstGeom>
+          <a:solidFill>
+            <a:schemeClr val="bg1"/>
+          </a:solidFill>
+          <a:ln w="38100">
+            <a:solidFill>
+              <a:schemeClr val="tx1"/>
+            </a:solidFill>
+          </a:ln>
+        </p:spPr>
+        <p:style>
+          <a:lnRef idx="2">
+            <a:schemeClr val="accent1">
+              <a:shade val="50000"/>
+            </a:schemeClr>
+          </a:lnRef>
+          <a:fillRef idx="1">
+            <a:schemeClr val="accent1"/>
+          </a:fillRef>
+          <a:effectRef idx="0">
+            <a:schemeClr val="accent1"/>
+          </a:effectRef>
+          <a:fontRef idx="minor">
+            <a:schemeClr val="lt1"/>
+          </a:fontRef>
+        </p:style>
+        <p:txBody>
+          <a:bodyPr rtlCol="0" anchor="ctr"/>
+          <a:lstStyle/>
+          <a:p>
+            <a:pPr algn="ctr"/>
+            <a:endParaRPr kumimoji="1" lang="ko-KR" altLang="en-US">
+              <a:solidFill>
+                <a:schemeClr val="tx1"/>
+              </a:solidFill>
+            </a:endParaRPr>
+          </a:p>
+        </p:txBody>
+      </p:sp>
+      <p:sp>
+        <p:nvSpPr>
+          <p:cNvPr id="216" name="직사각형 215">
+            <a:extLst>
+              <a:ext uri="{FF2B5EF4-FFF2-40B4-BE49-F238E27FC236}">
+                <a16:creationId xmlns:a16="http://schemas.microsoft.com/office/drawing/2014/main" id="{8B7B018A-0353-884F-81D9-DC5075C75AC0}"/>
+              </a:ext>
+            </a:extLst>
+          </p:cNvPr>
+          <p:cNvSpPr/>
+          <p:nvPr/>
+        </p:nvSpPr>
+        <p:spPr>
+          <a:xfrm>
+            <a:off x="7802817" y="3486858"/>
+            <a:ext cx="493966" cy="469238"/>
+          </a:xfrm>
+          <a:prstGeom prst="rect">
+            <a:avLst/>
+          </a:prstGeom>
+          <a:solidFill>
+            <a:schemeClr val="bg1"/>
+          </a:solidFill>
+          <a:ln w="38100">
+            <a:solidFill>
+              <a:schemeClr val="tx1"/>
+            </a:solidFill>
+          </a:ln>
+        </p:spPr>
+        <p:style>
+          <a:lnRef idx="2">
+            <a:schemeClr val="accent1">
+              <a:shade val="50000"/>
+            </a:schemeClr>
+          </a:lnRef>
+          <a:fillRef idx="1">
+            <a:schemeClr val="accent1"/>
+          </a:fillRef>
+          <a:effectRef idx="0">
+            <a:schemeClr val="accent1"/>
+          </a:effectRef>
+          <a:fontRef idx="minor">
+            <a:schemeClr val="lt1"/>
+          </a:fontRef>
+        </p:style>
+        <p:txBody>
+          <a:bodyPr rtlCol="0" anchor="ctr"/>
+          <a:lstStyle/>
+          <a:p>
+            <a:pPr algn="ctr"/>
+            <a:endParaRPr kumimoji="1" lang="ko-KR" altLang="en-US">
+              <a:solidFill>
+                <a:schemeClr val="tx1"/>
+              </a:solidFill>
+            </a:endParaRPr>
+          </a:p>
+        </p:txBody>
+      </p:sp>
+      <p:sp>
+        <p:nvSpPr>
+          <p:cNvPr id="217" name="직사각형 216">
+            <a:extLst>
+              <a:ext uri="{FF2B5EF4-FFF2-40B4-BE49-F238E27FC236}">
+                <a16:creationId xmlns:a16="http://schemas.microsoft.com/office/drawing/2014/main" id="{151EB260-7C06-CD48-9567-E3EAB953A01C}"/>
+              </a:ext>
+            </a:extLst>
+          </p:cNvPr>
+          <p:cNvSpPr/>
+          <p:nvPr/>
+        </p:nvSpPr>
+        <p:spPr>
+          <a:xfrm>
+            <a:off x="7844987" y="3555931"/>
+            <a:ext cx="493966" cy="469238"/>
+          </a:xfrm>
+          <a:prstGeom prst="rect">
+            <a:avLst/>
+          </a:prstGeom>
+          <a:solidFill>
+            <a:schemeClr val="bg1"/>
+          </a:solidFill>
+          <a:ln w="38100">
+            <a:solidFill>
+              <a:schemeClr val="tx1"/>
+            </a:solidFill>
+          </a:ln>
+        </p:spPr>
+        <p:style>
+          <a:lnRef idx="2">
+            <a:schemeClr val="accent1">
+              <a:shade val="50000"/>
+            </a:schemeClr>
+          </a:lnRef>
+          <a:fillRef idx="1">
+            <a:schemeClr val="accent1"/>
+          </a:fillRef>
+          <a:effectRef idx="0">
+            <a:schemeClr val="accent1"/>
+          </a:effectRef>
+          <a:fontRef idx="minor">
+            <a:schemeClr val="lt1"/>
+          </a:fontRef>
+        </p:style>
+        <p:txBody>
+          <a:bodyPr rtlCol="0" anchor="ctr"/>
+          <a:lstStyle/>
+          <a:p>
+            <a:pPr algn="ctr"/>
+            <a:endParaRPr kumimoji="1" lang="ko-KR" altLang="en-US">
+              <a:solidFill>
+                <a:schemeClr val="tx1"/>
+              </a:solidFill>
+            </a:endParaRPr>
+          </a:p>
+        </p:txBody>
+      </p:sp>
+      <p:sp>
+        <p:nvSpPr>
+          <p:cNvPr id="218" name="직사각형 217">
+            <a:extLst>
+              <a:ext uri="{FF2B5EF4-FFF2-40B4-BE49-F238E27FC236}">
+                <a16:creationId xmlns:a16="http://schemas.microsoft.com/office/drawing/2014/main" id="{54869C86-CC30-0247-B4AE-08EF6F156580}"/>
+              </a:ext>
+            </a:extLst>
+          </p:cNvPr>
+          <p:cNvSpPr/>
+          <p:nvPr/>
+        </p:nvSpPr>
+        <p:spPr>
+          <a:xfrm>
+            <a:off x="7887156" y="3619118"/>
+            <a:ext cx="493966" cy="469238"/>
+          </a:xfrm>
+          <a:prstGeom prst="rect">
+            <a:avLst/>
+          </a:prstGeom>
+          <a:solidFill>
+            <a:schemeClr val="bg1"/>
+          </a:solidFill>
+          <a:ln w="38100">
+            <a:solidFill>
+              <a:schemeClr val="tx1"/>
+            </a:solidFill>
+          </a:ln>
+        </p:spPr>
+        <p:style>
+          <a:lnRef idx="2">
+            <a:schemeClr val="accent1">
+              <a:shade val="50000"/>
+            </a:schemeClr>
+          </a:lnRef>
+          <a:fillRef idx="1">
+            <a:schemeClr val="accent1"/>
+          </a:fillRef>
+          <a:effectRef idx="0">
+            <a:schemeClr val="accent1"/>
+          </a:effectRef>
+          <a:fontRef idx="minor">
+            <a:schemeClr val="lt1"/>
+          </a:fontRef>
+        </p:style>
+        <p:txBody>
+          <a:bodyPr rtlCol="0" anchor="ctr"/>
+          <a:lstStyle/>
+          <a:p>
+            <a:pPr algn="ctr"/>
+            <a:endParaRPr kumimoji="1" lang="ko-KR" altLang="en-US">
+              <a:solidFill>
+                <a:schemeClr val="tx1"/>
+              </a:solidFill>
+            </a:endParaRPr>
+          </a:p>
+        </p:txBody>
+      </p:sp>
+      <p:sp>
+        <p:nvSpPr>
+          <p:cNvPr id="219" name="직사각형 218">
+            <a:extLst>
+              <a:ext uri="{FF2B5EF4-FFF2-40B4-BE49-F238E27FC236}">
+                <a16:creationId xmlns:a16="http://schemas.microsoft.com/office/drawing/2014/main" id="{154F4BD5-7C1C-4148-991D-293F1A25830F}"/>
+              </a:ext>
+            </a:extLst>
+          </p:cNvPr>
+          <p:cNvSpPr/>
+          <p:nvPr/>
+        </p:nvSpPr>
+        <p:spPr>
+          <a:xfrm>
+            <a:off x="7929325" y="3686123"/>
+            <a:ext cx="493966" cy="469238"/>
+          </a:xfrm>
+          <a:prstGeom prst="rect">
+            <a:avLst/>
+          </a:prstGeom>
+          <a:solidFill>
+            <a:schemeClr val="bg1"/>
+          </a:solidFill>
+          <a:ln w="38100">
+            <a:solidFill>
+              <a:schemeClr val="tx1"/>
+            </a:solidFill>
+          </a:ln>
+        </p:spPr>
+        <p:style>
+          <a:lnRef idx="2">
+            <a:schemeClr val="accent1">
+              <a:shade val="50000"/>
+            </a:schemeClr>
+          </a:lnRef>
+          <a:fillRef idx="1">
+            <a:schemeClr val="accent1"/>
+          </a:fillRef>
+          <a:effectRef idx="0">
+            <a:schemeClr val="accent1"/>
+          </a:effectRef>
+          <a:fontRef idx="minor">
+            <a:schemeClr val="lt1"/>
+          </a:fontRef>
+        </p:style>
+        <p:txBody>
+          <a:bodyPr rtlCol="0" anchor="ctr"/>
+          <a:lstStyle/>
+          <a:p>
+            <a:pPr algn="ctr"/>
+            <a:endParaRPr kumimoji="1" lang="ko-KR" altLang="en-US">
+              <a:solidFill>
+                <a:schemeClr val="tx1"/>
+              </a:solidFill>
+            </a:endParaRPr>
+          </a:p>
+        </p:txBody>
+      </p:sp>
+      <p:sp>
+        <p:nvSpPr>
+          <p:cNvPr id="220" name="직사각형 219">
+            <a:extLst>
+              <a:ext uri="{FF2B5EF4-FFF2-40B4-BE49-F238E27FC236}">
+                <a16:creationId xmlns:a16="http://schemas.microsoft.com/office/drawing/2014/main" id="{4576A337-9FAD-6042-9D1F-C8FA2EF4F802}"/>
+              </a:ext>
+            </a:extLst>
+          </p:cNvPr>
+          <p:cNvSpPr/>
+          <p:nvPr/>
+        </p:nvSpPr>
+        <p:spPr>
+          <a:xfrm>
+            <a:off x="7973137" y="3753129"/>
+            <a:ext cx="493966" cy="469238"/>
+          </a:xfrm>
+          <a:prstGeom prst="rect">
+            <a:avLst/>
+          </a:prstGeom>
+          <a:solidFill>
+            <a:schemeClr val="bg1"/>
+          </a:solidFill>
+          <a:ln w="38100">
+            <a:solidFill>
+              <a:schemeClr val="tx1"/>
+            </a:solidFill>
+          </a:ln>
+        </p:spPr>
+        <p:style>
+          <a:lnRef idx="2">
+            <a:schemeClr val="accent1">
+              <a:shade val="50000"/>
+            </a:schemeClr>
+          </a:lnRef>
+          <a:fillRef idx="1">
+            <a:schemeClr val="accent1"/>
+          </a:fillRef>
+          <a:effectRef idx="0">
+            <a:schemeClr val="accent1"/>
+          </a:effectRef>
+          <a:fontRef idx="minor">
+            <a:schemeClr val="lt1"/>
+          </a:fontRef>
+        </p:style>
+        <p:txBody>
+          <a:bodyPr rtlCol="0" anchor="ctr"/>
+          <a:lstStyle/>
+          <a:p>
+            <a:pPr algn="ctr"/>
+            <a:endParaRPr kumimoji="1" lang="ko-KR" altLang="en-US">
+              <a:solidFill>
+                <a:schemeClr val="tx1"/>
+              </a:solidFill>
+            </a:endParaRPr>
+          </a:p>
+        </p:txBody>
+      </p:sp>
+      <p:sp>
+        <p:nvSpPr>
+          <p:cNvPr id="221" name="직사각형 220">
+            <a:extLst>
+              <a:ext uri="{FF2B5EF4-FFF2-40B4-BE49-F238E27FC236}">
+                <a16:creationId xmlns:a16="http://schemas.microsoft.com/office/drawing/2014/main" id="{7790F814-2C92-BD48-97CA-646C0B5A6FE9}"/>
+              </a:ext>
+            </a:extLst>
+          </p:cNvPr>
+          <p:cNvSpPr/>
+          <p:nvPr/>
+        </p:nvSpPr>
+        <p:spPr>
+          <a:xfrm>
+            <a:off x="8012490" y="3824995"/>
+            <a:ext cx="493966" cy="469238"/>
+          </a:xfrm>
+          <a:prstGeom prst="rect">
+            <a:avLst/>
+          </a:prstGeom>
+          <a:solidFill>
+            <a:schemeClr val="bg1"/>
+          </a:solidFill>
+          <a:ln w="38100">
+            <a:solidFill>
+              <a:schemeClr val="tx1"/>
+            </a:solidFill>
+          </a:ln>
+        </p:spPr>
+        <p:style>
+          <a:lnRef idx="2">
+            <a:schemeClr val="accent1">
+              <a:shade val="50000"/>
+            </a:schemeClr>
+          </a:lnRef>
+          <a:fillRef idx="1">
+            <a:schemeClr val="accent1"/>
+          </a:fillRef>
+          <a:effectRef idx="0">
+            <a:schemeClr val="accent1"/>
+          </a:effectRef>
+          <a:fontRef idx="minor">
+            <a:schemeClr val="lt1"/>
+          </a:fontRef>
+        </p:style>
+        <p:txBody>
+          <a:bodyPr rtlCol="0" anchor="ctr"/>
+          <a:lstStyle/>
+          <a:p>
+            <a:pPr algn="ctr"/>
+            <a:endParaRPr kumimoji="1" lang="ko-KR" altLang="en-US">
+              <a:solidFill>
+                <a:schemeClr val="tx1"/>
+              </a:solidFill>
+            </a:endParaRPr>
+          </a:p>
+        </p:txBody>
+      </p:sp>
+      <p:sp>
+        <p:nvSpPr>
+          <p:cNvPr id="222" name="TextBox 221">
+            <a:extLst>
+              <a:ext uri="{FF2B5EF4-FFF2-40B4-BE49-F238E27FC236}">
+                <a16:creationId xmlns:a16="http://schemas.microsoft.com/office/drawing/2014/main" id="{461BC5FA-65D0-9B4D-A807-6D44E12D144D}"/>
+              </a:ext>
+            </a:extLst>
+          </p:cNvPr>
+          <p:cNvSpPr txBox="1"/>
+          <p:nvPr/>
+        </p:nvSpPr>
+        <p:spPr>
+          <a:xfrm>
+            <a:off x="8609048" y="3879513"/>
+            <a:ext cx="311304" cy="369332"/>
+          </a:xfrm>
+          <a:prstGeom prst="rect">
+            <a:avLst/>
+          </a:prstGeom>
+          <a:noFill/>
+        </p:spPr>
+        <p:txBody>
+          <a:bodyPr wrap="none" rtlCol="0">
+            <a:spAutoFit/>
+          </a:bodyPr>
+          <a:lstStyle/>
+          <a:p>
+            <a:r>
+              <a:rPr kumimoji="1" lang="en-US" altLang="ko-KR" dirty="0"/>
+              <a:t>8</a:t>
+            </a:r>
+            <a:endParaRPr kumimoji="1" lang="ko-KR" altLang="en-US" dirty="0"/>
+          </a:p>
+        </p:txBody>
+      </p:sp>
+      <p:sp>
+        <p:nvSpPr>
+          <p:cNvPr id="223" name="TextBox 222">
+            <a:extLst>
+              <a:ext uri="{FF2B5EF4-FFF2-40B4-BE49-F238E27FC236}">
+                <a16:creationId xmlns:a16="http://schemas.microsoft.com/office/drawing/2014/main" id="{AF431DFE-BA2D-FA44-89DD-1C09E3700D28}"/>
+              </a:ext>
+            </a:extLst>
+          </p:cNvPr>
+          <p:cNvSpPr txBox="1"/>
+          <p:nvPr/>
+        </p:nvSpPr>
+        <p:spPr>
+          <a:xfrm>
+            <a:off x="8423291" y="3032738"/>
+            <a:ext cx="437940" cy="369332"/>
+          </a:xfrm>
+          <a:prstGeom prst="rect">
+            <a:avLst/>
+          </a:prstGeom>
+          <a:noFill/>
+        </p:spPr>
+        <p:txBody>
+          <a:bodyPr wrap="none" rtlCol="0">
+            <a:spAutoFit/>
+          </a:bodyPr>
+          <a:lstStyle/>
+          <a:p>
+            <a:r>
+              <a:rPr kumimoji="1" lang="en-US" altLang="ko-KR" dirty="0"/>
+              <a:t>96</a:t>
+            </a:r>
+            <a:endParaRPr kumimoji="1" lang="ko-KR" altLang="en-US" dirty="0"/>
+          </a:p>
+        </p:txBody>
+      </p:sp>
+      <p:sp>
+        <p:nvSpPr>
+          <p:cNvPr id="224" name="호 223">
+            <a:extLst>
+              <a:ext uri="{FF2B5EF4-FFF2-40B4-BE49-F238E27FC236}">
+                <a16:creationId xmlns:a16="http://schemas.microsoft.com/office/drawing/2014/main" id="{E4A646F3-A443-DE48-8A6D-750C60B65B94}"/>
+              </a:ext>
+            </a:extLst>
+          </p:cNvPr>
+          <p:cNvSpPr/>
+          <p:nvPr/>
+        </p:nvSpPr>
+        <p:spPr>
+          <a:xfrm>
+            <a:off x="7482137" y="2967149"/>
+            <a:ext cx="1007081" cy="1555612"/>
+          </a:xfrm>
+          <a:prstGeom prst="arc">
+            <a:avLst>
+              <a:gd name="adj1" fmla="val 16200000"/>
+              <a:gd name="adj2" fmla="val 157077"/>
+            </a:avLst>
+          </a:prstGeom>
+          <a:noFill/>
+          <a:ln>
+            <a:solidFill>
+              <a:srgbClr val="FF0000"/>
+            </a:solidFill>
+          </a:ln>
+        </p:spPr>
+        <p:style>
+          <a:lnRef idx="1">
+            <a:schemeClr val="accent1"/>
+          </a:lnRef>
+          <a:fillRef idx="0">
+            <a:schemeClr val="accent1"/>
+          </a:fillRef>
+          <a:effectRef idx="0">
+            <a:schemeClr val="accent1"/>
+          </a:effectRef>
+          <a:fontRef idx="minor">
+            <a:schemeClr val="tx1"/>
+          </a:fontRef>
+        </p:style>
+        <p:txBody>
+          <a:bodyPr rtlCol="0" anchor="ctr"/>
+          <a:lstStyle/>
+          <a:p>
+            <a:pPr algn="ctr"/>
+            <a:endParaRPr kumimoji="1" lang="ko-KR" altLang="en-US"/>
+          </a:p>
+        </p:txBody>
+      </p:sp>
+      <p:sp>
+        <p:nvSpPr>
+          <p:cNvPr id="225" name="호 224">
+            <a:extLst>
+              <a:ext uri="{FF2B5EF4-FFF2-40B4-BE49-F238E27FC236}">
+                <a16:creationId xmlns:a16="http://schemas.microsoft.com/office/drawing/2014/main" id="{9A87779C-340C-3E4D-A8C3-1DDE2A9DA76D}"/>
+              </a:ext>
+            </a:extLst>
+          </p:cNvPr>
+          <p:cNvSpPr/>
+          <p:nvPr/>
+        </p:nvSpPr>
+        <p:spPr>
+          <a:xfrm rot="7739429">
+            <a:off x="7876252" y="3643492"/>
+            <a:ext cx="676317" cy="836504"/>
+          </a:xfrm>
+          <a:prstGeom prst="arc">
+            <a:avLst/>
+          </a:prstGeom>
+          <a:ln>
+            <a:solidFill>
+              <a:srgbClr val="FF0000"/>
+            </a:solidFill>
+          </a:ln>
+        </p:spPr>
+        <p:style>
+          <a:lnRef idx="1">
+            <a:schemeClr val="accent1"/>
+          </a:lnRef>
+          <a:fillRef idx="0">
+            <a:schemeClr val="accent1"/>
+          </a:fillRef>
+          <a:effectRef idx="0">
+            <a:schemeClr val="accent1"/>
+          </a:effectRef>
+          <a:fontRef idx="minor">
+            <a:schemeClr val="tx1"/>
+          </a:fontRef>
+        </p:style>
+        <p:txBody>
+          <a:bodyPr rtlCol="0" anchor="ctr"/>
+          <a:lstStyle/>
+          <a:p>
+            <a:pPr algn="ctr"/>
+            <a:endParaRPr kumimoji="1" lang="ko-KR" altLang="en-US"/>
+          </a:p>
+        </p:txBody>
+      </p:sp>
+      <p:sp>
+        <p:nvSpPr>
+          <p:cNvPr id="226" name="호 225">
+            <a:extLst>
+              <a:ext uri="{FF2B5EF4-FFF2-40B4-BE49-F238E27FC236}">
+                <a16:creationId xmlns:a16="http://schemas.microsoft.com/office/drawing/2014/main" id="{5509D3D2-709F-7A47-AD06-F8C3EB5ACC06}"/>
+              </a:ext>
+            </a:extLst>
+          </p:cNvPr>
+          <p:cNvSpPr/>
+          <p:nvPr/>
+        </p:nvSpPr>
+        <p:spPr>
+          <a:xfrm rot="1137302">
+            <a:off x="8143236" y="3791619"/>
+            <a:ext cx="410785" cy="835423"/>
+          </a:xfrm>
+          <a:prstGeom prst="arc">
+            <a:avLst>
+              <a:gd name="adj1" fmla="val 16200000"/>
+              <a:gd name="adj2" fmla="val 21518422"/>
+            </a:avLst>
+          </a:prstGeom>
+          <a:ln>
+            <a:solidFill>
+              <a:srgbClr val="FF0000"/>
+            </a:solidFill>
+          </a:ln>
+        </p:spPr>
+        <p:style>
+          <a:lnRef idx="1">
+            <a:schemeClr val="accent1"/>
+          </a:lnRef>
+          <a:fillRef idx="0">
+            <a:schemeClr val="accent1"/>
+          </a:fillRef>
+          <a:effectRef idx="0">
+            <a:schemeClr val="accent1"/>
+          </a:effectRef>
+          <a:fontRef idx="minor">
+            <a:schemeClr val="tx1"/>
+          </a:fontRef>
+        </p:style>
+        <p:txBody>
+          <a:bodyPr rtlCol="0" anchor="ctr"/>
+          <a:lstStyle/>
+          <a:p>
+            <a:pPr algn="ctr"/>
+            <a:endParaRPr kumimoji="1" lang="ko-KR" altLang="en-US"/>
+          </a:p>
+        </p:txBody>
+      </p:sp>
+      <p:sp>
+        <p:nvSpPr>
+          <p:cNvPr id="227" name="TextBox 226">
+            <a:extLst>
+              <a:ext uri="{FF2B5EF4-FFF2-40B4-BE49-F238E27FC236}">
+                <a16:creationId xmlns:a16="http://schemas.microsoft.com/office/drawing/2014/main" id="{ADA30E55-A87C-C24B-B209-43E551946547}"/>
+              </a:ext>
+            </a:extLst>
+          </p:cNvPr>
+          <p:cNvSpPr txBox="1"/>
+          <p:nvPr/>
+        </p:nvSpPr>
+        <p:spPr>
+          <a:xfrm>
+            <a:off x="8098962" y="4420366"/>
+            <a:ext cx="311304" cy="369332"/>
+          </a:xfrm>
+          <a:prstGeom prst="rect">
+            <a:avLst/>
+          </a:prstGeom>
+          <a:noFill/>
+        </p:spPr>
+        <p:txBody>
+          <a:bodyPr wrap="none" rtlCol="0">
+            <a:spAutoFit/>
+          </a:bodyPr>
+          <a:lstStyle/>
+          <a:p>
+            <a:r>
+              <a:rPr kumimoji="1" lang="en-US" altLang="ko-KR" dirty="0"/>
+              <a:t>8</a:t>
+            </a:r>
+            <a:endParaRPr kumimoji="1" lang="ko-KR" altLang="en-US" dirty="0"/>
+          </a:p>
+        </p:txBody>
+      </p:sp>
+    </p:spTree>
+    <p:extLst>
+      <p:ext uri="{BB962C8B-B14F-4D97-AF65-F5344CB8AC3E}">
+        <p14:creationId xmlns:p14="http://schemas.microsoft.com/office/powerpoint/2010/main" val="3619256711"/>
       </p:ext>
     </p:extLst>
   </p:cSld>

--- a/Report/FIG/figures.pptx
+++ b/Report/FIG/figures.pptx
@@ -6,6 +6,7 @@
   </p:sldMasterIdLst>
   <p:sldIdLst>
     <p:sldId id="256" r:id="rId2"/>
+    <p:sldId id="257" r:id="rId3"/>
   </p:sldIdLst>
   <p:sldSz cx="12192000" cy="6858000"/>
   <p:notesSz cx="6858000" cy="9144000"/>
@@ -5104,6 +5105,234 @@
 </p:sld>
 </file>
 
+<file path=ppt/slides/slide2.xml><?xml version="1.0" encoding="utf-8"?>
+<p:sld xmlns:a="http://schemas.openxmlformats.org/drawingml/2006/main" xmlns:r="http://schemas.openxmlformats.org/officeDocument/2006/relationships" xmlns:p="http://schemas.openxmlformats.org/presentationml/2006/main">
+  <p:cSld>
+    <p:spTree>
+      <p:nvGrpSpPr>
+        <p:cNvPr id="1" name=""/>
+        <p:cNvGrpSpPr/>
+        <p:nvPr/>
+      </p:nvGrpSpPr>
+      <p:grpSpPr>
+        <a:xfrm>
+          <a:off x="0" y="0"/>
+          <a:ext cx="0" cy="0"/>
+          <a:chOff x="0" y="0"/>
+          <a:chExt cx="0" cy="0"/>
+        </a:xfrm>
+      </p:grpSpPr>
+      <p:pic>
+        <p:nvPicPr>
+          <p:cNvPr id="4" name="그림 3">
+            <a:extLst>
+              <a:ext uri="{FF2B5EF4-FFF2-40B4-BE49-F238E27FC236}">
+                <a16:creationId xmlns:a16="http://schemas.microsoft.com/office/drawing/2014/main" id="{485BC4B2-1FB4-FB46-A011-BE1FFD38CFB9}"/>
+              </a:ext>
+            </a:extLst>
+          </p:cNvPr>
+          <p:cNvPicPr>
+            <a:picLocks noChangeAspect="1"/>
+          </p:cNvPicPr>
+          <p:nvPr/>
+        </p:nvPicPr>
+        <p:blipFill>
+          <a:blip r:embed="rId2"/>
+          <a:stretch>
+            <a:fillRect/>
+          </a:stretch>
+        </p:blipFill>
+        <p:spPr>
+          <a:xfrm>
+            <a:off x="2170545" y="380999"/>
+            <a:ext cx="6072910" cy="5693353"/>
+          </a:xfrm>
+          <a:prstGeom prst="rect">
+            <a:avLst/>
+          </a:prstGeom>
+        </p:spPr>
+      </p:pic>
+      <p:sp>
+        <p:nvSpPr>
+          <p:cNvPr id="5" name="직사각형 4">
+            <a:extLst>
+              <a:ext uri="{FF2B5EF4-FFF2-40B4-BE49-F238E27FC236}">
+                <a16:creationId xmlns:a16="http://schemas.microsoft.com/office/drawing/2014/main" id="{ED146FBA-5537-7243-B29E-50C91CDBBA67}"/>
+              </a:ext>
+            </a:extLst>
+          </p:cNvPr>
+          <p:cNvSpPr/>
+          <p:nvPr/>
+        </p:nvSpPr>
+        <p:spPr>
+          <a:xfrm>
+            <a:off x="2170545" y="380999"/>
+            <a:ext cx="6072910" cy="5693353"/>
+          </a:xfrm>
+          <a:prstGeom prst="rect">
+            <a:avLst/>
+          </a:prstGeom>
+          <a:solidFill>
+            <a:schemeClr val="bg1">
+              <a:alpha val="0"/>
+            </a:schemeClr>
+          </a:solidFill>
+          <a:ln w="85725">
+            <a:solidFill>
+              <a:srgbClr val="FF0000"/>
+            </a:solidFill>
+          </a:ln>
+        </p:spPr>
+        <p:style>
+          <a:lnRef idx="2">
+            <a:schemeClr val="accent1">
+              <a:shade val="50000"/>
+            </a:schemeClr>
+          </a:lnRef>
+          <a:fillRef idx="1">
+            <a:schemeClr val="accent1"/>
+          </a:fillRef>
+          <a:effectRef idx="0">
+            <a:schemeClr val="accent1"/>
+          </a:effectRef>
+          <a:fontRef idx="minor">
+            <a:schemeClr val="lt1"/>
+          </a:fontRef>
+        </p:style>
+        <p:txBody>
+          <a:bodyPr rtlCol="0" anchor="ctr"/>
+          <a:lstStyle/>
+          <a:p>
+            <a:pPr algn="ctr"/>
+            <a:endParaRPr kumimoji="1" lang="ko-KR" altLang="en-US"/>
+          </a:p>
+        </p:txBody>
+      </p:sp>
+      <p:sp>
+        <p:nvSpPr>
+          <p:cNvPr id="6" name="직사각형 5">
+            <a:extLst>
+              <a:ext uri="{FF2B5EF4-FFF2-40B4-BE49-F238E27FC236}">
+                <a16:creationId xmlns:a16="http://schemas.microsoft.com/office/drawing/2014/main" id="{657E7177-C54F-644C-9BFB-1D46251A9947}"/>
+              </a:ext>
+            </a:extLst>
+          </p:cNvPr>
+          <p:cNvSpPr/>
+          <p:nvPr/>
+        </p:nvSpPr>
+        <p:spPr>
+          <a:xfrm>
+            <a:off x="4027054" y="380999"/>
+            <a:ext cx="2165928" cy="5693352"/>
+          </a:xfrm>
+          <a:prstGeom prst="rect">
+            <a:avLst/>
+          </a:prstGeom>
+          <a:solidFill>
+            <a:schemeClr val="bg1">
+              <a:alpha val="0"/>
+            </a:schemeClr>
+          </a:solidFill>
+          <a:ln w="85725">
+            <a:solidFill>
+              <a:schemeClr val="accent1"/>
+            </a:solidFill>
+          </a:ln>
+        </p:spPr>
+        <p:style>
+          <a:lnRef idx="2">
+            <a:schemeClr val="accent1">
+              <a:shade val="50000"/>
+            </a:schemeClr>
+          </a:lnRef>
+          <a:fillRef idx="1">
+            <a:schemeClr val="accent1"/>
+          </a:fillRef>
+          <a:effectRef idx="0">
+            <a:schemeClr val="accent1"/>
+          </a:effectRef>
+          <a:fontRef idx="minor">
+            <a:schemeClr val="lt1"/>
+          </a:fontRef>
+        </p:style>
+        <p:txBody>
+          <a:bodyPr rtlCol="0" anchor="ctr"/>
+          <a:lstStyle/>
+          <a:p>
+            <a:pPr algn="ctr"/>
+            <a:endParaRPr kumimoji="1" lang="ko-KR" altLang="en-US"/>
+          </a:p>
+        </p:txBody>
+      </p:sp>
+      <p:sp>
+        <p:nvSpPr>
+          <p:cNvPr id="7" name="직사각형 6">
+            <a:extLst>
+              <a:ext uri="{FF2B5EF4-FFF2-40B4-BE49-F238E27FC236}">
+                <a16:creationId xmlns:a16="http://schemas.microsoft.com/office/drawing/2014/main" id="{663E265B-8217-6245-A933-B5FCB5AB7C4E}"/>
+              </a:ext>
+            </a:extLst>
+          </p:cNvPr>
+          <p:cNvSpPr/>
+          <p:nvPr/>
+        </p:nvSpPr>
+        <p:spPr>
+          <a:xfrm>
+            <a:off x="2170545" y="4641273"/>
+            <a:ext cx="6072910" cy="1433079"/>
+          </a:xfrm>
+          <a:prstGeom prst="rect">
+            <a:avLst/>
+          </a:prstGeom>
+          <a:solidFill>
+            <a:schemeClr val="bg1">
+              <a:alpha val="0"/>
+            </a:schemeClr>
+          </a:solidFill>
+          <a:ln w="85725">
+            <a:solidFill>
+              <a:srgbClr val="FFFF00"/>
+            </a:solidFill>
+          </a:ln>
+        </p:spPr>
+        <p:style>
+          <a:lnRef idx="2">
+            <a:schemeClr val="accent1">
+              <a:shade val="50000"/>
+            </a:schemeClr>
+          </a:lnRef>
+          <a:fillRef idx="1">
+            <a:schemeClr val="accent1"/>
+          </a:fillRef>
+          <a:effectRef idx="0">
+            <a:schemeClr val="accent1"/>
+          </a:effectRef>
+          <a:fontRef idx="minor">
+            <a:schemeClr val="lt1"/>
+          </a:fontRef>
+        </p:style>
+        <p:txBody>
+          <a:bodyPr rtlCol="0" anchor="ctr"/>
+          <a:lstStyle/>
+          <a:p>
+            <a:pPr algn="ctr"/>
+            <a:endParaRPr kumimoji="1" lang="ko-KR" altLang="en-US"/>
+          </a:p>
+        </p:txBody>
+      </p:sp>
+    </p:spTree>
+    <p:extLst>
+      <p:ext uri="{BB962C8B-B14F-4D97-AF65-F5344CB8AC3E}">
+        <p14:creationId xmlns:p14="http://schemas.microsoft.com/office/powerpoint/2010/main" val="1757573103"/>
+      </p:ext>
+    </p:extLst>
+  </p:cSld>
+  <p:clrMapOvr>
+    <a:masterClrMapping/>
+  </p:clrMapOvr>
+</p:sld>
+</file>
+
 <file path=ppt/theme/theme1.xml><?xml version="1.0" encoding="utf-8"?>
 <a:theme xmlns:a="http://schemas.openxmlformats.org/drawingml/2006/main" name="Office 테마">
   <a:themeElements>

--- a/Report/FIG/figures.pptx
+++ b/Report/FIG/figures.pptx
@@ -7,6 +7,7 @@
   <p:sldIdLst>
     <p:sldId id="256" r:id="rId2"/>
     <p:sldId id="257" r:id="rId3"/>
+    <p:sldId id="258" r:id="rId4"/>
   </p:sldIdLst>
   <p:sldSz cx="12192000" cy="6858000"/>
   <p:notesSz cx="6858000" cy="9144000"/>
@@ -105,6 +106,11 @@
       </a:defRPr>
     </a:lvl9pPr>
   </p:defaultTextStyle>
+  <p:extLst>
+    <p:ext uri="{EFAFB233-063F-42B5-8137-9DF3F51BA10A}">
+      <p15:sldGuideLst xmlns:p15="http://schemas.microsoft.com/office/powerpoint/2012/main"/>
+    </p:ext>
+  </p:extLst>
 </p:presentation>
 </file>
 
@@ -255,7 +261,7 @@
           <a:p>
             <a:fld id="{51573C1C-01B7-264A-9990-6C931553A5EF}" type="datetimeFigureOut">
               <a:rPr kumimoji="1" lang="ko-KR" altLang="en-US" smtClean="0"/>
-              <a:t>2019. 3. 30.</a:t>
+              <a:t>2019. 6. 10.</a:t>
             </a:fld>
             <a:endParaRPr kumimoji="1" lang="ko-KR" altLang="en-US"/>
           </a:p>
@@ -453,7 +459,7 @@
           <a:p>
             <a:fld id="{51573C1C-01B7-264A-9990-6C931553A5EF}" type="datetimeFigureOut">
               <a:rPr kumimoji="1" lang="ko-KR" altLang="en-US" smtClean="0"/>
-              <a:t>2019. 3. 30.</a:t>
+              <a:t>2019. 6. 10.</a:t>
             </a:fld>
             <a:endParaRPr kumimoji="1" lang="ko-KR" altLang="en-US"/>
           </a:p>
@@ -661,7 +667,7 @@
           <a:p>
             <a:fld id="{51573C1C-01B7-264A-9990-6C931553A5EF}" type="datetimeFigureOut">
               <a:rPr kumimoji="1" lang="ko-KR" altLang="en-US" smtClean="0"/>
-              <a:t>2019. 3. 30.</a:t>
+              <a:t>2019. 6. 10.</a:t>
             </a:fld>
             <a:endParaRPr kumimoji="1" lang="ko-KR" altLang="en-US"/>
           </a:p>
@@ -859,7 +865,7 @@
           <a:p>
             <a:fld id="{51573C1C-01B7-264A-9990-6C931553A5EF}" type="datetimeFigureOut">
               <a:rPr kumimoji="1" lang="ko-KR" altLang="en-US" smtClean="0"/>
-              <a:t>2019. 3. 30.</a:t>
+              <a:t>2019. 6. 10.</a:t>
             </a:fld>
             <a:endParaRPr kumimoji="1" lang="ko-KR" altLang="en-US"/>
           </a:p>
@@ -1134,7 +1140,7 @@
           <a:p>
             <a:fld id="{51573C1C-01B7-264A-9990-6C931553A5EF}" type="datetimeFigureOut">
               <a:rPr kumimoji="1" lang="ko-KR" altLang="en-US" smtClean="0"/>
-              <a:t>2019. 3. 30.</a:t>
+              <a:t>2019. 6. 10.</a:t>
             </a:fld>
             <a:endParaRPr kumimoji="1" lang="ko-KR" altLang="en-US"/>
           </a:p>
@@ -1399,7 +1405,7 @@
           <a:p>
             <a:fld id="{51573C1C-01B7-264A-9990-6C931553A5EF}" type="datetimeFigureOut">
               <a:rPr kumimoji="1" lang="ko-KR" altLang="en-US" smtClean="0"/>
-              <a:t>2019. 3. 30.</a:t>
+              <a:t>2019. 6. 10.</a:t>
             </a:fld>
             <a:endParaRPr kumimoji="1" lang="ko-KR" altLang="en-US"/>
           </a:p>
@@ -1811,7 +1817,7 @@
           <a:p>
             <a:fld id="{51573C1C-01B7-264A-9990-6C931553A5EF}" type="datetimeFigureOut">
               <a:rPr kumimoji="1" lang="ko-KR" altLang="en-US" smtClean="0"/>
-              <a:t>2019. 3. 30.</a:t>
+              <a:t>2019. 6. 10.</a:t>
             </a:fld>
             <a:endParaRPr kumimoji="1" lang="ko-KR" altLang="en-US"/>
           </a:p>
@@ -1952,7 +1958,7 @@
           <a:p>
             <a:fld id="{51573C1C-01B7-264A-9990-6C931553A5EF}" type="datetimeFigureOut">
               <a:rPr kumimoji="1" lang="ko-KR" altLang="en-US" smtClean="0"/>
-              <a:t>2019. 3. 30.</a:t>
+              <a:t>2019. 6. 10.</a:t>
             </a:fld>
             <a:endParaRPr kumimoji="1" lang="ko-KR" altLang="en-US"/>
           </a:p>
@@ -2065,7 +2071,7 @@
           <a:p>
             <a:fld id="{51573C1C-01B7-264A-9990-6C931553A5EF}" type="datetimeFigureOut">
               <a:rPr kumimoji="1" lang="ko-KR" altLang="en-US" smtClean="0"/>
-              <a:t>2019. 3. 30.</a:t>
+              <a:t>2019. 6. 10.</a:t>
             </a:fld>
             <a:endParaRPr kumimoji="1" lang="ko-KR" altLang="en-US"/>
           </a:p>
@@ -2376,7 +2382,7 @@
           <a:p>
             <a:fld id="{51573C1C-01B7-264A-9990-6C931553A5EF}" type="datetimeFigureOut">
               <a:rPr kumimoji="1" lang="ko-KR" altLang="en-US" smtClean="0"/>
-              <a:t>2019. 3. 30.</a:t>
+              <a:t>2019. 6. 10.</a:t>
             </a:fld>
             <a:endParaRPr kumimoji="1" lang="ko-KR" altLang="en-US"/>
           </a:p>
@@ -2664,7 +2670,7 @@
           <a:p>
             <a:fld id="{51573C1C-01B7-264A-9990-6C931553A5EF}" type="datetimeFigureOut">
               <a:rPr kumimoji="1" lang="ko-KR" altLang="en-US" smtClean="0"/>
-              <a:t>2019. 3. 30.</a:t>
+              <a:t>2019. 6. 10.</a:t>
             </a:fld>
             <a:endParaRPr kumimoji="1" lang="ko-KR" altLang="en-US"/>
           </a:p>
@@ -2905,7 +2911,7 @@
           <a:p>
             <a:fld id="{51573C1C-01B7-264A-9990-6C931553A5EF}" type="datetimeFigureOut">
               <a:rPr kumimoji="1" lang="ko-KR" altLang="en-US" smtClean="0"/>
-              <a:t>2019. 3. 30.</a:t>
+              <a:t>2019. 6. 10.</a:t>
             </a:fld>
             <a:endParaRPr kumimoji="1" lang="ko-KR" altLang="en-US"/>
           </a:p>
@@ -5333,6 +5339,1529 @@
 </p:sld>
 </file>
 
+<file path=ppt/slides/slide3.xml><?xml version="1.0" encoding="utf-8"?>
+<p:sld xmlns:a="http://schemas.openxmlformats.org/drawingml/2006/main" xmlns:r="http://schemas.openxmlformats.org/officeDocument/2006/relationships" xmlns:p="http://schemas.openxmlformats.org/presentationml/2006/main">
+  <p:cSld>
+    <p:spTree>
+      <p:nvGrpSpPr>
+        <p:cNvPr id="1" name=""/>
+        <p:cNvGrpSpPr/>
+        <p:nvPr/>
+      </p:nvGrpSpPr>
+      <p:grpSpPr>
+        <a:xfrm>
+          <a:off x="0" y="0"/>
+          <a:ext cx="0" cy="0"/>
+          <a:chOff x="0" y="0"/>
+          <a:chExt cx="0" cy="0"/>
+        </a:xfrm>
+      </p:grpSpPr>
+      <p:sp>
+        <p:nvSpPr>
+          <p:cNvPr id="2" name="직사각형 1">
+            <a:extLst>
+              <a:ext uri="{FF2B5EF4-FFF2-40B4-BE49-F238E27FC236}">
+                <a16:creationId xmlns:a16="http://schemas.microsoft.com/office/drawing/2014/main" id="{AAD6AA89-7BC4-034B-B1B9-2133FBCBA0AB}"/>
+              </a:ext>
+            </a:extLst>
+          </p:cNvPr>
+          <p:cNvSpPr/>
+          <p:nvPr/>
+        </p:nvSpPr>
+        <p:spPr>
+          <a:xfrm>
+            <a:off x="645978" y="2988490"/>
+            <a:ext cx="7336740" cy="589280"/>
+          </a:xfrm>
+          <a:prstGeom prst="rect">
+            <a:avLst/>
+          </a:prstGeom>
+          <a:noFill/>
+          <a:ln>
+            <a:solidFill>
+              <a:srgbClr val="FF0000"/>
+            </a:solidFill>
+          </a:ln>
+        </p:spPr>
+        <p:style>
+          <a:lnRef idx="2">
+            <a:schemeClr val="accent1">
+              <a:shade val="50000"/>
+            </a:schemeClr>
+          </a:lnRef>
+          <a:fillRef idx="1">
+            <a:schemeClr val="accent1"/>
+          </a:fillRef>
+          <a:effectRef idx="0">
+            <a:schemeClr val="accent1"/>
+          </a:effectRef>
+          <a:fontRef idx="minor">
+            <a:schemeClr val="lt1"/>
+          </a:fontRef>
+        </p:style>
+        <p:txBody>
+          <a:bodyPr rtlCol="0" anchor="ctr"/>
+          <a:lstStyle/>
+          <a:p>
+            <a:pPr algn="ctr"/>
+            <a:r>
+              <a:rPr kumimoji="1" lang="en-US" altLang="ko-KR" b="1" dirty="0">
+                <a:solidFill>
+                  <a:schemeClr val="tx1"/>
+                </a:solidFill>
+              </a:rPr>
+              <a:t>Attention Network</a:t>
+            </a:r>
+            <a:endParaRPr kumimoji="1" lang="ko-KR" altLang="en-US" b="1" dirty="0">
+              <a:solidFill>
+                <a:schemeClr val="tx1"/>
+              </a:solidFill>
+            </a:endParaRPr>
+          </a:p>
+        </p:txBody>
+      </p:sp>
+      <p:sp>
+        <p:nvSpPr>
+          <p:cNvPr id="8" name="직사각형 7">
+            <a:extLst>
+              <a:ext uri="{FF2B5EF4-FFF2-40B4-BE49-F238E27FC236}">
+                <a16:creationId xmlns:a16="http://schemas.microsoft.com/office/drawing/2014/main" id="{1AD7B3DD-2307-CB4F-ADD1-48A05E8C3CFE}"/>
+              </a:ext>
+            </a:extLst>
+          </p:cNvPr>
+          <p:cNvSpPr/>
+          <p:nvPr/>
+        </p:nvSpPr>
+        <p:spPr>
+          <a:xfrm>
+            <a:off x="2032000" y="5730240"/>
+            <a:ext cx="731520" cy="731520"/>
+          </a:xfrm>
+          <a:prstGeom prst="rect">
+            <a:avLst/>
+          </a:prstGeom>
+          <a:noFill/>
+          <a:ln>
+            <a:solidFill>
+              <a:schemeClr val="tx1"/>
+            </a:solidFill>
+          </a:ln>
+        </p:spPr>
+        <p:style>
+          <a:lnRef idx="2">
+            <a:schemeClr val="accent1">
+              <a:shade val="50000"/>
+            </a:schemeClr>
+          </a:lnRef>
+          <a:fillRef idx="1">
+            <a:schemeClr val="accent1"/>
+          </a:fillRef>
+          <a:effectRef idx="0">
+            <a:schemeClr val="accent1"/>
+          </a:effectRef>
+          <a:fontRef idx="minor">
+            <a:schemeClr val="lt1"/>
+          </a:fontRef>
+        </p:style>
+        <p:txBody>
+          <a:bodyPr rtlCol="0" anchor="ctr"/>
+          <a:lstStyle/>
+          <a:p>
+            <a:pPr algn="ctr"/>
+            <a:endParaRPr kumimoji="1" lang="ko-KR" altLang="en-US"/>
+          </a:p>
+        </p:txBody>
+      </p:sp>
+      <p:sp>
+        <p:nvSpPr>
+          <p:cNvPr id="9" name="직사각형 8">
+            <a:extLst>
+              <a:ext uri="{FF2B5EF4-FFF2-40B4-BE49-F238E27FC236}">
+                <a16:creationId xmlns:a16="http://schemas.microsoft.com/office/drawing/2014/main" id="{A3CE4122-150E-0A4D-8E5A-8355957AA965}"/>
+              </a:ext>
+            </a:extLst>
+          </p:cNvPr>
+          <p:cNvSpPr/>
+          <p:nvPr/>
+        </p:nvSpPr>
+        <p:spPr>
+          <a:xfrm>
+            <a:off x="5933440" y="5709920"/>
+            <a:ext cx="731520" cy="731520"/>
+          </a:xfrm>
+          <a:prstGeom prst="rect">
+            <a:avLst/>
+          </a:prstGeom>
+          <a:noFill/>
+          <a:ln>
+            <a:solidFill>
+              <a:schemeClr val="tx1"/>
+            </a:solidFill>
+          </a:ln>
+        </p:spPr>
+        <p:style>
+          <a:lnRef idx="2">
+            <a:schemeClr val="accent1">
+              <a:shade val="50000"/>
+            </a:schemeClr>
+          </a:lnRef>
+          <a:fillRef idx="1">
+            <a:schemeClr val="accent1"/>
+          </a:fillRef>
+          <a:effectRef idx="0">
+            <a:schemeClr val="accent1"/>
+          </a:effectRef>
+          <a:fontRef idx="minor">
+            <a:schemeClr val="lt1"/>
+          </a:fontRef>
+        </p:style>
+        <p:txBody>
+          <a:bodyPr rtlCol="0" anchor="ctr"/>
+          <a:lstStyle/>
+          <a:p>
+            <a:pPr algn="ctr"/>
+            <a:endParaRPr kumimoji="1" lang="ko-KR" altLang="en-US"/>
+          </a:p>
+        </p:txBody>
+      </p:sp>
+      <p:sp>
+        <p:nvSpPr>
+          <p:cNvPr id="10" name="TextBox 9">
+            <a:extLst>
+              <a:ext uri="{FF2B5EF4-FFF2-40B4-BE49-F238E27FC236}">
+                <a16:creationId xmlns:a16="http://schemas.microsoft.com/office/drawing/2014/main" id="{0E238CA9-7697-CE4D-BEA1-E77F2A493558}"/>
+              </a:ext>
+            </a:extLst>
+          </p:cNvPr>
+          <p:cNvSpPr txBox="1"/>
+          <p:nvPr/>
+        </p:nvSpPr>
+        <p:spPr>
+          <a:xfrm>
+            <a:off x="2763520" y="5911334"/>
+            <a:ext cx="311304" cy="369332"/>
+          </a:xfrm>
+          <a:prstGeom prst="rect">
+            <a:avLst/>
+          </a:prstGeom>
+          <a:noFill/>
+        </p:spPr>
+        <p:txBody>
+          <a:bodyPr wrap="none" rtlCol="0">
+            <a:spAutoFit/>
+          </a:bodyPr>
+          <a:lstStyle/>
+          <a:p>
+            <a:r>
+              <a:rPr kumimoji="1" lang="en-US" altLang="ko-KR" dirty="0"/>
+              <a:t>8</a:t>
+            </a:r>
+            <a:endParaRPr kumimoji="1" lang="ko-KR" altLang="en-US" dirty="0"/>
+          </a:p>
+        </p:txBody>
+      </p:sp>
+      <p:sp>
+        <p:nvSpPr>
+          <p:cNvPr id="11" name="TextBox 10">
+            <a:extLst>
+              <a:ext uri="{FF2B5EF4-FFF2-40B4-BE49-F238E27FC236}">
+                <a16:creationId xmlns:a16="http://schemas.microsoft.com/office/drawing/2014/main" id="{2E772396-C5BD-B04E-83F9-5341891341F4}"/>
+              </a:ext>
+            </a:extLst>
+          </p:cNvPr>
+          <p:cNvSpPr txBox="1"/>
+          <p:nvPr/>
+        </p:nvSpPr>
+        <p:spPr>
+          <a:xfrm>
+            <a:off x="2242108" y="5409029"/>
+            <a:ext cx="311304" cy="369332"/>
+          </a:xfrm>
+          <a:prstGeom prst="rect">
+            <a:avLst/>
+          </a:prstGeom>
+          <a:noFill/>
+        </p:spPr>
+        <p:txBody>
+          <a:bodyPr wrap="none" rtlCol="0">
+            <a:spAutoFit/>
+          </a:bodyPr>
+          <a:lstStyle/>
+          <a:p>
+            <a:r>
+              <a:rPr kumimoji="1" lang="en-US" altLang="ko-KR" dirty="0"/>
+              <a:t>8</a:t>
+            </a:r>
+            <a:endParaRPr kumimoji="1" lang="ko-KR" altLang="en-US" dirty="0"/>
+          </a:p>
+        </p:txBody>
+      </p:sp>
+      <p:sp>
+        <p:nvSpPr>
+          <p:cNvPr id="12" name="TextBox 11">
+            <a:extLst>
+              <a:ext uri="{FF2B5EF4-FFF2-40B4-BE49-F238E27FC236}">
+                <a16:creationId xmlns:a16="http://schemas.microsoft.com/office/drawing/2014/main" id="{A21A3CAD-A48A-A940-B43A-6835AAF39081}"/>
+              </a:ext>
+            </a:extLst>
+          </p:cNvPr>
+          <p:cNvSpPr txBox="1"/>
+          <p:nvPr/>
+        </p:nvSpPr>
+        <p:spPr>
+          <a:xfrm>
+            <a:off x="6655002" y="5911334"/>
+            <a:ext cx="311304" cy="369332"/>
+          </a:xfrm>
+          <a:prstGeom prst="rect">
+            <a:avLst/>
+          </a:prstGeom>
+          <a:noFill/>
+        </p:spPr>
+        <p:txBody>
+          <a:bodyPr wrap="none" rtlCol="0">
+            <a:spAutoFit/>
+          </a:bodyPr>
+          <a:lstStyle/>
+          <a:p>
+            <a:r>
+              <a:rPr kumimoji="1" lang="en-US" altLang="ko-KR" dirty="0"/>
+              <a:t>8</a:t>
+            </a:r>
+            <a:endParaRPr kumimoji="1" lang="ko-KR" altLang="en-US" dirty="0"/>
+          </a:p>
+        </p:txBody>
+      </p:sp>
+      <p:sp>
+        <p:nvSpPr>
+          <p:cNvPr id="13" name="TextBox 12">
+            <a:extLst>
+              <a:ext uri="{FF2B5EF4-FFF2-40B4-BE49-F238E27FC236}">
+                <a16:creationId xmlns:a16="http://schemas.microsoft.com/office/drawing/2014/main" id="{2998F48A-FDF1-7F46-8D3F-2C5BF97EDA94}"/>
+              </a:ext>
+            </a:extLst>
+          </p:cNvPr>
+          <p:cNvSpPr txBox="1"/>
+          <p:nvPr/>
+        </p:nvSpPr>
+        <p:spPr>
+          <a:xfrm>
+            <a:off x="6133590" y="5409029"/>
+            <a:ext cx="311304" cy="369332"/>
+          </a:xfrm>
+          <a:prstGeom prst="rect">
+            <a:avLst/>
+          </a:prstGeom>
+          <a:noFill/>
+        </p:spPr>
+        <p:txBody>
+          <a:bodyPr wrap="none" rtlCol="0">
+            <a:spAutoFit/>
+          </a:bodyPr>
+          <a:lstStyle/>
+          <a:p>
+            <a:r>
+              <a:rPr kumimoji="1" lang="en-US" altLang="ko-KR" dirty="0"/>
+              <a:t>8</a:t>
+            </a:r>
+            <a:endParaRPr kumimoji="1" lang="ko-KR" altLang="en-US" dirty="0"/>
+          </a:p>
+        </p:txBody>
+      </p:sp>
+      <p:cxnSp>
+        <p:nvCxnSpPr>
+          <p:cNvPr id="15" name="직선 화살표 연결선 14">
+            <a:extLst>
+              <a:ext uri="{FF2B5EF4-FFF2-40B4-BE49-F238E27FC236}">
+                <a16:creationId xmlns:a16="http://schemas.microsoft.com/office/drawing/2014/main" id="{46E3B72D-0A2C-DA4C-8AAE-3E5F31E563D6}"/>
+              </a:ext>
+            </a:extLst>
+          </p:cNvPr>
+          <p:cNvCxnSpPr>
+            <a:cxnSpLocks/>
+          </p:cNvCxnSpPr>
+          <p:nvPr/>
+        </p:nvCxnSpPr>
+        <p:spPr>
+          <a:xfrm flipV="1">
+            <a:off x="6276775" y="5043268"/>
+            <a:ext cx="0" cy="360000"/>
+          </a:xfrm>
+          <a:prstGeom prst="straightConnector1">
+            <a:avLst/>
+          </a:prstGeom>
+          <a:ln w="50800">
+            <a:solidFill>
+              <a:schemeClr val="tx1"/>
+            </a:solidFill>
+            <a:tailEnd type="triangle"/>
+          </a:ln>
+        </p:spPr>
+        <p:style>
+          <a:lnRef idx="1">
+            <a:schemeClr val="accent1"/>
+          </a:lnRef>
+          <a:fillRef idx="0">
+            <a:schemeClr val="accent1"/>
+          </a:fillRef>
+          <a:effectRef idx="0">
+            <a:schemeClr val="accent1"/>
+          </a:effectRef>
+          <a:fontRef idx="minor">
+            <a:schemeClr val="tx1"/>
+          </a:fontRef>
+        </p:style>
+      </p:cxnSp>
+      <p:cxnSp>
+        <p:nvCxnSpPr>
+          <p:cNvPr id="17" name="직선 화살표 연결선 16">
+            <a:extLst>
+              <a:ext uri="{FF2B5EF4-FFF2-40B4-BE49-F238E27FC236}">
+                <a16:creationId xmlns:a16="http://schemas.microsoft.com/office/drawing/2014/main" id="{EFD75ACC-3D16-7F4C-B4E1-F2531E6BB7DA}"/>
+              </a:ext>
+            </a:extLst>
+          </p:cNvPr>
+          <p:cNvCxnSpPr>
+            <a:cxnSpLocks/>
+          </p:cNvCxnSpPr>
+          <p:nvPr/>
+        </p:nvCxnSpPr>
+        <p:spPr>
+          <a:xfrm flipV="1">
+            <a:off x="2374390" y="5043268"/>
+            <a:ext cx="0" cy="360000"/>
+          </a:xfrm>
+          <a:prstGeom prst="straightConnector1">
+            <a:avLst/>
+          </a:prstGeom>
+          <a:ln w="50800">
+            <a:solidFill>
+              <a:schemeClr val="tx1"/>
+            </a:solidFill>
+            <a:tailEnd type="triangle"/>
+          </a:ln>
+        </p:spPr>
+        <p:style>
+          <a:lnRef idx="1">
+            <a:schemeClr val="accent1"/>
+          </a:lnRef>
+          <a:fillRef idx="0">
+            <a:schemeClr val="accent1"/>
+          </a:fillRef>
+          <a:effectRef idx="0">
+            <a:schemeClr val="accent1"/>
+          </a:effectRef>
+          <a:fontRef idx="minor">
+            <a:schemeClr val="tx1"/>
+          </a:fontRef>
+        </p:style>
+      </p:cxnSp>
+      <p:sp>
+        <p:nvSpPr>
+          <p:cNvPr id="18" name="직사각형 17">
+            <a:extLst>
+              <a:ext uri="{FF2B5EF4-FFF2-40B4-BE49-F238E27FC236}">
+                <a16:creationId xmlns:a16="http://schemas.microsoft.com/office/drawing/2014/main" id="{C81ADA8F-281D-E14A-8B64-F4602F93FE30}"/>
+              </a:ext>
+            </a:extLst>
+          </p:cNvPr>
+          <p:cNvSpPr/>
+          <p:nvPr/>
+        </p:nvSpPr>
+        <p:spPr>
+          <a:xfrm>
+            <a:off x="647182" y="4386014"/>
+            <a:ext cx="3454416" cy="269790"/>
+          </a:xfrm>
+          <a:prstGeom prst="rect">
+            <a:avLst/>
+          </a:prstGeom>
+          <a:noFill/>
+          <a:ln>
+            <a:solidFill>
+              <a:schemeClr val="tx1"/>
+            </a:solidFill>
+          </a:ln>
+        </p:spPr>
+        <p:style>
+          <a:lnRef idx="2">
+            <a:schemeClr val="accent1">
+              <a:shade val="50000"/>
+            </a:schemeClr>
+          </a:lnRef>
+          <a:fillRef idx="1">
+            <a:schemeClr val="accent1"/>
+          </a:fillRef>
+          <a:effectRef idx="0">
+            <a:schemeClr val="accent1"/>
+          </a:effectRef>
+          <a:fontRef idx="minor">
+            <a:schemeClr val="lt1"/>
+          </a:fontRef>
+        </p:style>
+        <p:txBody>
+          <a:bodyPr rtlCol="0" anchor="ctr"/>
+          <a:lstStyle/>
+          <a:p>
+            <a:pPr algn="ctr"/>
+            <a:endParaRPr kumimoji="1" lang="ko-KR" altLang="en-US"/>
+          </a:p>
+        </p:txBody>
+      </p:sp>
+      <p:sp>
+        <p:nvSpPr>
+          <p:cNvPr id="19" name="직사각형 18">
+            <a:extLst>
+              <a:ext uri="{FF2B5EF4-FFF2-40B4-BE49-F238E27FC236}">
+                <a16:creationId xmlns:a16="http://schemas.microsoft.com/office/drawing/2014/main" id="{810C6D4C-AF29-C546-AAFB-2EA391B97AF9}"/>
+              </a:ext>
+            </a:extLst>
+          </p:cNvPr>
+          <p:cNvSpPr/>
+          <p:nvPr/>
+        </p:nvSpPr>
+        <p:spPr>
+          <a:xfrm>
+            <a:off x="4528302" y="4386014"/>
+            <a:ext cx="3454416" cy="269790"/>
+          </a:xfrm>
+          <a:prstGeom prst="rect">
+            <a:avLst/>
+          </a:prstGeom>
+          <a:noFill/>
+          <a:ln>
+            <a:solidFill>
+              <a:schemeClr val="tx1"/>
+            </a:solidFill>
+          </a:ln>
+        </p:spPr>
+        <p:style>
+          <a:lnRef idx="2">
+            <a:schemeClr val="accent1">
+              <a:shade val="50000"/>
+            </a:schemeClr>
+          </a:lnRef>
+          <a:fillRef idx="1">
+            <a:schemeClr val="accent1"/>
+          </a:fillRef>
+          <a:effectRef idx="0">
+            <a:schemeClr val="accent1"/>
+          </a:effectRef>
+          <a:fontRef idx="minor">
+            <a:schemeClr val="lt1"/>
+          </a:fontRef>
+        </p:style>
+        <p:txBody>
+          <a:bodyPr rtlCol="0" anchor="ctr"/>
+          <a:lstStyle/>
+          <a:p>
+            <a:pPr algn="ctr"/>
+            <a:endParaRPr kumimoji="1" lang="ko-KR" altLang="en-US"/>
+          </a:p>
+        </p:txBody>
+      </p:sp>
+      <p:sp>
+        <p:nvSpPr>
+          <p:cNvPr id="20" name="TextBox 19">
+            <a:extLst>
+              <a:ext uri="{FF2B5EF4-FFF2-40B4-BE49-F238E27FC236}">
+                <a16:creationId xmlns:a16="http://schemas.microsoft.com/office/drawing/2014/main" id="{81F97977-28BA-9E42-AFBE-6CD207DC5C30}"/>
+              </a:ext>
+            </a:extLst>
+          </p:cNvPr>
+          <p:cNvSpPr txBox="1"/>
+          <p:nvPr/>
+        </p:nvSpPr>
+        <p:spPr>
+          <a:xfrm>
+            <a:off x="6035444" y="4669504"/>
+            <a:ext cx="437940" cy="369332"/>
+          </a:xfrm>
+          <a:prstGeom prst="rect">
+            <a:avLst/>
+          </a:prstGeom>
+          <a:noFill/>
+        </p:spPr>
+        <p:txBody>
+          <a:bodyPr wrap="none" rtlCol="0">
+            <a:spAutoFit/>
+          </a:bodyPr>
+          <a:lstStyle/>
+          <a:p>
+            <a:r>
+              <a:rPr kumimoji="1" lang="en-US" altLang="ko-KR" dirty="0"/>
+              <a:t>64</a:t>
+            </a:r>
+            <a:endParaRPr kumimoji="1" lang="ko-KR" altLang="en-US" dirty="0"/>
+          </a:p>
+        </p:txBody>
+      </p:sp>
+      <p:sp>
+        <p:nvSpPr>
+          <p:cNvPr id="21" name="TextBox 20">
+            <a:extLst>
+              <a:ext uri="{FF2B5EF4-FFF2-40B4-BE49-F238E27FC236}">
+                <a16:creationId xmlns:a16="http://schemas.microsoft.com/office/drawing/2014/main" id="{B5316EDB-C709-444E-9BFD-2DEA55B98EE1}"/>
+              </a:ext>
+            </a:extLst>
+          </p:cNvPr>
+          <p:cNvSpPr txBox="1"/>
+          <p:nvPr/>
+        </p:nvSpPr>
+        <p:spPr>
+          <a:xfrm>
+            <a:off x="2154324" y="4669504"/>
+            <a:ext cx="437940" cy="369332"/>
+          </a:xfrm>
+          <a:prstGeom prst="rect">
+            <a:avLst/>
+          </a:prstGeom>
+          <a:noFill/>
+        </p:spPr>
+        <p:txBody>
+          <a:bodyPr wrap="none" rtlCol="0">
+            <a:spAutoFit/>
+          </a:bodyPr>
+          <a:lstStyle/>
+          <a:p>
+            <a:r>
+              <a:rPr kumimoji="1" lang="en-US" altLang="ko-KR" dirty="0"/>
+              <a:t>64</a:t>
+            </a:r>
+            <a:endParaRPr kumimoji="1" lang="ko-KR" altLang="en-US" dirty="0"/>
+          </a:p>
+        </p:txBody>
+      </p:sp>
+      <p:cxnSp>
+        <p:nvCxnSpPr>
+          <p:cNvPr id="23" name="직선 화살표 연결선 22">
+            <a:extLst>
+              <a:ext uri="{FF2B5EF4-FFF2-40B4-BE49-F238E27FC236}">
+                <a16:creationId xmlns:a16="http://schemas.microsoft.com/office/drawing/2014/main" id="{D7E8342A-B412-9843-81AB-1C21239EC849}"/>
+              </a:ext>
+            </a:extLst>
+          </p:cNvPr>
+          <p:cNvCxnSpPr>
+            <a:cxnSpLocks/>
+          </p:cNvCxnSpPr>
+          <p:nvPr/>
+        </p:nvCxnSpPr>
+        <p:spPr>
+          <a:xfrm flipV="1">
+            <a:off x="2374390" y="3679370"/>
+            <a:ext cx="0" cy="585978"/>
+          </a:xfrm>
+          <a:prstGeom prst="straightConnector1">
+            <a:avLst/>
+          </a:prstGeom>
+          <a:ln w="50800">
+            <a:solidFill>
+              <a:schemeClr val="tx1"/>
+            </a:solidFill>
+            <a:tailEnd type="triangle"/>
+          </a:ln>
+        </p:spPr>
+        <p:style>
+          <a:lnRef idx="1">
+            <a:schemeClr val="accent1"/>
+          </a:lnRef>
+          <a:fillRef idx="0">
+            <a:schemeClr val="accent1"/>
+          </a:fillRef>
+          <a:effectRef idx="0">
+            <a:schemeClr val="accent1"/>
+          </a:effectRef>
+          <a:fontRef idx="minor">
+            <a:schemeClr val="tx1"/>
+          </a:fontRef>
+        </p:style>
+      </p:cxnSp>
+      <p:cxnSp>
+        <p:nvCxnSpPr>
+          <p:cNvPr id="28" name="직선 화살표 연결선 27">
+            <a:extLst>
+              <a:ext uri="{FF2B5EF4-FFF2-40B4-BE49-F238E27FC236}">
+                <a16:creationId xmlns:a16="http://schemas.microsoft.com/office/drawing/2014/main" id="{9F7A2C59-5DEB-6544-9412-6A1205223144}"/>
+              </a:ext>
+            </a:extLst>
+          </p:cNvPr>
+          <p:cNvCxnSpPr>
+            <a:cxnSpLocks/>
+          </p:cNvCxnSpPr>
+          <p:nvPr/>
+        </p:nvCxnSpPr>
+        <p:spPr>
+          <a:xfrm flipV="1">
+            <a:off x="6255510" y="3679370"/>
+            <a:ext cx="0" cy="585978"/>
+          </a:xfrm>
+          <a:prstGeom prst="straightConnector1">
+            <a:avLst/>
+          </a:prstGeom>
+          <a:ln w="50800">
+            <a:solidFill>
+              <a:schemeClr val="tx1"/>
+            </a:solidFill>
+            <a:tailEnd type="triangle"/>
+          </a:ln>
+        </p:spPr>
+        <p:style>
+          <a:lnRef idx="1">
+            <a:schemeClr val="accent1"/>
+          </a:lnRef>
+          <a:fillRef idx="0">
+            <a:schemeClr val="accent1"/>
+          </a:fillRef>
+          <a:effectRef idx="0">
+            <a:schemeClr val="accent1"/>
+          </a:effectRef>
+          <a:fontRef idx="minor">
+            <a:schemeClr val="tx1"/>
+          </a:fontRef>
+        </p:style>
+      </p:cxnSp>
+      <p:cxnSp>
+        <p:nvCxnSpPr>
+          <p:cNvPr id="29" name="직선 화살표 연결선 28">
+            <a:extLst>
+              <a:ext uri="{FF2B5EF4-FFF2-40B4-BE49-F238E27FC236}">
+                <a16:creationId xmlns:a16="http://schemas.microsoft.com/office/drawing/2014/main" id="{458387FF-BE18-E64E-A038-5C708EED75F2}"/>
+              </a:ext>
+            </a:extLst>
+          </p:cNvPr>
+          <p:cNvCxnSpPr>
+            <a:cxnSpLocks/>
+          </p:cNvCxnSpPr>
+          <p:nvPr/>
+        </p:nvCxnSpPr>
+        <p:spPr>
+          <a:xfrm flipV="1">
+            <a:off x="4284470" y="2256970"/>
+            <a:ext cx="0" cy="585978"/>
+          </a:xfrm>
+          <a:prstGeom prst="straightConnector1">
+            <a:avLst/>
+          </a:prstGeom>
+          <a:ln w="50800">
+            <a:solidFill>
+              <a:schemeClr val="tx1"/>
+            </a:solidFill>
+            <a:tailEnd type="triangle"/>
+          </a:ln>
+        </p:spPr>
+        <p:style>
+          <a:lnRef idx="1">
+            <a:schemeClr val="accent1"/>
+          </a:lnRef>
+          <a:fillRef idx="0">
+            <a:schemeClr val="accent1"/>
+          </a:fillRef>
+          <a:effectRef idx="0">
+            <a:schemeClr val="accent1"/>
+          </a:effectRef>
+          <a:fontRef idx="minor">
+            <a:schemeClr val="tx1"/>
+          </a:fontRef>
+        </p:style>
+      </p:cxnSp>
+      <p:sp>
+        <p:nvSpPr>
+          <p:cNvPr id="30" name="직사각형 29">
+            <a:extLst>
+              <a:ext uri="{FF2B5EF4-FFF2-40B4-BE49-F238E27FC236}">
+                <a16:creationId xmlns:a16="http://schemas.microsoft.com/office/drawing/2014/main" id="{42E55769-EC70-304A-8845-0B15A2494218}"/>
+              </a:ext>
+            </a:extLst>
+          </p:cNvPr>
+          <p:cNvSpPr/>
+          <p:nvPr/>
+        </p:nvSpPr>
+        <p:spPr>
+          <a:xfrm flipV="1">
+            <a:off x="4175168" y="1847942"/>
+            <a:ext cx="237718" cy="237718"/>
+          </a:xfrm>
+          <a:prstGeom prst="rect">
+            <a:avLst/>
+          </a:prstGeom>
+          <a:noFill/>
+          <a:ln>
+            <a:solidFill>
+              <a:schemeClr val="tx1"/>
+            </a:solidFill>
+          </a:ln>
+        </p:spPr>
+        <p:style>
+          <a:lnRef idx="2">
+            <a:schemeClr val="accent1">
+              <a:shade val="50000"/>
+            </a:schemeClr>
+          </a:lnRef>
+          <a:fillRef idx="1">
+            <a:schemeClr val="accent1"/>
+          </a:fillRef>
+          <a:effectRef idx="0">
+            <a:schemeClr val="accent1"/>
+          </a:effectRef>
+          <a:fontRef idx="minor">
+            <a:schemeClr val="lt1"/>
+          </a:fontRef>
+        </p:style>
+        <p:txBody>
+          <a:bodyPr rtlCol="0" anchor="ctr"/>
+          <a:lstStyle/>
+          <a:p>
+            <a:pPr algn="ctr"/>
+            <a:endParaRPr kumimoji="1" lang="ko-KR" altLang="en-US"/>
+          </a:p>
+        </p:txBody>
+      </p:sp>
+      <p:sp>
+        <p:nvSpPr>
+          <p:cNvPr id="31" name="직사각형 30">
+            <a:extLst>
+              <a:ext uri="{FF2B5EF4-FFF2-40B4-BE49-F238E27FC236}">
+                <a16:creationId xmlns:a16="http://schemas.microsoft.com/office/drawing/2014/main" id="{F0F8152D-B296-6E4C-B779-ABCB43C6DF93}"/>
+              </a:ext>
+            </a:extLst>
+          </p:cNvPr>
+          <p:cNvSpPr/>
+          <p:nvPr/>
+        </p:nvSpPr>
+        <p:spPr>
+          <a:xfrm flipV="1">
+            <a:off x="4479968" y="1847942"/>
+            <a:ext cx="237718" cy="237718"/>
+          </a:xfrm>
+          <a:prstGeom prst="rect">
+            <a:avLst/>
+          </a:prstGeom>
+          <a:noFill/>
+          <a:ln>
+            <a:solidFill>
+              <a:schemeClr val="tx1"/>
+            </a:solidFill>
+          </a:ln>
+        </p:spPr>
+        <p:style>
+          <a:lnRef idx="2">
+            <a:schemeClr val="accent1">
+              <a:shade val="50000"/>
+            </a:schemeClr>
+          </a:lnRef>
+          <a:fillRef idx="1">
+            <a:schemeClr val="accent1"/>
+          </a:fillRef>
+          <a:effectRef idx="0">
+            <a:schemeClr val="accent1"/>
+          </a:effectRef>
+          <a:fontRef idx="minor">
+            <a:schemeClr val="lt1"/>
+          </a:fontRef>
+        </p:style>
+        <p:txBody>
+          <a:bodyPr rtlCol="0" anchor="ctr"/>
+          <a:lstStyle/>
+          <a:p>
+            <a:pPr algn="ctr"/>
+            <a:endParaRPr kumimoji="1" lang="ko-KR" altLang="en-US"/>
+          </a:p>
+        </p:txBody>
+      </p:sp>
+      <p:sp>
+        <p:nvSpPr>
+          <p:cNvPr id="32" name="직사각형 31">
+            <a:extLst>
+              <a:ext uri="{FF2B5EF4-FFF2-40B4-BE49-F238E27FC236}">
+                <a16:creationId xmlns:a16="http://schemas.microsoft.com/office/drawing/2014/main" id="{BA299AD1-AE9C-D64B-9DC2-B752EC3004F9}"/>
+              </a:ext>
+            </a:extLst>
+          </p:cNvPr>
+          <p:cNvSpPr/>
+          <p:nvPr/>
+        </p:nvSpPr>
+        <p:spPr>
+          <a:xfrm flipV="1">
+            <a:off x="4805088" y="1847942"/>
+            <a:ext cx="237718" cy="237718"/>
+          </a:xfrm>
+          <a:prstGeom prst="rect">
+            <a:avLst/>
+          </a:prstGeom>
+          <a:noFill/>
+          <a:ln>
+            <a:solidFill>
+              <a:schemeClr val="tx1"/>
+            </a:solidFill>
+          </a:ln>
+        </p:spPr>
+        <p:style>
+          <a:lnRef idx="2">
+            <a:schemeClr val="accent1">
+              <a:shade val="50000"/>
+            </a:schemeClr>
+          </a:lnRef>
+          <a:fillRef idx="1">
+            <a:schemeClr val="accent1"/>
+          </a:fillRef>
+          <a:effectRef idx="0">
+            <a:schemeClr val="accent1"/>
+          </a:effectRef>
+          <a:fontRef idx="minor">
+            <a:schemeClr val="lt1"/>
+          </a:fontRef>
+        </p:style>
+        <p:txBody>
+          <a:bodyPr rtlCol="0" anchor="ctr"/>
+          <a:lstStyle/>
+          <a:p>
+            <a:pPr algn="ctr"/>
+            <a:endParaRPr kumimoji="1" lang="ko-KR" altLang="en-US"/>
+          </a:p>
+        </p:txBody>
+      </p:sp>
+      <p:sp>
+        <p:nvSpPr>
+          <p:cNvPr id="33" name="타원 32">
+            <a:extLst>
+              <a:ext uri="{FF2B5EF4-FFF2-40B4-BE49-F238E27FC236}">
+                <a16:creationId xmlns:a16="http://schemas.microsoft.com/office/drawing/2014/main" id="{C27A7FC2-8A65-E246-A9CF-010C386FF371}"/>
+              </a:ext>
+            </a:extLst>
+          </p:cNvPr>
+          <p:cNvSpPr/>
+          <p:nvPr/>
+        </p:nvSpPr>
+        <p:spPr>
+          <a:xfrm>
+            <a:off x="5130208" y="1907371"/>
+            <a:ext cx="118859" cy="118859"/>
+          </a:xfrm>
+          <a:prstGeom prst="ellipse">
+            <a:avLst/>
+          </a:prstGeom>
+          <a:solidFill>
+            <a:schemeClr val="tx1"/>
+          </a:solidFill>
+          <a:ln>
+            <a:noFill/>
+          </a:ln>
+        </p:spPr>
+        <p:style>
+          <a:lnRef idx="2">
+            <a:schemeClr val="accent1">
+              <a:shade val="50000"/>
+            </a:schemeClr>
+          </a:lnRef>
+          <a:fillRef idx="1">
+            <a:schemeClr val="accent1"/>
+          </a:fillRef>
+          <a:effectRef idx="0">
+            <a:schemeClr val="accent1"/>
+          </a:effectRef>
+          <a:fontRef idx="minor">
+            <a:schemeClr val="lt1"/>
+          </a:fontRef>
+        </p:style>
+        <p:txBody>
+          <a:bodyPr rtlCol="0" anchor="ctr"/>
+          <a:lstStyle/>
+          <a:p>
+            <a:pPr algn="ctr"/>
+            <a:endParaRPr kumimoji="1" lang="ko-KR" altLang="en-US"/>
+          </a:p>
+        </p:txBody>
+      </p:sp>
+      <p:sp>
+        <p:nvSpPr>
+          <p:cNvPr id="34" name="타원 33">
+            <a:extLst>
+              <a:ext uri="{FF2B5EF4-FFF2-40B4-BE49-F238E27FC236}">
+                <a16:creationId xmlns:a16="http://schemas.microsoft.com/office/drawing/2014/main" id="{ACC1D3DB-9F7C-5D43-A075-BF649BD8EE6A}"/>
+              </a:ext>
+            </a:extLst>
+          </p:cNvPr>
+          <p:cNvSpPr/>
+          <p:nvPr/>
+        </p:nvSpPr>
+        <p:spPr>
+          <a:xfrm>
+            <a:off x="5304380" y="1907371"/>
+            <a:ext cx="118859" cy="118859"/>
+          </a:xfrm>
+          <a:prstGeom prst="ellipse">
+            <a:avLst/>
+          </a:prstGeom>
+          <a:solidFill>
+            <a:schemeClr val="tx1"/>
+          </a:solidFill>
+          <a:ln>
+            <a:noFill/>
+          </a:ln>
+        </p:spPr>
+        <p:style>
+          <a:lnRef idx="2">
+            <a:schemeClr val="accent1">
+              <a:shade val="50000"/>
+            </a:schemeClr>
+          </a:lnRef>
+          <a:fillRef idx="1">
+            <a:schemeClr val="accent1"/>
+          </a:fillRef>
+          <a:effectRef idx="0">
+            <a:schemeClr val="accent1"/>
+          </a:effectRef>
+          <a:fontRef idx="minor">
+            <a:schemeClr val="lt1"/>
+          </a:fontRef>
+        </p:style>
+        <p:txBody>
+          <a:bodyPr rtlCol="0" anchor="ctr"/>
+          <a:lstStyle/>
+          <a:p>
+            <a:pPr algn="ctr"/>
+            <a:endParaRPr kumimoji="1" lang="ko-KR" altLang="en-US"/>
+          </a:p>
+        </p:txBody>
+      </p:sp>
+      <p:sp>
+        <p:nvSpPr>
+          <p:cNvPr id="35" name="타원 34">
+            <a:extLst>
+              <a:ext uri="{FF2B5EF4-FFF2-40B4-BE49-F238E27FC236}">
+                <a16:creationId xmlns:a16="http://schemas.microsoft.com/office/drawing/2014/main" id="{659443A3-2BE5-EC48-AF24-E738EF01A61D}"/>
+              </a:ext>
+            </a:extLst>
+          </p:cNvPr>
+          <p:cNvSpPr/>
+          <p:nvPr/>
+        </p:nvSpPr>
+        <p:spPr>
+          <a:xfrm>
+            <a:off x="5456189" y="1907371"/>
+            <a:ext cx="118859" cy="118859"/>
+          </a:xfrm>
+          <a:prstGeom prst="ellipse">
+            <a:avLst/>
+          </a:prstGeom>
+          <a:solidFill>
+            <a:schemeClr val="tx1"/>
+          </a:solidFill>
+          <a:ln>
+            <a:noFill/>
+          </a:ln>
+        </p:spPr>
+        <p:style>
+          <a:lnRef idx="2">
+            <a:schemeClr val="accent1">
+              <a:shade val="50000"/>
+            </a:schemeClr>
+          </a:lnRef>
+          <a:fillRef idx="1">
+            <a:schemeClr val="accent1"/>
+          </a:fillRef>
+          <a:effectRef idx="0">
+            <a:schemeClr val="accent1"/>
+          </a:effectRef>
+          <a:fontRef idx="minor">
+            <a:schemeClr val="lt1"/>
+          </a:fontRef>
+        </p:style>
+        <p:txBody>
+          <a:bodyPr rtlCol="0" anchor="ctr"/>
+          <a:lstStyle/>
+          <a:p>
+            <a:pPr algn="ctr"/>
+            <a:endParaRPr kumimoji="1" lang="ko-KR" altLang="en-US"/>
+          </a:p>
+        </p:txBody>
+      </p:sp>
+      <p:sp>
+        <p:nvSpPr>
+          <p:cNvPr id="36" name="타원 35">
+            <a:extLst>
+              <a:ext uri="{FF2B5EF4-FFF2-40B4-BE49-F238E27FC236}">
+                <a16:creationId xmlns:a16="http://schemas.microsoft.com/office/drawing/2014/main" id="{31B83CD0-78F7-D94E-ABB1-6A5E39996537}"/>
+              </a:ext>
+            </a:extLst>
+          </p:cNvPr>
+          <p:cNvSpPr/>
+          <p:nvPr/>
+        </p:nvSpPr>
+        <p:spPr>
+          <a:xfrm>
+            <a:off x="5630361" y="1907371"/>
+            <a:ext cx="118859" cy="118859"/>
+          </a:xfrm>
+          <a:prstGeom prst="ellipse">
+            <a:avLst/>
+          </a:prstGeom>
+          <a:solidFill>
+            <a:schemeClr val="tx1"/>
+          </a:solidFill>
+          <a:ln>
+            <a:noFill/>
+          </a:ln>
+        </p:spPr>
+        <p:style>
+          <a:lnRef idx="2">
+            <a:schemeClr val="accent1">
+              <a:shade val="50000"/>
+            </a:schemeClr>
+          </a:lnRef>
+          <a:fillRef idx="1">
+            <a:schemeClr val="accent1"/>
+          </a:fillRef>
+          <a:effectRef idx="0">
+            <a:schemeClr val="accent1"/>
+          </a:effectRef>
+          <a:fontRef idx="minor">
+            <a:schemeClr val="lt1"/>
+          </a:fontRef>
+        </p:style>
+        <p:txBody>
+          <a:bodyPr rtlCol="0" anchor="ctr"/>
+          <a:lstStyle/>
+          <a:p>
+            <a:pPr algn="ctr"/>
+            <a:endParaRPr kumimoji="1" lang="ko-KR" altLang="en-US"/>
+          </a:p>
+        </p:txBody>
+      </p:sp>
+      <p:sp>
+        <p:nvSpPr>
+          <p:cNvPr id="39" name="타원 38">
+            <a:extLst>
+              <a:ext uri="{FF2B5EF4-FFF2-40B4-BE49-F238E27FC236}">
+                <a16:creationId xmlns:a16="http://schemas.microsoft.com/office/drawing/2014/main" id="{5A0838BD-0CEF-0449-8ED2-64FD12B5F616}"/>
+              </a:ext>
+            </a:extLst>
+          </p:cNvPr>
+          <p:cNvSpPr/>
+          <p:nvPr/>
+        </p:nvSpPr>
+        <p:spPr>
+          <a:xfrm>
+            <a:off x="5790019" y="1907371"/>
+            <a:ext cx="118859" cy="118859"/>
+          </a:xfrm>
+          <a:prstGeom prst="ellipse">
+            <a:avLst/>
+          </a:prstGeom>
+          <a:solidFill>
+            <a:schemeClr val="tx1"/>
+          </a:solidFill>
+          <a:ln>
+            <a:noFill/>
+          </a:ln>
+        </p:spPr>
+        <p:style>
+          <a:lnRef idx="2">
+            <a:schemeClr val="accent1">
+              <a:shade val="50000"/>
+            </a:schemeClr>
+          </a:lnRef>
+          <a:fillRef idx="1">
+            <a:schemeClr val="accent1"/>
+          </a:fillRef>
+          <a:effectRef idx="0">
+            <a:schemeClr val="accent1"/>
+          </a:effectRef>
+          <a:fontRef idx="minor">
+            <a:schemeClr val="lt1"/>
+          </a:fontRef>
+        </p:style>
+        <p:txBody>
+          <a:bodyPr rtlCol="0" anchor="ctr"/>
+          <a:lstStyle/>
+          <a:p>
+            <a:pPr algn="ctr"/>
+            <a:endParaRPr kumimoji="1" lang="ko-KR" altLang="en-US"/>
+          </a:p>
+        </p:txBody>
+      </p:sp>
+      <p:sp>
+        <p:nvSpPr>
+          <p:cNvPr id="40" name="타원 39">
+            <a:extLst>
+              <a:ext uri="{FF2B5EF4-FFF2-40B4-BE49-F238E27FC236}">
+                <a16:creationId xmlns:a16="http://schemas.microsoft.com/office/drawing/2014/main" id="{605801B3-D7A6-274E-9A7F-1CD1F2EADA01}"/>
+              </a:ext>
+            </a:extLst>
+          </p:cNvPr>
+          <p:cNvSpPr/>
+          <p:nvPr/>
+        </p:nvSpPr>
+        <p:spPr>
+          <a:xfrm>
+            <a:off x="5964191" y="1907371"/>
+            <a:ext cx="118859" cy="118859"/>
+          </a:xfrm>
+          <a:prstGeom prst="ellipse">
+            <a:avLst/>
+          </a:prstGeom>
+          <a:solidFill>
+            <a:schemeClr val="tx1"/>
+          </a:solidFill>
+          <a:ln>
+            <a:noFill/>
+          </a:ln>
+        </p:spPr>
+        <p:style>
+          <a:lnRef idx="2">
+            <a:schemeClr val="accent1">
+              <a:shade val="50000"/>
+            </a:schemeClr>
+          </a:lnRef>
+          <a:fillRef idx="1">
+            <a:schemeClr val="accent1"/>
+          </a:fillRef>
+          <a:effectRef idx="0">
+            <a:schemeClr val="accent1"/>
+          </a:effectRef>
+          <a:fontRef idx="minor">
+            <a:schemeClr val="lt1"/>
+          </a:fontRef>
+        </p:style>
+        <p:txBody>
+          <a:bodyPr rtlCol="0" anchor="ctr"/>
+          <a:lstStyle/>
+          <a:p>
+            <a:pPr algn="ctr"/>
+            <a:endParaRPr kumimoji="1" lang="ko-KR" altLang="en-US"/>
+          </a:p>
+        </p:txBody>
+      </p:sp>
+      <p:sp>
+        <p:nvSpPr>
+          <p:cNvPr id="41" name="직사각형 40">
+            <a:extLst>
+              <a:ext uri="{FF2B5EF4-FFF2-40B4-BE49-F238E27FC236}">
+                <a16:creationId xmlns:a16="http://schemas.microsoft.com/office/drawing/2014/main" id="{87629B0B-DC2C-8343-B016-62BDAE07A180}"/>
+              </a:ext>
+            </a:extLst>
+          </p:cNvPr>
+          <p:cNvSpPr/>
+          <p:nvPr/>
+        </p:nvSpPr>
+        <p:spPr>
+          <a:xfrm flipV="1">
+            <a:off x="6194156" y="1851201"/>
+            <a:ext cx="237718" cy="237718"/>
+          </a:xfrm>
+          <a:prstGeom prst="rect">
+            <a:avLst/>
+          </a:prstGeom>
+          <a:noFill/>
+          <a:ln>
+            <a:solidFill>
+              <a:schemeClr val="tx1"/>
+            </a:solidFill>
+          </a:ln>
+        </p:spPr>
+        <p:style>
+          <a:lnRef idx="2">
+            <a:schemeClr val="accent1">
+              <a:shade val="50000"/>
+            </a:schemeClr>
+          </a:lnRef>
+          <a:fillRef idx="1">
+            <a:schemeClr val="accent1"/>
+          </a:fillRef>
+          <a:effectRef idx="0">
+            <a:schemeClr val="accent1"/>
+          </a:effectRef>
+          <a:fontRef idx="minor">
+            <a:schemeClr val="lt1"/>
+          </a:fontRef>
+        </p:style>
+        <p:txBody>
+          <a:bodyPr rtlCol="0" anchor="ctr"/>
+          <a:lstStyle/>
+          <a:p>
+            <a:pPr algn="ctr"/>
+            <a:endParaRPr kumimoji="1" lang="ko-KR" altLang="en-US"/>
+          </a:p>
+        </p:txBody>
+      </p:sp>
+      <p:sp>
+        <p:nvSpPr>
+          <p:cNvPr id="42" name="직사각형 41">
+            <a:extLst>
+              <a:ext uri="{FF2B5EF4-FFF2-40B4-BE49-F238E27FC236}">
+                <a16:creationId xmlns:a16="http://schemas.microsoft.com/office/drawing/2014/main" id="{DE558AE1-BF4E-A34D-BFF6-33BF0A397F13}"/>
+              </a:ext>
+            </a:extLst>
+          </p:cNvPr>
+          <p:cNvSpPr/>
+          <p:nvPr/>
+        </p:nvSpPr>
+        <p:spPr>
+          <a:xfrm flipV="1">
+            <a:off x="6498956" y="1851201"/>
+            <a:ext cx="237718" cy="237718"/>
+          </a:xfrm>
+          <a:prstGeom prst="rect">
+            <a:avLst/>
+          </a:prstGeom>
+          <a:noFill/>
+          <a:ln>
+            <a:solidFill>
+              <a:schemeClr val="tx1"/>
+            </a:solidFill>
+          </a:ln>
+        </p:spPr>
+        <p:style>
+          <a:lnRef idx="2">
+            <a:schemeClr val="accent1">
+              <a:shade val="50000"/>
+            </a:schemeClr>
+          </a:lnRef>
+          <a:fillRef idx="1">
+            <a:schemeClr val="accent1"/>
+          </a:fillRef>
+          <a:effectRef idx="0">
+            <a:schemeClr val="accent1"/>
+          </a:effectRef>
+          <a:fontRef idx="minor">
+            <a:schemeClr val="lt1"/>
+          </a:fontRef>
+        </p:style>
+        <p:txBody>
+          <a:bodyPr rtlCol="0" anchor="ctr"/>
+          <a:lstStyle/>
+          <a:p>
+            <a:pPr algn="ctr"/>
+            <a:endParaRPr kumimoji="1" lang="ko-KR" altLang="en-US"/>
+          </a:p>
+        </p:txBody>
+      </p:sp>
+      <p:sp>
+        <p:nvSpPr>
+          <p:cNvPr id="43" name="직사각형 42">
+            <a:extLst>
+              <a:ext uri="{FF2B5EF4-FFF2-40B4-BE49-F238E27FC236}">
+                <a16:creationId xmlns:a16="http://schemas.microsoft.com/office/drawing/2014/main" id="{E8E285BE-8AD9-7141-B705-46855A4D8624}"/>
+              </a:ext>
+            </a:extLst>
+          </p:cNvPr>
+          <p:cNvSpPr/>
+          <p:nvPr/>
+        </p:nvSpPr>
+        <p:spPr>
+          <a:xfrm flipV="1">
+            <a:off x="6824076" y="1851201"/>
+            <a:ext cx="237718" cy="237718"/>
+          </a:xfrm>
+          <a:prstGeom prst="rect">
+            <a:avLst/>
+          </a:prstGeom>
+          <a:noFill/>
+          <a:ln>
+            <a:solidFill>
+              <a:schemeClr val="tx1"/>
+            </a:solidFill>
+          </a:ln>
+        </p:spPr>
+        <p:style>
+          <a:lnRef idx="2">
+            <a:schemeClr val="accent1">
+              <a:shade val="50000"/>
+            </a:schemeClr>
+          </a:lnRef>
+          <a:fillRef idx="1">
+            <a:schemeClr val="accent1"/>
+          </a:fillRef>
+          <a:effectRef idx="0">
+            <a:schemeClr val="accent1"/>
+          </a:effectRef>
+          <a:fontRef idx="minor">
+            <a:schemeClr val="lt1"/>
+          </a:fontRef>
+        </p:style>
+        <p:txBody>
+          <a:bodyPr rtlCol="0" anchor="ctr"/>
+          <a:lstStyle/>
+          <a:p>
+            <a:pPr algn="ctr"/>
+            <a:endParaRPr kumimoji="1" lang="ko-KR" altLang="en-US"/>
+          </a:p>
+        </p:txBody>
+      </p:sp>
+      <p:sp>
+        <p:nvSpPr>
+          <p:cNvPr id="44" name="오른쪽 중괄호[R] 43">
+            <a:extLst>
+              <a:ext uri="{FF2B5EF4-FFF2-40B4-BE49-F238E27FC236}">
+                <a16:creationId xmlns:a16="http://schemas.microsoft.com/office/drawing/2014/main" id="{0EC611DF-8824-3846-A9E8-9F87784B0F7E}"/>
+              </a:ext>
+            </a:extLst>
+          </p:cNvPr>
+          <p:cNvSpPr/>
+          <p:nvPr/>
+        </p:nvSpPr>
+        <p:spPr>
+          <a:xfrm rot="16200000">
+            <a:off x="5397227" y="97122"/>
+            <a:ext cx="442510" cy="2886628"/>
+          </a:xfrm>
+          <a:prstGeom prst="rightBrace">
+            <a:avLst/>
+          </a:prstGeom>
+          <a:noFill/>
+          <a:ln>
+            <a:solidFill>
+              <a:srgbClr val="FF0000"/>
+            </a:solidFill>
+          </a:ln>
+        </p:spPr>
+        <p:style>
+          <a:lnRef idx="1">
+            <a:schemeClr val="accent1"/>
+          </a:lnRef>
+          <a:fillRef idx="0">
+            <a:schemeClr val="accent1"/>
+          </a:fillRef>
+          <a:effectRef idx="0">
+            <a:schemeClr val="accent1"/>
+          </a:effectRef>
+          <a:fontRef idx="minor">
+            <a:schemeClr val="tx1"/>
+          </a:fontRef>
+        </p:style>
+        <p:txBody>
+          <a:bodyPr rtlCol="0" anchor="ctr"/>
+          <a:lstStyle/>
+          <a:p>
+            <a:pPr algn="ctr"/>
+            <a:endParaRPr kumimoji="1" lang="ko-KR" altLang="en-US"/>
+          </a:p>
+        </p:txBody>
+      </p:sp>
+      <p:sp>
+        <p:nvSpPr>
+          <p:cNvPr id="45" name="TextBox 44">
+            <a:extLst>
+              <a:ext uri="{FF2B5EF4-FFF2-40B4-BE49-F238E27FC236}">
+                <a16:creationId xmlns:a16="http://schemas.microsoft.com/office/drawing/2014/main" id="{B1FC9194-040F-FD44-9FFA-5F6AFC7FBEF6}"/>
+              </a:ext>
+            </a:extLst>
+          </p:cNvPr>
+          <p:cNvSpPr txBox="1"/>
+          <p:nvPr/>
+        </p:nvSpPr>
+        <p:spPr>
+          <a:xfrm>
+            <a:off x="4566804" y="926843"/>
+            <a:ext cx="2068195" cy="369332"/>
+          </a:xfrm>
+          <a:prstGeom prst="rect">
+            <a:avLst/>
+          </a:prstGeom>
+          <a:noFill/>
+        </p:spPr>
+        <p:txBody>
+          <a:bodyPr wrap="none" rtlCol="0">
+            <a:spAutoFit/>
+          </a:bodyPr>
+          <a:lstStyle/>
+          <a:p>
+            <a:r>
+              <a:rPr kumimoji="1" lang="en-US" altLang="ko-KR" dirty="0"/>
+              <a:t>96 </a:t>
+            </a:r>
+            <a:r>
+              <a:rPr kumimoji="1" lang="ko-KR" altLang="en-US" dirty="0"/>
+              <a:t>차원 벡터 변환</a:t>
+            </a:r>
+          </a:p>
+        </p:txBody>
+      </p:sp>
+      <p:sp>
+        <p:nvSpPr>
+          <p:cNvPr id="46" name="TextBox 45">
+            <a:extLst>
+              <a:ext uri="{FF2B5EF4-FFF2-40B4-BE49-F238E27FC236}">
+                <a16:creationId xmlns:a16="http://schemas.microsoft.com/office/drawing/2014/main" id="{CD6C4F4A-2A57-5E47-9309-17FD1F3DBBBC}"/>
+              </a:ext>
+            </a:extLst>
+          </p:cNvPr>
+          <p:cNvSpPr txBox="1"/>
+          <p:nvPr/>
+        </p:nvSpPr>
+        <p:spPr>
+          <a:xfrm>
+            <a:off x="1902432" y="6461760"/>
+            <a:ext cx="990656" cy="369332"/>
+          </a:xfrm>
+          <a:prstGeom prst="rect">
+            <a:avLst/>
+          </a:prstGeom>
+          <a:noFill/>
+        </p:spPr>
+        <p:txBody>
+          <a:bodyPr wrap="none" rtlCol="0">
+            <a:spAutoFit/>
+          </a:bodyPr>
+          <a:lstStyle/>
+          <a:p>
+            <a:r>
+              <a:rPr kumimoji="1" lang="en-US" altLang="ko-KR" dirty="0"/>
+              <a:t>Context</a:t>
+            </a:r>
+            <a:endParaRPr kumimoji="1" lang="ko-KR" altLang="en-US" dirty="0"/>
+          </a:p>
+        </p:txBody>
+      </p:sp>
+      <p:sp>
+        <p:nvSpPr>
+          <p:cNvPr id="47" name="TextBox 46">
+            <a:extLst>
+              <a:ext uri="{FF2B5EF4-FFF2-40B4-BE49-F238E27FC236}">
+                <a16:creationId xmlns:a16="http://schemas.microsoft.com/office/drawing/2014/main" id="{646787CC-C12D-B843-983B-AA0C9C0977B5}"/>
+              </a:ext>
+            </a:extLst>
+          </p:cNvPr>
+          <p:cNvSpPr txBox="1"/>
+          <p:nvPr/>
+        </p:nvSpPr>
+        <p:spPr>
+          <a:xfrm>
+            <a:off x="5003505" y="6461760"/>
+            <a:ext cx="2571473" cy="369332"/>
+          </a:xfrm>
+          <a:prstGeom prst="rect">
+            <a:avLst/>
+          </a:prstGeom>
+          <a:noFill/>
+        </p:spPr>
+        <p:txBody>
+          <a:bodyPr wrap="none" rtlCol="0">
+            <a:spAutoFit/>
+          </a:bodyPr>
+          <a:lstStyle/>
+          <a:p>
+            <a:r>
+              <a:rPr kumimoji="1" lang="en-US" altLang="ko-KR" dirty="0"/>
+              <a:t>1-channel feature map</a:t>
+            </a:r>
+            <a:endParaRPr kumimoji="1" lang="ko-KR" altLang="en-US" dirty="0"/>
+          </a:p>
+        </p:txBody>
+      </p:sp>
+    </p:spTree>
+    <p:extLst>
+      <p:ext uri="{BB962C8B-B14F-4D97-AF65-F5344CB8AC3E}">
+        <p14:creationId xmlns:p14="http://schemas.microsoft.com/office/powerpoint/2010/main" val="122174331"/>
+      </p:ext>
+    </p:extLst>
+  </p:cSld>
+  <p:clrMapOvr>
+    <a:masterClrMapping/>
+  </p:clrMapOvr>
+</p:sld>
+</file>
+
 <file path=ppt/theme/theme1.xml><?xml version="1.0" encoding="utf-8"?>
 <a:theme xmlns:a="http://schemas.openxmlformats.org/drawingml/2006/main" name="Office 테마">
   <a:themeElements>
